--- a/MLIII. Práctica 1.pptx
+++ b/MLIII. Práctica 1.pptx
@@ -5,7 +5,7 @@
     <p:sldMasterId id="2147483680" r:id="rId1"/>
   </p:sldMasterIdLst>
   <p:notesMasterIdLst>
-    <p:notesMasterId r:id="rId25"/>
+    <p:notesMasterId r:id="rId26"/>
   </p:notesMasterIdLst>
   <p:sldIdLst>
     <p:sldId id="256" r:id="rId2"/>
@@ -26,32 +26,33 @@
     <p:sldId id="324" r:id="rId17"/>
     <p:sldId id="313" r:id="rId18"/>
     <p:sldId id="265" r:id="rId19"/>
-    <p:sldId id="321" r:id="rId20"/>
-    <p:sldId id="325" r:id="rId21"/>
-    <p:sldId id="314" r:id="rId22"/>
-    <p:sldId id="315" r:id="rId23"/>
-    <p:sldId id="259" r:id="rId24"/>
+    <p:sldId id="326" r:id="rId20"/>
+    <p:sldId id="321" r:id="rId21"/>
+    <p:sldId id="325" r:id="rId22"/>
+    <p:sldId id="314" r:id="rId23"/>
+    <p:sldId id="315" r:id="rId24"/>
+    <p:sldId id="259" r:id="rId25"/>
   </p:sldIdLst>
   <p:sldSz cx="9144000" cy="5143500" type="screen16x9"/>
   <p:notesSz cx="6858000" cy="9144000"/>
   <p:embeddedFontLst>
     <p:embeddedFont>
       <p:font typeface="Anaheim" panose="02000503000000000000" pitchFamily="2" charset="77"/>
-      <p:regular r:id="rId26"/>
+      <p:regular r:id="rId27"/>
     </p:embeddedFont>
     <p:embeddedFont>
       <p:font typeface="Open Sans" panose="020B0606030504020204" pitchFamily="34" charset="0"/>
-      <p:regular r:id="rId27"/>
-      <p:bold r:id="rId28"/>
-      <p:italic r:id="rId29"/>
-      <p:boldItalic r:id="rId30"/>
+      <p:regular r:id="rId28"/>
+      <p:bold r:id="rId29"/>
+      <p:italic r:id="rId30"/>
+      <p:boldItalic r:id="rId31"/>
     </p:embeddedFont>
     <p:embeddedFont>
       <p:font typeface="Playfair Display" pitchFamily="2" charset="77"/>
-      <p:regular r:id="rId31"/>
-      <p:bold r:id="rId32"/>
-      <p:italic r:id="rId33"/>
-      <p:boldItalic r:id="rId34"/>
+      <p:regular r:id="rId32"/>
+      <p:bold r:id="rId33"/>
+      <p:italic r:id="rId34"/>
+      <p:boldItalic r:id="rId35"/>
     </p:embeddedFont>
   </p:embeddedFontLst>
   <p:defaultTextStyle>
@@ -1966,7 +1967,7 @@
     </p:spTree>
     <p:extLst>
       <p:ext uri="{BB962C8B-B14F-4D97-AF65-F5344CB8AC3E}">
-        <p14:creationId xmlns:p14="http://schemas.microsoft.com/office/powerpoint/2010/main" val="3558772154"/>
+        <p14:creationId xmlns:p14="http://schemas.microsoft.com/office/powerpoint/2010/main" val="1373925062"/>
       </p:ext>
     </p:extLst>
   </p:cSld>
@@ -2110,6 +2111,115 @@
   <p:cSld>
     <p:spTree>
       <p:nvGrpSpPr>
+        <p:cNvPr id="1" name="Shape 607"/>
+        <p:cNvGrpSpPr/>
+        <p:nvPr/>
+      </p:nvGrpSpPr>
+      <p:grpSpPr>
+        <a:xfrm>
+          <a:off x="0" y="0"/>
+          <a:ext cx="0" cy="0"/>
+          <a:chOff x="0" y="0"/>
+          <a:chExt cx="0" cy="0"/>
+        </a:xfrm>
+      </p:grpSpPr>
+      <p:sp>
+        <p:nvSpPr>
+          <p:cNvPr id="608" name="Google Shape;608;g2b348404ac2_0_76:notes"/>
+          <p:cNvSpPr>
+            <a:spLocks noGrp="1" noRot="1" noChangeAspect="1"/>
+          </p:cNvSpPr>
+          <p:nvPr>
+            <p:ph type="sldImg" idx="2"/>
+          </p:nvPr>
+        </p:nvSpPr>
+        <p:spPr>
+          <a:xfrm>
+            <a:off x="381000" y="685800"/>
+            <a:ext cx="6096000" cy="3429000"/>
+          </a:xfrm>
+          <a:custGeom>
+            <a:avLst/>
+            <a:gdLst/>
+            <a:ahLst/>
+            <a:cxnLst/>
+            <a:rect l="l" t="t" r="r" b="b"/>
+            <a:pathLst>
+              <a:path w="120000" h="120000" extrusionOk="0">
+                <a:moveTo>
+                  <a:pt x="0" y="0"/>
+                </a:moveTo>
+                <a:lnTo>
+                  <a:pt x="120000" y="0"/>
+                </a:lnTo>
+                <a:lnTo>
+                  <a:pt x="120000" y="120000"/>
+                </a:lnTo>
+                <a:lnTo>
+                  <a:pt x="0" y="120000"/>
+                </a:lnTo>
+                <a:close/>
+              </a:path>
+            </a:pathLst>
+          </a:custGeom>
+        </p:spPr>
+      </p:sp>
+      <p:sp>
+        <p:nvSpPr>
+          <p:cNvPr id="609" name="Google Shape;609;g2b348404ac2_0_76:notes"/>
+          <p:cNvSpPr txBox="1">
+            <a:spLocks noGrp="1"/>
+          </p:cNvSpPr>
+          <p:nvPr>
+            <p:ph type="body" idx="1"/>
+          </p:nvPr>
+        </p:nvSpPr>
+        <p:spPr>
+          <a:xfrm>
+            <a:off x="685800" y="4343400"/>
+            <a:ext cx="5486400" cy="4114800"/>
+          </a:xfrm>
+          <a:prstGeom prst="rect">
+            <a:avLst/>
+          </a:prstGeom>
+        </p:spPr>
+        <p:txBody>
+          <a:bodyPr spcFirstLastPara="1" wrap="square" lIns="91425" tIns="91425" rIns="91425" bIns="91425" anchor="t" anchorCtr="0">
+            <a:noAutofit/>
+          </a:bodyPr>
+          <a:lstStyle/>
+          <a:p>
+            <a:pPr marL="0" lvl="0" indent="0" algn="l" rtl="0">
+              <a:spcBef>
+                <a:spcPts val="0"/>
+              </a:spcBef>
+              <a:spcAft>
+                <a:spcPts val="0"/>
+              </a:spcAft>
+              <a:buNone/>
+            </a:pPr>
+            <a:endParaRPr/>
+          </a:p>
+        </p:txBody>
+      </p:sp>
+    </p:spTree>
+    <p:extLst>
+      <p:ext uri="{BB962C8B-B14F-4D97-AF65-F5344CB8AC3E}">
+        <p14:creationId xmlns:p14="http://schemas.microsoft.com/office/powerpoint/2010/main" val="3558772154"/>
+      </p:ext>
+    </p:extLst>
+  </p:cSld>
+  <p:clrMapOvr>
+    <a:masterClrMapping/>
+  </p:clrMapOvr>
+</p:notes>
+</file>
+
+<file path=ppt/notesSlides/notesSlide21.xml><?xml version="1.0" encoding="utf-8"?>
+<p:notes xmlns:a="http://schemas.openxmlformats.org/drawingml/2006/main" xmlns:r="http://schemas.openxmlformats.org/officeDocument/2006/relationships" xmlns:p="http://schemas.openxmlformats.org/presentationml/2006/main" showMasterSp="0" showMasterPhAnim="0">
+  <p:cSld>
+    <p:spTree>
+      <p:nvGrpSpPr>
         <p:cNvPr id="1" name="Shape 530"/>
         <p:cNvGrpSpPr/>
         <p:nvPr/>
@@ -2239,7 +2349,7 @@
 </p:notes>
 </file>
 
-<file path=ppt/notesSlides/notesSlide21.xml><?xml version="1.0" encoding="utf-8"?>
+<file path=ppt/notesSlides/notesSlide22.xml><?xml version="1.0" encoding="utf-8"?>
 <p:notes xmlns:a="http://schemas.openxmlformats.org/drawingml/2006/main" xmlns:r="http://schemas.openxmlformats.org/officeDocument/2006/relationships" xmlns:p="http://schemas.openxmlformats.org/presentationml/2006/main" showMasterSp="0" showMasterPhAnim="0">
   <p:cSld>
     <p:spTree>
@@ -2348,7 +2458,7 @@
 </p:notes>
 </file>
 
-<file path=ppt/notesSlides/notesSlide22.xml><?xml version="1.0" encoding="utf-8"?>
+<file path=ppt/notesSlides/notesSlide23.xml><?xml version="1.0" encoding="utf-8"?>
 <p:notes xmlns:a="http://schemas.openxmlformats.org/drawingml/2006/main" xmlns:r="http://schemas.openxmlformats.org/officeDocument/2006/relationships" xmlns:p="http://schemas.openxmlformats.org/presentationml/2006/main" showMasterSp="0" showMasterPhAnim="0">
   <p:cSld>
     <p:spTree>
@@ -2457,7 +2567,7 @@
 </p:notes>
 </file>
 
-<file path=ppt/notesSlides/notesSlide23.xml><?xml version="1.0" encoding="utf-8"?>
+<file path=ppt/notesSlides/notesSlide24.xml><?xml version="1.0" encoding="utf-8"?>
 <p:notes xmlns:a="http://schemas.openxmlformats.org/drawingml/2006/main" xmlns:r="http://schemas.openxmlformats.org/officeDocument/2006/relationships" xmlns:p="http://schemas.openxmlformats.org/presentationml/2006/main" showMasterSp="0" showMasterPhAnim="0">
   <p:cSld>
     <p:spTree>
@@ -16923,13 +17033,13 @@
   <p:clrMapOvr>
     <a:masterClrMapping/>
   </p:clrMapOvr>
-  <mc:AlternateContent xmlns:mc="http://schemas.openxmlformats.org/markup-compatibility/2006">
-    <mc:Choice xmlns:p159="http://schemas.microsoft.com/office/powerpoint/2015/09/main" Requires="p159">
+  <mc:AlternateContent xmlns:mc="http://schemas.openxmlformats.org/markup-compatibility/2006" xmlns:p159="http://schemas.microsoft.com/office/powerpoint/2015/09/main">
+    <mc:Choice Requires="p159">
       <p:transition xmlns:p14="http://schemas.microsoft.com/office/powerpoint/2010/main" spd="slow" p14:dur="2000">
         <p159:morph option="byObject"/>
       </p:transition>
     </mc:Choice>
-    <mc:Fallback>
+    <mc:Fallback xmlns="">
       <p:transition spd="slow">
         <p:fade/>
       </p:transition>
@@ -18973,13 +19083,13 @@
   <p:clrMapOvr>
     <a:masterClrMapping/>
   </p:clrMapOvr>
-  <mc:AlternateContent xmlns:mc="http://schemas.openxmlformats.org/markup-compatibility/2006">
-    <mc:Choice xmlns:p159="http://schemas.microsoft.com/office/powerpoint/2015/09/main" Requires="p159">
+  <mc:AlternateContent xmlns:mc="http://schemas.openxmlformats.org/markup-compatibility/2006" xmlns:p159="http://schemas.microsoft.com/office/powerpoint/2015/09/main">
+    <mc:Choice Requires="p159">
       <p:transition xmlns:p14="http://schemas.microsoft.com/office/powerpoint/2010/main" spd="slow" p14:dur="2000">
         <p159:morph option="byObject"/>
       </p:transition>
     </mc:Choice>
-    <mc:Fallback>
+    <mc:Fallback xmlns="">
       <p:transition spd="slow">
         <p:fade/>
       </p:transition>
@@ -19567,13 +19677,13 @@
   <p:clrMapOvr>
     <a:masterClrMapping/>
   </p:clrMapOvr>
-  <mc:AlternateContent xmlns:mc="http://schemas.openxmlformats.org/markup-compatibility/2006">
-    <mc:Choice xmlns:p159="http://schemas.microsoft.com/office/powerpoint/2015/09/main" Requires="p159">
+  <mc:AlternateContent xmlns:mc="http://schemas.openxmlformats.org/markup-compatibility/2006" xmlns:p159="http://schemas.microsoft.com/office/powerpoint/2015/09/main">
+    <mc:Choice Requires="p159">
       <p:transition xmlns:p14="http://schemas.microsoft.com/office/powerpoint/2010/main" spd="slow" p14:dur="2000">
         <p159:morph option="byObject"/>
       </p:transition>
     </mc:Choice>
-    <mc:Fallback>
+    <mc:Fallback xmlns="">
       <p:transition spd="slow">
         <p:fade/>
       </p:transition>
@@ -20359,13 +20469,13 @@
   <p:clrMapOvr>
     <a:masterClrMapping/>
   </p:clrMapOvr>
-  <mc:AlternateContent xmlns:mc="http://schemas.openxmlformats.org/markup-compatibility/2006">
-    <mc:Choice xmlns:p159="http://schemas.microsoft.com/office/powerpoint/2015/09/main" Requires="p159">
+  <mc:AlternateContent xmlns:mc="http://schemas.openxmlformats.org/markup-compatibility/2006" xmlns:p159="http://schemas.microsoft.com/office/powerpoint/2015/09/main">
+    <mc:Choice Requires="p159">
       <p:transition xmlns:p14="http://schemas.microsoft.com/office/powerpoint/2010/main" spd="slow" p14:dur="2000">
         <p159:morph option="byObject"/>
       </p:transition>
     </mc:Choice>
-    <mc:Fallback>
+    <mc:Fallback xmlns="">
       <p:transition spd="slow">
         <p:fade/>
       </p:transition>
@@ -21010,13 +21120,13 @@
   <p:clrMapOvr>
     <a:masterClrMapping/>
   </p:clrMapOvr>
-  <mc:AlternateContent xmlns:mc="http://schemas.openxmlformats.org/markup-compatibility/2006">
-    <mc:Choice xmlns:p159="http://schemas.microsoft.com/office/powerpoint/2015/09/main" Requires="p159">
+  <mc:AlternateContent xmlns:mc="http://schemas.openxmlformats.org/markup-compatibility/2006" xmlns:p159="http://schemas.microsoft.com/office/powerpoint/2015/09/main">
+    <mc:Choice Requires="p159">
       <p:transition xmlns:p14="http://schemas.microsoft.com/office/powerpoint/2010/main" spd="slow" p14:dur="2000">
         <p159:morph option="byObject"/>
       </p:transition>
     </mc:Choice>
-    <mc:Fallback>
+    <mc:Fallback xmlns="">
       <p:transition spd="slow">
         <p:fade/>
       </p:transition>
@@ -21587,13 +21697,13 @@
   <p:clrMapOvr>
     <a:masterClrMapping/>
   </p:clrMapOvr>
-  <mc:AlternateContent xmlns:mc="http://schemas.openxmlformats.org/markup-compatibility/2006">
-    <mc:Choice xmlns:p159="http://schemas.microsoft.com/office/powerpoint/2015/09/main" Requires="p159">
+  <mc:AlternateContent xmlns:mc="http://schemas.openxmlformats.org/markup-compatibility/2006" xmlns:p159="http://schemas.microsoft.com/office/powerpoint/2015/09/main">
+    <mc:Choice Requires="p159">
       <p:transition xmlns:p14="http://schemas.microsoft.com/office/powerpoint/2010/main" spd="slow" p14:dur="2000">
         <p159:morph option="byObject"/>
       </p:transition>
     </mc:Choice>
-    <mc:Fallback>
+    <mc:Fallback xmlns="">
       <p:transition spd="slow">
         <p:fade/>
       </p:transition>
@@ -21680,8 +21790,8 @@
         </p:nvSpPr>
         <p:spPr>
           <a:xfrm>
-            <a:off x="5730438" y="1311965"/>
-            <a:ext cx="3262488" cy="3029447"/>
+            <a:off x="5730438" y="2200658"/>
+            <a:ext cx="3262488" cy="1447138"/>
           </a:xfrm>
           <a:prstGeom prst="rect">
             <a:avLst/>
@@ -22518,13 +22628,13 @@
   <p:clrMapOvr>
     <a:masterClrMapping/>
   </p:clrMapOvr>
-  <mc:AlternateContent xmlns:mc="http://schemas.openxmlformats.org/markup-compatibility/2006">
-    <mc:Choice xmlns:p159="http://schemas.microsoft.com/office/powerpoint/2015/09/main" Requires="p159">
+  <mc:AlternateContent xmlns:mc="http://schemas.openxmlformats.org/markup-compatibility/2006" xmlns:p159="http://schemas.microsoft.com/office/powerpoint/2015/09/main">
+    <mc:Choice Requires="p159">
       <p:transition xmlns:p14="http://schemas.microsoft.com/office/powerpoint/2010/main" spd="slow" p14:dur="2000">
         <p159:morph option="byObject"/>
       </p:transition>
     </mc:Choice>
-    <mc:Fallback>
+    <mc:Fallback xmlns="">
       <p:transition spd="slow">
         <p:fade/>
       </p:transition>
@@ -23112,13 +23222,13 @@
   <p:clrMapOvr>
     <a:masterClrMapping/>
   </p:clrMapOvr>
-  <mc:AlternateContent xmlns:mc="http://schemas.openxmlformats.org/markup-compatibility/2006">
-    <mc:Choice xmlns:p159="http://schemas.microsoft.com/office/powerpoint/2015/09/main" Requires="p159">
+  <mc:AlternateContent xmlns:mc="http://schemas.openxmlformats.org/markup-compatibility/2006" xmlns:p159="http://schemas.microsoft.com/office/powerpoint/2015/09/main">
+    <mc:Choice Requires="p159">
       <p:transition xmlns:p14="http://schemas.microsoft.com/office/powerpoint/2010/main" spd="slow" p14:dur="2000">
         <p159:morph option="byObject"/>
       </p:transition>
     </mc:Choice>
-    <mc:Fallback>
+    <mc:Fallback xmlns="">
       <p:transition spd="slow">
         <p:fade/>
       </p:transition>
@@ -23912,13 +24022,13 @@
   <p:clrMapOvr>
     <a:masterClrMapping/>
   </p:clrMapOvr>
-  <mc:AlternateContent xmlns:mc="http://schemas.openxmlformats.org/markup-compatibility/2006">
-    <mc:Choice xmlns:p159="http://schemas.microsoft.com/office/powerpoint/2015/09/main" Requires="p159">
+  <mc:AlternateContent xmlns:mc="http://schemas.openxmlformats.org/markup-compatibility/2006" xmlns:p159="http://schemas.microsoft.com/office/powerpoint/2015/09/main">
+    <mc:Choice Requires="p159">
       <p:transition xmlns:p14="http://schemas.microsoft.com/office/powerpoint/2010/main" spd="slow" p14:dur="2000">
         <p159:morph option="byObject"/>
       </p:transition>
     </mc:Choice>
-    <mc:Fallback>
+    <mc:Fallback xmlns="">
       <p:transition spd="slow">
         <p:fade/>
       </p:transition>
@@ -24534,13 +24644,13 @@
   <p:clrMapOvr>
     <a:masterClrMapping/>
   </p:clrMapOvr>
-  <mc:AlternateContent xmlns:mc="http://schemas.openxmlformats.org/markup-compatibility/2006">
-    <mc:Choice xmlns:p159="http://schemas.microsoft.com/office/powerpoint/2015/09/main" Requires="p159">
+  <mc:AlternateContent xmlns:mc="http://schemas.openxmlformats.org/markup-compatibility/2006" xmlns:p159="http://schemas.microsoft.com/office/powerpoint/2015/09/main">
+    <mc:Choice Requires="p159">
       <p:transition xmlns:p14="http://schemas.microsoft.com/office/powerpoint/2010/main" spd="slow" p14:dur="2000">
         <p159:morph option="byObject"/>
       </p:transition>
     </mc:Choice>
-    <mc:Fallback>
+    <mc:Fallback xmlns="">
       <p:transition spd="slow">
         <p:fade/>
       </p:transition>
@@ -24550,6 +24660,2775 @@
 </file>
 
 <file path=ppt/slides/slide19.xml><?xml version="1.0" encoding="utf-8"?>
+<p:sld xmlns:a="http://schemas.openxmlformats.org/drawingml/2006/main" xmlns:r="http://schemas.openxmlformats.org/officeDocument/2006/relationships" xmlns:p="http://schemas.openxmlformats.org/presentationml/2006/main">
+  <p:cSld>
+    <p:spTree>
+      <p:nvGrpSpPr>
+        <p:cNvPr id="1" name="Shape 610"/>
+        <p:cNvGrpSpPr/>
+        <p:nvPr/>
+      </p:nvGrpSpPr>
+      <p:grpSpPr>
+        <a:xfrm>
+          <a:off x="0" y="0"/>
+          <a:ext cx="0" cy="0"/>
+          <a:chOff x="0" y="0"/>
+          <a:chExt cx="0" cy="0"/>
+        </a:xfrm>
+      </p:grpSpPr>
+      <p:sp>
+        <p:nvSpPr>
+          <p:cNvPr id="619" name="Google Shape;619;p44"/>
+          <p:cNvSpPr txBox="1">
+            <a:spLocks noGrp="1"/>
+          </p:cNvSpPr>
+          <p:nvPr>
+            <p:ph type="title"/>
+          </p:nvPr>
+        </p:nvSpPr>
+        <p:spPr>
+          <a:xfrm>
+            <a:off x="720000" y="445025"/>
+            <a:ext cx="7704000" cy="572700"/>
+          </a:xfrm>
+          <a:prstGeom prst="rect">
+            <a:avLst/>
+          </a:prstGeom>
+        </p:spPr>
+        <p:txBody>
+          <a:bodyPr spcFirstLastPara="1" wrap="square" lIns="91425" tIns="91425" rIns="91425" bIns="91425" anchor="t" anchorCtr="0">
+            <a:noAutofit/>
+          </a:bodyPr>
+          <a:lstStyle/>
+          <a:p>
+            <a:pPr marL="0" lvl="0" indent="0" algn="ctr" rtl="0">
+              <a:spcBef>
+                <a:spcPts val="0"/>
+              </a:spcBef>
+              <a:spcAft>
+                <a:spcPts val="0"/>
+              </a:spcAft>
+              <a:buNone/>
+            </a:pPr>
+            <a:r>
+              <a:rPr lang="en" dirty="0"/>
+              <a:t>K-Means Silhouette Diagram</a:t>
+            </a:r>
+            <a:endParaRPr dirty="0"/>
+          </a:p>
+        </p:txBody>
+      </p:sp>
+      <p:pic>
+        <p:nvPicPr>
+          <p:cNvPr id="5" name="Imagen 4" descr="Gráfico&#10;&#10;Descripción generada automáticamente">
+            <a:extLst>
+              <a:ext uri="{FF2B5EF4-FFF2-40B4-BE49-F238E27FC236}">
+                <a16:creationId xmlns:a16="http://schemas.microsoft.com/office/drawing/2014/main" id="{DC32C455-1AF3-FAFD-59FB-FD0B313A66DD}"/>
+              </a:ext>
+            </a:extLst>
+          </p:cNvPr>
+          <p:cNvPicPr>
+            <a:picLocks noChangeAspect="1"/>
+          </p:cNvPicPr>
+          <p:nvPr/>
+        </p:nvPicPr>
+        <p:blipFill>
+          <a:blip r:embed="rId3"/>
+          <a:stretch>
+            <a:fillRect/>
+          </a:stretch>
+        </p:blipFill>
+        <p:spPr>
+          <a:xfrm>
+            <a:off x="240751" y="1122482"/>
+            <a:ext cx="4736765" cy="3542094"/>
+          </a:xfrm>
+          <a:prstGeom prst="rect">
+            <a:avLst/>
+          </a:prstGeom>
+        </p:spPr>
+      </p:pic>
+      <p:sp>
+        <p:nvSpPr>
+          <p:cNvPr id="6" name="Google Shape;580;p40">
+            <a:extLst>
+              <a:ext uri="{FF2B5EF4-FFF2-40B4-BE49-F238E27FC236}">
+                <a16:creationId xmlns:a16="http://schemas.microsoft.com/office/drawing/2014/main" id="{BCB90872-DF70-F50F-F630-DAC2C2F1C688}"/>
+              </a:ext>
+            </a:extLst>
+          </p:cNvPr>
+          <p:cNvSpPr txBox="1">
+            <a:spLocks/>
+          </p:cNvSpPr>
+          <p:nvPr/>
+        </p:nvSpPr>
+        <p:spPr>
+          <a:xfrm>
+            <a:off x="5072932" y="1088583"/>
+            <a:ext cx="3919994" cy="3609892"/>
+          </a:xfrm>
+          <a:prstGeom prst="rect">
+            <a:avLst/>
+          </a:prstGeom>
+          <a:noFill/>
+          <a:ln>
+            <a:noFill/>
+          </a:ln>
+        </p:spPr>
+        <p:txBody>
+          <a:bodyPr spcFirstLastPara="1" wrap="square" lIns="91425" tIns="91425" rIns="91425" bIns="91425" anchor="t" anchorCtr="0">
+            <a:noAutofit/>
+          </a:bodyPr>
+          <a:lstStyle>
+            <a:defPPr marR="0" lvl="0" algn="l" rtl="0">
+              <a:lnSpc>
+                <a:spcPct val="100000"/>
+              </a:lnSpc>
+              <a:spcBef>
+                <a:spcPts val="0"/>
+              </a:spcBef>
+              <a:spcAft>
+                <a:spcPts val="0"/>
+              </a:spcAft>
+            </a:defPPr>
+            <a:lvl1pPr marL="457200" marR="0" lvl="0" indent="-304800" algn="l" rtl="0">
+              <a:lnSpc>
+                <a:spcPct val="100000"/>
+              </a:lnSpc>
+              <a:spcBef>
+                <a:spcPts val="0"/>
+              </a:spcBef>
+              <a:spcAft>
+                <a:spcPts val="0"/>
+              </a:spcAft>
+              <a:buClr>
+                <a:schemeClr val="dk1"/>
+              </a:buClr>
+              <a:buSzPts val="1200"/>
+              <a:buFont typeface="Anaheim"/>
+              <a:buNone/>
+              <a:defRPr sz="1200" b="0" i="0" u="none" strike="noStrike" cap="none">
+                <a:solidFill>
+                  <a:schemeClr val="dk1"/>
+                </a:solidFill>
+                <a:latin typeface="Anaheim"/>
+                <a:ea typeface="Anaheim"/>
+                <a:cs typeface="Anaheim"/>
+                <a:sym typeface="Anaheim"/>
+              </a:defRPr>
+            </a:lvl1pPr>
+            <a:lvl2pPr marL="914400" marR="0" lvl="1" indent="-304800" algn="ctr" rtl="0">
+              <a:lnSpc>
+                <a:spcPct val="100000"/>
+              </a:lnSpc>
+              <a:spcBef>
+                <a:spcPts val="0"/>
+              </a:spcBef>
+              <a:spcAft>
+                <a:spcPts val="0"/>
+              </a:spcAft>
+              <a:buClr>
+                <a:schemeClr val="dk1"/>
+              </a:buClr>
+              <a:buSzPts val="1200"/>
+              <a:buFont typeface="Anaheim"/>
+              <a:buNone/>
+              <a:defRPr sz="1200" b="0" i="0" u="none" strike="noStrike" cap="none">
+                <a:solidFill>
+                  <a:schemeClr val="dk1"/>
+                </a:solidFill>
+                <a:latin typeface="Anaheim"/>
+                <a:ea typeface="Anaheim"/>
+                <a:cs typeface="Anaheim"/>
+                <a:sym typeface="Anaheim"/>
+              </a:defRPr>
+            </a:lvl2pPr>
+            <a:lvl3pPr marL="1371600" marR="0" lvl="2" indent="-304800" algn="ctr" rtl="0">
+              <a:lnSpc>
+                <a:spcPct val="100000"/>
+              </a:lnSpc>
+              <a:spcBef>
+                <a:spcPts val="0"/>
+              </a:spcBef>
+              <a:spcAft>
+                <a:spcPts val="0"/>
+              </a:spcAft>
+              <a:buClr>
+                <a:schemeClr val="dk1"/>
+              </a:buClr>
+              <a:buSzPts val="1200"/>
+              <a:buFont typeface="Anaheim"/>
+              <a:buNone/>
+              <a:defRPr sz="1200" b="0" i="0" u="none" strike="noStrike" cap="none">
+                <a:solidFill>
+                  <a:schemeClr val="dk1"/>
+                </a:solidFill>
+                <a:latin typeface="Anaheim"/>
+                <a:ea typeface="Anaheim"/>
+                <a:cs typeface="Anaheim"/>
+                <a:sym typeface="Anaheim"/>
+              </a:defRPr>
+            </a:lvl3pPr>
+            <a:lvl4pPr marL="1828800" marR="0" lvl="3" indent="-304800" algn="ctr" rtl="0">
+              <a:lnSpc>
+                <a:spcPct val="100000"/>
+              </a:lnSpc>
+              <a:spcBef>
+                <a:spcPts val="0"/>
+              </a:spcBef>
+              <a:spcAft>
+                <a:spcPts val="0"/>
+              </a:spcAft>
+              <a:buClr>
+                <a:schemeClr val="dk1"/>
+              </a:buClr>
+              <a:buSzPts val="1200"/>
+              <a:buFont typeface="Anaheim"/>
+              <a:buNone/>
+              <a:defRPr sz="1200" b="0" i="0" u="none" strike="noStrike" cap="none">
+                <a:solidFill>
+                  <a:schemeClr val="dk1"/>
+                </a:solidFill>
+                <a:latin typeface="Anaheim"/>
+                <a:ea typeface="Anaheim"/>
+                <a:cs typeface="Anaheim"/>
+                <a:sym typeface="Anaheim"/>
+              </a:defRPr>
+            </a:lvl4pPr>
+            <a:lvl5pPr marL="2286000" marR="0" lvl="4" indent="-304800" algn="ctr" rtl="0">
+              <a:lnSpc>
+                <a:spcPct val="100000"/>
+              </a:lnSpc>
+              <a:spcBef>
+                <a:spcPts val="0"/>
+              </a:spcBef>
+              <a:spcAft>
+                <a:spcPts val="0"/>
+              </a:spcAft>
+              <a:buClr>
+                <a:schemeClr val="dk1"/>
+              </a:buClr>
+              <a:buSzPts val="1200"/>
+              <a:buFont typeface="Anaheim"/>
+              <a:buNone/>
+              <a:defRPr sz="1200" b="0" i="0" u="none" strike="noStrike" cap="none">
+                <a:solidFill>
+                  <a:schemeClr val="dk1"/>
+                </a:solidFill>
+                <a:latin typeface="Anaheim"/>
+                <a:ea typeface="Anaheim"/>
+                <a:cs typeface="Anaheim"/>
+                <a:sym typeface="Anaheim"/>
+              </a:defRPr>
+            </a:lvl5pPr>
+            <a:lvl6pPr marL="2743200" marR="0" lvl="5" indent="-304800" algn="ctr" rtl="0">
+              <a:lnSpc>
+                <a:spcPct val="100000"/>
+              </a:lnSpc>
+              <a:spcBef>
+                <a:spcPts val="0"/>
+              </a:spcBef>
+              <a:spcAft>
+                <a:spcPts val="0"/>
+              </a:spcAft>
+              <a:buClr>
+                <a:schemeClr val="dk1"/>
+              </a:buClr>
+              <a:buSzPts val="1200"/>
+              <a:buFont typeface="Anaheim"/>
+              <a:buNone/>
+              <a:defRPr sz="1200" b="0" i="0" u="none" strike="noStrike" cap="none">
+                <a:solidFill>
+                  <a:schemeClr val="dk1"/>
+                </a:solidFill>
+                <a:latin typeface="Anaheim"/>
+                <a:ea typeface="Anaheim"/>
+                <a:cs typeface="Anaheim"/>
+                <a:sym typeface="Anaheim"/>
+              </a:defRPr>
+            </a:lvl6pPr>
+            <a:lvl7pPr marL="3200400" marR="0" lvl="6" indent="-304800" algn="ctr" rtl="0">
+              <a:lnSpc>
+                <a:spcPct val="100000"/>
+              </a:lnSpc>
+              <a:spcBef>
+                <a:spcPts val="0"/>
+              </a:spcBef>
+              <a:spcAft>
+                <a:spcPts val="0"/>
+              </a:spcAft>
+              <a:buClr>
+                <a:schemeClr val="dk1"/>
+              </a:buClr>
+              <a:buSzPts val="1200"/>
+              <a:buFont typeface="Anaheim"/>
+              <a:buNone/>
+              <a:defRPr sz="1200" b="0" i="0" u="none" strike="noStrike" cap="none">
+                <a:solidFill>
+                  <a:schemeClr val="dk1"/>
+                </a:solidFill>
+                <a:latin typeface="Anaheim"/>
+                <a:ea typeface="Anaheim"/>
+                <a:cs typeface="Anaheim"/>
+                <a:sym typeface="Anaheim"/>
+              </a:defRPr>
+            </a:lvl7pPr>
+            <a:lvl8pPr marL="3657600" marR="0" lvl="7" indent="-304800" algn="ctr" rtl="0">
+              <a:lnSpc>
+                <a:spcPct val="100000"/>
+              </a:lnSpc>
+              <a:spcBef>
+                <a:spcPts val="0"/>
+              </a:spcBef>
+              <a:spcAft>
+                <a:spcPts val="0"/>
+              </a:spcAft>
+              <a:buClr>
+                <a:schemeClr val="dk1"/>
+              </a:buClr>
+              <a:buSzPts val="1200"/>
+              <a:buFont typeface="Anaheim"/>
+              <a:buNone/>
+              <a:defRPr sz="1200" b="0" i="0" u="none" strike="noStrike" cap="none">
+                <a:solidFill>
+                  <a:schemeClr val="dk1"/>
+                </a:solidFill>
+                <a:latin typeface="Anaheim"/>
+                <a:ea typeface="Anaheim"/>
+                <a:cs typeface="Anaheim"/>
+                <a:sym typeface="Anaheim"/>
+              </a:defRPr>
+            </a:lvl8pPr>
+            <a:lvl9pPr marL="4114800" marR="0" lvl="8" indent="-304800" algn="ctr" rtl="0">
+              <a:lnSpc>
+                <a:spcPct val="100000"/>
+              </a:lnSpc>
+              <a:spcBef>
+                <a:spcPts val="0"/>
+              </a:spcBef>
+              <a:spcAft>
+                <a:spcPts val="0"/>
+              </a:spcAft>
+              <a:buClr>
+                <a:schemeClr val="dk1"/>
+              </a:buClr>
+              <a:buSzPts val="1200"/>
+              <a:buFont typeface="Anaheim"/>
+              <a:buNone/>
+              <a:defRPr sz="1200" b="0" i="0" u="none" strike="noStrike" cap="none">
+                <a:solidFill>
+                  <a:schemeClr val="dk1"/>
+                </a:solidFill>
+                <a:latin typeface="Anaheim"/>
+                <a:ea typeface="Anaheim"/>
+                <a:cs typeface="Anaheim"/>
+                <a:sym typeface="Anaheim"/>
+              </a:defRPr>
+            </a:lvl9pPr>
+          </a:lstStyle>
+          <a:p>
+            <a:pPr marL="172800" indent="0" algn="just">
+              <a:lnSpc>
+                <a:spcPct val="150000"/>
+              </a:lnSpc>
+              <a:buSzPct val="130000"/>
+            </a:pPr>
+            <a:r>
+              <a:rPr lang="es-ES" sz="700" dirty="0" err="1">
+                <a:solidFill>
+                  <a:srgbClr val="3B3B3B"/>
+                </a:solidFill>
+                <a:latin typeface="Menlo" panose="020B0609030804020204" pitchFamily="49" charset="0"/>
+              </a:rPr>
+              <a:t>Measure</a:t>
+            </a:r>
+            <a:r>
+              <a:rPr lang="es-ES" sz="700" dirty="0">
+                <a:solidFill>
+                  <a:srgbClr val="3B3B3B"/>
+                </a:solidFill>
+                <a:latin typeface="Menlo" panose="020B0609030804020204" pitchFamily="49" charset="0"/>
+              </a:rPr>
+              <a:t> </a:t>
+            </a:r>
+            <a:r>
+              <a:rPr lang="es-ES" sz="700" dirty="0" err="1">
+                <a:solidFill>
+                  <a:srgbClr val="3B3B3B"/>
+                </a:solidFill>
+                <a:latin typeface="Menlo" panose="020B0609030804020204" pitchFamily="49" charset="0"/>
+              </a:rPr>
+              <a:t>how</a:t>
+            </a:r>
+            <a:r>
+              <a:rPr lang="es-ES" sz="700" dirty="0">
+                <a:solidFill>
+                  <a:srgbClr val="3B3B3B"/>
+                </a:solidFill>
+                <a:latin typeface="Menlo" panose="020B0609030804020204" pitchFamily="49" charset="0"/>
+              </a:rPr>
+              <a:t> </a:t>
+            </a:r>
+            <a:r>
+              <a:rPr lang="es-ES" sz="700" dirty="0" err="1">
+                <a:solidFill>
+                  <a:srgbClr val="3B3B3B"/>
+                </a:solidFill>
+                <a:latin typeface="Menlo" panose="020B0609030804020204" pitchFamily="49" charset="0"/>
+              </a:rPr>
+              <a:t>close</a:t>
+            </a:r>
+            <a:r>
+              <a:rPr lang="es-ES" sz="700" dirty="0">
+                <a:solidFill>
+                  <a:srgbClr val="3B3B3B"/>
+                </a:solidFill>
+                <a:latin typeface="Menlo" panose="020B0609030804020204" pitchFamily="49" charset="0"/>
+              </a:rPr>
+              <a:t> </a:t>
+            </a:r>
+            <a:r>
+              <a:rPr lang="es-ES" sz="700" dirty="0" err="1">
+                <a:solidFill>
+                  <a:srgbClr val="3B3B3B"/>
+                </a:solidFill>
+                <a:latin typeface="Menlo" panose="020B0609030804020204" pitchFamily="49" charset="0"/>
+              </a:rPr>
+              <a:t>each</a:t>
+            </a:r>
+            <a:r>
+              <a:rPr lang="es-ES" sz="700" dirty="0">
+                <a:solidFill>
+                  <a:srgbClr val="3B3B3B"/>
+                </a:solidFill>
+                <a:latin typeface="Menlo" panose="020B0609030804020204" pitchFamily="49" charset="0"/>
+              </a:rPr>
+              <a:t> </a:t>
+            </a:r>
+            <a:r>
+              <a:rPr lang="es-ES" sz="700" dirty="0" err="1">
+                <a:solidFill>
+                  <a:srgbClr val="3B3B3B"/>
+                </a:solidFill>
+                <a:latin typeface="Menlo" panose="020B0609030804020204" pitchFamily="49" charset="0"/>
+              </a:rPr>
+              <a:t>point</a:t>
+            </a:r>
+            <a:r>
+              <a:rPr lang="es-ES" sz="700" dirty="0">
+                <a:solidFill>
+                  <a:srgbClr val="3B3B3B"/>
+                </a:solidFill>
+                <a:latin typeface="Menlo" panose="020B0609030804020204" pitchFamily="49" charset="0"/>
+              </a:rPr>
+              <a:t> in </a:t>
+            </a:r>
+            <a:r>
+              <a:rPr lang="es-ES" sz="700" dirty="0" err="1">
+                <a:solidFill>
+                  <a:srgbClr val="3B3B3B"/>
+                </a:solidFill>
+                <a:latin typeface="Menlo" panose="020B0609030804020204" pitchFamily="49" charset="0"/>
+              </a:rPr>
+              <a:t>one</a:t>
+            </a:r>
+            <a:r>
+              <a:rPr lang="es-ES" sz="700" dirty="0">
+                <a:solidFill>
+                  <a:srgbClr val="3B3B3B"/>
+                </a:solidFill>
+                <a:latin typeface="Menlo" panose="020B0609030804020204" pitchFamily="49" charset="0"/>
+              </a:rPr>
+              <a:t> </a:t>
+            </a:r>
+            <a:r>
+              <a:rPr lang="es-ES" sz="700" dirty="0" err="1">
+                <a:solidFill>
+                  <a:srgbClr val="3B3B3B"/>
+                </a:solidFill>
+                <a:latin typeface="Menlo" panose="020B0609030804020204" pitchFamily="49" charset="0"/>
+              </a:rPr>
+              <a:t>cluster</a:t>
+            </a:r>
+            <a:r>
+              <a:rPr lang="es-ES" sz="700" dirty="0">
+                <a:solidFill>
+                  <a:srgbClr val="3B3B3B"/>
+                </a:solidFill>
+                <a:latin typeface="Menlo" panose="020B0609030804020204" pitchFamily="49" charset="0"/>
+              </a:rPr>
+              <a:t> </a:t>
+            </a:r>
+            <a:r>
+              <a:rPr lang="es-ES" sz="700" dirty="0" err="1">
+                <a:solidFill>
+                  <a:srgbClr val="3B3B3B"/>
+                </a:solidFill>
+                <a:latin typeface="Menlo" panose="020B0609030804020204" pitchFamily="49" charset="0"/>
+              </a:rPr>
+              <a:t>is</a:t>
+            </a:r>
+            <a:r>
+              <a:rPr lang="es-ES" sz="700" dirty="0">
+                <a:solidFill>
+                  <a:srgbClr val="3B3B3B"/>
+                </a:solidFill>
+                <a:latin typeface="Menlo" panose="020B0609030804020204" pitchFamily="49" charset="0"/>
+              </a:rPr>
+              <a:t> </a:t>
+            </a:r>
+            <a:r>
+              <a:rPr lang="es-ES" sz="700" dirty="0" err="1">
+                <a:solidFill>
+                  <a:srgbClr val="3B3B3B"/>
+                </a:solidFill>
+                <a:latin typeface="Menlo" panose="020B0609030804020204" pitchFamily="49" charset="0"/>
+              </a:rPr>
+              <a:t>to</a:t>
+            </a:r>
+            <a:r>
+              <a:rPr lang="es-ES" sz="700" dirty="0">
+                <a:solidFill>
+                  <a:srgbClr val="3B3B3B"/>
+                </a:solidFill>
+                <a:latin typeface="Menlo" panose="020B0609030804020204" pitchFamily="49" charset="0"/>
+              </a:rPr>
+              <a:t> </a:t>
+            </a:r>
+            <a:r>
+              <a:rPr lang="es-ES" sz="700" dirty="0" err="1">
+                <a:solidFill>
+                  <a:srgbClr val="3B3B3B"/>
+                </a:solidFill>
+                <a:latin typeface="Menlo" panose="020B0609030804020204" pitchFamily="49" charset="0"/>
+              </a:rPr>
+              <a:t>points</a:t>
+            </a:r>
+            <a:r>
+              <a:rPr lang="es-ES" sz="700" dirty="0">
+                <a:solidFill>
+                  <a:srgbClr val="3B3B3B"/>
+                </a:solidFill>
+                <a:latin typeface="Menlo" panose="020B0609030804020204" pitchFamily="49" charset="0"/>
+              </a:rPr>
+              <a:t> in </a:t>
+            </a:r>
+            <a:r>
+              <a:rPr lang="es-ES" sz="700" dirty="0" err="1">
+                <a:solidFill>
+                  <a:srgbClr val="3B3B3B"/>
+                </a:solidFill>
+                <a:latin typeface="Menlo" panose="020B0609030804020204" pitchFamily="49" charset="0"/>
+              </a:rPr>
+              <a:t>the</a:t>
+            </a:r>
+            <a:r>
+              <a:rPr lang="es-ES" sz="700" dirty="0">
+                <a:solidFill>
+                  <a:srgbClr val="3B3B3B"/>
+                </a:solidFill>
+                <a:latin typeface="Menlo" panose="020B0609030804020204" pitchFamily="49" charset="0"/>
+              </a:rPr>
+              <a:t> </a:t>
+            </a:r>
+            <a:r>
+              <a:rPr lang="es-ES" sz="700" dirty="0" err="1">
+                <a:solidFill>
+                  <a:srgbClr val="3B3B3B"/>
+                </a:solidFill>
+                <a:latin typeface="Menlo" panose="020B0609030804020204" pitchFamily="49" charset="0"/>
+              </a:rPr>
+              <a:t>neighboring</a:t>
+            </a:r>
+            <a:r>
+              <a:rPr lang="es-ES" sz="700" dirty="0">
+                <a:solidFill>
+                  <a:srgbClr val="3B3B3B"/>
+                </a:solidFill>
+                <a:latin typeface="Menlo" panose="020B0609030804020204" pitchFamily="49" charset="0"/>
+              </a:rPr>
+              <a:t> </a:t>
+            </a:r>
+            <a:r>
+              <a:rPr lang="es-ES" sz="700" dirty="0" err="1">
+                <a:solidFill>
+                  <a:srgbClr val="3B3B3B"/>
+                </a:solidFill>
+                <a:latin typeface="Menlo" panose="020B0609030804020204" pitchFamily="49" charset="0"/>
+              </a:rPr>
+              <a:t>clusters</a:t>
+            </a:r>
+            <a:r>
+              <a:rPr lang="es-ES" sz="700" dirty="0">
+                <a:solidFill>
+                  <a:srgbClr val="3B3B3B"/>
+                </a:solidFill>
+                <a:latin typeface="Menlo" panose="020B0609030804020204" pitchFamily="49" charset="0"/>
+              </a:rPr>
+              <a:t>.</a:t>
+            </a:r>
+          </a:p>
+          <a:p>
+            <a:pPr marL="171450" indent="-171450" algn="just">
+              <a:lnSpc>
+                <a:spcPct val="200000"/>
+              </a:lnSpc>
+              <a:buSzPct val="130000"/>
+              <a:buFont typeface="Wingdings" pitchFamily="2" charset="2"/>
+              <a:buChar char="§"/>
+            </a:pPr>
+            <a:endParaRPr lang="es-ES" sz="700" dirty="0">
+              <a:solidFill>
+                <a:srgbClr val="3B3B3B"/>
+              </a:solidFill>
+              <a:latin typeface="Menlo" panose="020B0609030804020204" pitchFamily="49" charset="0"/>
+            </a:endParaRPr>
+          </a:p>
+          <a:p>
+            <a:pPr marL="171450" indent="-171450" algn="just">
+              <a:lnSpc>
+                <a:spcPct val="200000"/>
+              </a:lnSpc>
+              <a:buSzPct val="130000"/>
+              <a:buFont typeface="Wingdings" pitchFamily="2" charset="2"/>
+              <a:buChar char="§"/>
+            </a:pPr>
+            <a:r>
+              <a:rPr lang="es-ES" sz="700" dirty="0" err="1">
+                <a:solidFill>
+                  <a:srgbClr val="3B3B3B"/>
+                </a:solidFill>
+                <a:latin typeface="Menlo" panose="020B0609030804020204" pitchFamily="49" charset="0"/>
+              </a:rPr>
+              <a:t>Clusters</a:t>
+            </a:r>
+            <a:r>
+              <a:rPr lang="es-ES" sz="700" dirty="0">
+                <a:solidFill>
+                  <a:srgbClr val="3B3B3B"/>
+                </a:solidFill>
+                <a:latin typeface="Menlo" panose="020B0609030804020204" pitchFamily="49" charset="0"/>
+              </a:rPr>
+              <a:t> 2 and 9 </a:t>
+            </a:r>
+            <a:r>
+              <a:rPr lang="es-ES" sz="700" dirty="0" err="1">
+                <a:solidFill>
+                  <a:srgbClr val="3B3B3B"/>
+                </a:solidFill>
+                <a:latin typeface="Menlo" panose="020B0609030804020204" pitchFamily="49" charset="0"/>
+              </a:rPr>
+              <a:t>exhibit</a:t>
+            </a:r>
+            <a:r>
+              <a:rPr lang="es-ES" sz="700" dirty="0">
+                <a:solidFill>
+                  <a:srgbClr val="3B3B3B"/>
+                </a:solidFill>
+                <a:latin typeface="Menlo" panose="020B0609030804020204" pitchFamily="49" charset="0"/>
+              </a:rPr>
+              <a:t> </a:t>
+            </a:r>
+            <a:r>
+              <a:rPr lang="es-ES" sz="700" dirty="0" err="1">
+                <a:solidFill>
+                  <a:srgbClr val="3B3B3B"/>
+                </a:solidFill>
+                <a:latin typeface="Menlo" panose="020B0609030804020204" pitchFamily="49" charset="0"/>
+              </a:rPr>
+              <a:t>the</a:t>
+            </a:r>
+            <a:r>
+              <a:rPr lang="es-ES" sz="700" dirty="0">
+                <a:solidFill>
+                  <a:srgbClr val="3B3B3B"/>
+                </a:solidFill>
+                <a:latin typeface="Menlo" panose="020B0609030804020204" pitchFamily="49" charset="0"/>
+              </a:rPr>
+              <a:t> </a:t>
+            </a:r>
+            <a:r>
+              <a:rPr lang="es-ES" sz="700" dirty="0" err="1">
+                <a:solidFill>
+                  <a:srgbClr val="3B3B3B"/>
+                </a:solidFill>
+                <a:latin typeface="Menlo" panose="020B0609030804020204" pitchFamily="49" charset="0"/>
+              </a:rPr>
+              <a:t>highest</a:t>
+            </a:r>
+            <a:r>
+              <a:rPr lang="es-ES" sz="700" dirty="0">
+                <a:solidFill>
+                  <a:srgbClr val="3B3B3B"/>
+                </a:solidFill>
+                <a:latin typeface="Menlo" panose="020B0609030804020204" pitchFamily="49" charset="0"/>
+              </a:rPr>
+              <a:t> </a:t>
+            </a:r>
+            <a:r>
+              <a:rPr lang="es-ES" sz="700" dirty="0" err="1">
+                <a:solidFill>
+                  <a:srgbClr val="3B3B3B"/>
+                </a:solidFill>
+                <a:latin typeface="Menlo" panose="020B0609030804020204" pitchFamily="49" charset="0"/>
+              </a:rPr>
+              <a:t>concentration</a:t>
+            </a:r>
+            <a:r>
+              <a:rPr lang="es-ES" sz="700" dirty="0">
+                <a:solidFill>
+                  <a:srgbClr val="3B3B3B"/>
+                </a:solidFill>
+                <a:latin typeface="Menlo" panose="020B0609030804020204" pitchFamily="49" charset="0"/>
+              </a:rPr>
+              <a:t> </a:t>
+            </a:r>
+            <a:r>
+              <a:rPr lang="es-ES" sz="700" dirty="0" err="1">
+                <a:solidFill>
+                  <a:srgbClr val="3B3B3B"/>
+                </a:solidFill>
+                <a:latin typeface="Menlo" panose="020B0609030804020204" pitchFamily="49" charset="0"/>
+              </a:rPr>
+              <a:t>of</a:t>
+            </a:r>
+            <a:r>
+              <a:rPr lang="es-ES" sz="700" dirty="0">
+                <a:solidFill>
+                  <a:srgbClr val="3B3B3B"/>
+                </a:solidFill>
+                <a:latin typeface="Menlo" panose="020B0609030804020204" pitchFamily="49" charset="0"/>
+              </a:rPr>
+              <a:t> </a:t>
+            </a:r>
+            <a:r>
+              <a:rPr lang="es-ES" sz="700" dirty="0" err="1">
+                <a:solidFill>
+                  <a:srgbClr val="3B3B3B"/>
+                </a:solidFill>
+                <a:latin typeface="Menlo" panose="020B0609030804020204" pitchFamily="49" charset="0"/>
+              </a:rPr>
+              <a:t>clients</a:t>
+            </a:r>
+            <a:r>
+              <a:rPr lang="es-ES" sz="700" dirty="0">
+                <a:solidFill>
+                  <a:srgbClr val="3B3B3B"/>
+                </a:solidFill>
+                <a:latin typeface="Menlo" panose="020B0609030804020204" pitchFamily="49" charset="0"/>
+              </a:rPr>
+              <a:t>, </a:t>
+            </a:r>
+            <a:r>
+              <a:rPr lang="es-ES" sz="700" dirty="0" err="1">
+                <a:solidFill>
+                  <a:srgbClr val="3B3B3B"/>
+                </a:solidFill>
+                <a:latin typeface="Menlo" panose="020B0609030804020204" pitchFamily="49" charset="0"/>
+              </a:rPr>
+              <a:t>thereby</a:t>
+            </a:r>
+            <a:r>
+              <a:rPr lang="es-ES" sz="700" dirty="0">
+                <a:solidFill>
+                  <a:srgbClr val="3B3B3B"/>
+                </a:solidFill>
+                <a:latin typeface="Menlo" panose="020B0609030804020204" pitchFamily="49" charset="0"/>
+              </a:rPr>
+              <a:t> </a:t>
+            </a:r>
+            <a:r>
+              <a:rPr lang="es-ES" sz="700" dirty="0" err="1">
+                <a:solidFill>
+                  <a:srgbClr val="3B3B3B"/>
+                </a:solidFill>
+                <a:latin typeface="Menlo" panose="020B0609030804020204" pitchFamily="49" charset="0"/>
+              </a:rPr>
+              <a:t>constituting</a:t>
+            </a:r>
+            <a:r>
+              <a:rPr lang="es-ES" sz="700" dirty="0">
+                <a:solidFill>
+                  <a:srgbClr val="3B3B3B"/>
+                </a:solidFill>
+                <a:latin typeface="Menlo" panose="020B0609030804020204" pitchFamily="49" charset="0"/>
+              </a:rPr>
+              <a:t> </a:t>
+            </a:r>
+            <a:r>
+              <a:rPr lang="es-ES" sz="700" dirty="0" err="1">
+                <a:solidFill>
+                  <a:srgbClr val="3B3B3B"/>
+                </a:solidFill>
+                <a:latin typeface="Menlo" panose="020B0609030804020204" pitchFamily="49" charset="0"/>
+              </a:rPr>
+              <a:t>the</a:t>
+            </a:r>
+            <a:r>
+              <a:rPr lang="es-ES" sz="700" dirty="0">
+                <a:solidFill>
+                  <a:srgbClr val="3B3B3B"/>
+                </a:solidFill>
+                <a:latin typeface="Menlo" panose="020B0609030804020204" pitchFamily="49" charset="0"/>
+              </a:rPr>
+              <a:t> </a:t>
+            </a:r>
+            <a:r>
+              <a:rPr lang="es-ES" sz="700" dirty="0" err="1">
+                <a:solidFill>
+                  <a:srgbClr val="3B3B3B"/>
+                </a:solidFill>
+                <a:latin typeface="Menlo" panose="020B0609030804020204" pitchFamily="49" charset="0"/>
+              </a:rPr>
+              <a:t>largest</a:t>
+            </a:r>
+            <a:r>
+              <a:rPr lang="es-ES" sz="700" dirty="0">
+                <a:solidFill>
+                  <a:srgbClr val="3B3B3B"/>
+                </a:solidFill>
+                <a:latin typeface="Menlo" panose="020B0609030804020204" pitchFamily="49" charset="0"/>
+              </a:rPr>
+              <a:t> </a:t>
+            </a:r>
+            <a:r>
+              <a:rPr lang="es-ES" sz="700" dirty="0" err="1">
+                <a:solidFill>
+                  <a:srgbClr val="3B3B3B"/>
+                </a:solidFill>
+                <a:latin typeface="Menlo" panose="020B0609030804020204" pitchFamily="49" charset="0"/>
+              </a:rPr>
+              <a:t>clusters</a:t>
+            </a:r>
+            <a:r>
+              <a:rPr lang="es-ES" sz="700" dirty="0">
+                <a:solidFill>
+                  <a:srgbClr val="3B3B3B"/>
+                </a:solidFill>
+                <a:latin typeface="Menlo" panose="020B0609030804020204" pitchFamily="49" charset="0"/>
+              </a:rPr>
+              <a:t>. </a:t>
+            </a:r>
+            <a:r>
+              <a:rPr lang="es-ES" sz="700" dirty="0" err="1">
+                <a:solidFill>
+                  <a:srgbClr val="3B3B3B"/>
+                </a:solidFill>
+                <a:latin typeface="Menlo" panose="020B0609030804020204" pitchFamily="49" charset="0"/>
+              </a:rPr>
+              <a:t>Clusters</a:t>
+            </a:r>
+            <a:r>
+              <a:rPr lang="es-ES" sz="700" dirty="0">
+                <a:solidFill>
+                  <a:srgbClr val="3B3B3B"/>
+                </a:solidFill>
+                <a:latin typeface="Menlo" panose="020B0609030804020204" pitchFamily="49" charset="0"/>
+              </a:rPr>
+              <a:t> 1, 3, and 10 </a:t>
+            </a:r>
+            <a:r>
+              <a:rPr lang="es-ES" sz="700" dirty="0" err="1">
+                <a:solidFill>
+                  <a:srgbClr val="3B3B3B"/>
+                </a:solidFill>
+                <a:latin typeface="Menlo" panose="020B0609030804020204" pitchFamily="49" charset="0"/>
+              </a:rPr>
+              <a:t>also</a:t>
+            </a:r>
+            <a:r>
+              <a:rPr lang="es-ES" sz="700" dirty="0">
+                <a:solidFill>
+                  <a:srgbClr val="3B3B3B"/>
+                </a:solidFill>
+                <a:latin typeface="Menlo" panose="020B0609030804020204" pitchFamily="49" charset="0"/>
+              </a:rPr>
+              <a:t> </a:t>
+            </a:r>
+            <a:r>
+              <a:rPr lang="es-ES" sz="700" dirty="0" err="1">
+                <a:solidFill>
+                  <a:srgbClr val="3B3B3B"/>
+                </a:solidFill>
+                <a:latin typeface="Menlo" panose="020B0609030804020204" pitchFamily="49" charset="0"/>
+              </a:rPr>
+              <a:t>manifest</a:t>
+            </a:r>
+            <a:r>
+              <a:rPr lang="es-ES" sz="700" dirty="0">
+                <a:solidFill>
+                  <a:srgbClr val="3B3B3B"/>
+                </a:solidFill>
+                <a:latin typeface="Menlo" panose="020B0609030804020204" pitchFamily="49" charset="0"/>
+              </a:rPr>
+              <a:t> a </a:t>
+            </a:r>
+            <a:r>
+              <a:rPr lang="es-ES" sz="700" dirty="0" err="1">
+                <a:solidFill>
+                  <a:srgbClr val="3B3B3B"/>
+                </a:solidFill>
+                <a:latin typeface="Menlo" panose="020B0609030804020204" pitchFamily="49" charset="0"/>
+              </a:rPr>
+              <a:t>significant</a:t>
+            </a:r>
+            <a:r>
+              <a:rPr lang="es-ES" sz="700" dirty="0">
+                <a:solidFill>
+                  <a:srgbClr val="3B3B3B"/>
+                </a:solidFill>
+                <a:latin typeface="Menlo" panose="020B0609030804020204" pitchFamily="49" charset="0"/>
+              </a:rPr>
+              <a:t> </a:t>
+            </a:r>
+            <a:r>
+              <a:rPr lang="es-ES" sz="700" dirty="0" err="1">
+                <a:solidFill>
+                  <a:srgbClr val="3B3B3B"/>
+                </a:solidFill>
+                <a:latin typeface="Menlo" panose="020B0609030804020204" pitchFamily="49" charset="0"/>
+              </a:rPr>
+              <a:t>aggregation</a:t>
+            </a:r>
+            <a:r>
+              <a:rPr lang="es-ES" sz="700" dirty="0">
+                <a:solidFill>
+                  <a:srgbClr val="3B3B3B"/>
+                </a:solidFill>
+                <a:latin typeface="Menlo" panose="020B0609030804020204" pitchFamily="49" charset="0"/>
+              </a:rPr>
+              <a:t> </a:t>
+            </a:r>
+            <a:r>
+              <a:rPr lang="es-ES" sz="700" dirty="0" err="1">
+                <a:solidFill>
+                  <a:srgbClr val="3B3B3B"/>
+                </a:solidFill>
+                <a:latin typeface="Menlo" panose="020B0609030804020204" pitchFamily="49" charset="0"/>
+              </a:rPr>
+              <a:t>of</a:t>
+            </a:r>
+            <a:r>
+              <a:rPr lang="es-ES" sz="700" dirty="0">
+                <a:solidFill>
+                  <a:srgbClr val="3B3B3B"/>
+                </a:solidFill>
+                <a:latin typeface="Menlo" panose="020B0609030804020204" pitchFamily="49" charset="0"/>
+              </a:rPr>
+              <a:t> </a:t>
+            </a:r>
+            <a:r>
+              <a:rPr lang="es-ES" sz="700" dirty="0" err="1">
+                <a:solidFill>
+                  <a:srgbClr val="3B3B3B"/>
+                </a:solidFill>
+                <a:latin typeface="Menlo" panose="020B0609030804020204" pitchFamily="49" charset="0"/>
+              </a:rPr>
+              <a:t>clients</a:t>
+            </a:r>
+            <a:r>
+              <a:rPr lang="es-ES" sz="700" dirty="0">
+                <a:solidFill>
+                  <a:srgbClr val="3B3B3B"/>
+                </a:solidFill>
+                <a:latin typeface="Menlo" panose="020B0609030804020204" pitchFamily="49" charset="0"/>
+              </a:rPr>
+              <a:t>, </a:t>
+            </a:r>
+            <a:r>
+              <a:rPr lang="es-ES" sz="700" dirty="0" err="1">
+                <a:solidFill>
+                  <a:srgbClr val="3B3B3B"/>
+                </a:solidFill>
+                <a:latin typeface="Menlo" panose="020B0609030804020204" pitchFamily="49" charset="0"/>
+              </a:rPr>
+              <a:t>whereas</a:t>
+            </a:r>
+            <a:r>
+              <a:rPr lang="es-ES" sz="700" dirty="0">
+                <a:solidFill>
+                  <a:srgbClr val="3B3B3B"/>
+                </a:solidFill>
+                <a:latin typeface="Menlo" panose="020B0609030804020204" pitchFamily="49" charset="0"/>
+              </a:rPr>
+              <a:t> </a:t>
+            </a:r>
+            <a:r>
+              <a:rPr lang="es-ES" sz="700" dirty="0" err="1">
+                <a:solidFill>
+                  <a:srgbClr val="3B3B3B"/>
+                </a:solidFill>
+                <a:latin typeface="Menlo" panose="020B0609030804020204" pitchFamily="49" charset="0"/>
+              </a:rPr>
+              <a:t>the</a:t>
+            </a:r>
+            <a:r>
+              <a:rPr lang="es-ES" sz="700" dirty="0">
+                <a:solidFill>
+                  <a:srgbClr val="3B3B3B"/>
+                </a:solidFill>
+                <a:latin typeface="Menlo" panose="020B0609030804020204" pitchFamily="49" charset="0"/>
+              </a:rPr>
+              <a:t> </a:t>
+            </a:r>
+            <a:r>
+              <a:rPr lang="es-ES" sz="700" dirty="0" err="1">
+                <a:solidFill>
+                  <a:srgbClr val="3B3B3B"/>
+                </a:solidFill>
+                <a:latin typeface="Menlo" panose="020B0609030804020204" pitchFamily="49" charset="0"/>
+              </a:rPr>
+              <a:t>remaining</a:t>
+            </a:r>
+            <a:r>
+              <a:rPr lang="es-ES" sz="700" dirty="0">
+                <a:solidFill>
+                  <a:srgbClr val="3B3B3B"/>
+                </a:solidFill>
+                <a:latin typeface="Menlo" panose="020B0609030804020204" pitchFamily="49" charset="0"/>
+              </a:rPr>
+              <a:t> </a:t>
+            </a:r>
+            <a:r>
+              <a:rPr lang="es-ES" sz="700" dirty="0" err="1">
+                <a:solidFill>
+                  <a:srgbClr val="3B3B3B"/>
+                </a:solidFill>
+                <a:latin typeface="Menlo" panose="020B0609030804020204" pitchFamily="49" charset="0"/>
+              </a:rPr>
+              <a:t>clusters</a:t>
+            </a:r>
+            <a:r>
+              <a:rPr lang="es-ES" sz="700" dirty="0">
+                <a:solidFill>
+                  <a:srgbClr val="3B3B3B"/>
+                </a:solidFill>
+                <a:latin typeface="Menlo" panose="020B0609030804020204" pitchFamily="49" charset="0"/>
+              </a:rPr>
+              <a:t> are </a:t>
+            </a:r>
+            <a:r>
+              <a:rPr lang="es-ES" sz="700" dirty="0" err="1">
+                <a:solidFill>
+                  <a:srgbClr val="3B3B3B"/>
+                </a:solidFill>
+                <a:latin typeface="Menlo" panose="020B0609030804020204" pitchFamily="49" charset="0"/>
+              </a:rPr>
+              <a:t>comparatively</a:t>
+            </a:r>
+            <a:r>
+              <a:rPr lang="es-ES" sz="700" dirty="0">
+                <a:solidFill>
+                  <a:srgbClr val="3B3B3B"/>
+                </a:solidFill>
+                <a:latin typeface="Menlo" panose="020B0609030804020204" pitchFamily="49" charset="0"/>
+              </a:rPr>
+              <a:t> </a:t>
+            </a:r>
+            <a:r>
+              <a:rPr lang="es-ES" sz="700" dirty="0" err="1">
+                <a:solidFill>
+                  <a:srgbClr val="3B3B3B"/>
+                </a:solidFill>
+                <a:latin typeface="Menlo" panose="020B0609030804020204" pitchFamily="49" charset="0"/>
+              </a:rPr>
+              <a:t>smaller</a:t>
+            </a:r>
+            <a:r>
+              <a:rPr lang="es-ES" sz="700" dirty="0">
+                <a:solidFill>
+                  <a:srgbClr val="3B3B3B"/>
+                </a:solidFill>
+                <a:latin typeface="Menlo" panose="020B0609030804020204" pitchFamily="49" charset="0"/>
+              </a:rPr>
+              <a:t> and </a:t>
+            </a:r>
+            <a:r>
+              <a:rPr lang="es-ES" sz="700" dirty="0" err="1">
+                <a:solidFill>
+                  <a:srgbClr val="3B3B3B"/>
+                </a:solidFill>
+                <a:latin typeface="Menlo" panose="020B0609030804020204" pitchFamily="49" charset="0"/>
+              </a:rPr>
+              <a:t>exhibit</a:t>
+            </a:r>
+            <a:r>
+              <a:rPr lang="es-ES" sz="700" dirty="0">
+                <a:solidFill>
+                  <a:srgbClr val="3B3B3B"/>
+                </a:solidFill>
+                <a:latin typeface="Menlo" panose="020B0609030804020204" pitchFamily="49" charset="0"/>
+              </a:rPr>
+              <a:t> a </a:t>
+            </a:r>
+            <a:r>
+              <a:rPr lang="es-ES" sz="700" dirty="0" err="1">
+                <a:solidFill>
+                  <a:srgbClr val="3B3B3B"/>
+                </a:solidFill>
+                <a:latin typeface="Menlo" panose="020B0609030804020204" pitchFamily="49" charset="0"/>
+              </a:rPr>
+              <a:t>degree</a:t>
+            </a:r>
+            <a:r>
+              <a:rPr lang="es-ES" sz="700" dirty="0">
+                <a:solidFill>
+                  <a:srgbClr val="3B3B3B"/>
+                </a:solidFill>
+                <a:latin typeface="Menlo" panose="020B0609030804020204" pitchFamily="49" charset="0"/>
+              </a:rPr>
+              <a:t> </a:t>
+            </a:r>
+            <a:r>
+              <a:rPr lang="es-ES" sz="700" dirty="0" err="1">
+                <a:solidFill>
+                  <a:srgbClr val="3B3B3B"/>
+                </a:solidFill>
+                <a:latin typeface="Menlo" panose="020B0609030804020204" pitchFamily="49" charset="0"/>
+              </a:rPr>
+              <a:t>of</a:t>
+            </a:r>
+            <a:r>
+              <a:rPr lang="es-ES" sz="700" dirty="0">
+                <a:solidFill>
+                  <a:srgbClr val="3B3B3B"/>
+                </a:solidFill>
+                <a:latin typeface="Menlo" panose="020B0609030804020204" pitchFamily="49" charset="0"/>
+              </a:rPr>
+              <a:t> </a:t>
+            </a:r>
+            <a:r>
+              <a:rPr lang="es-ES" sz="700" dirty="0" err="1">
+                <a:solidFill>
+                  <a:srgbClr val="3B3B3B"/>
+                </a:solidFill>
+                <a:latin typeface="Menlo" panose="020B0609030804020204" pitchFamily="49" charset="0"/>
+              </a:rPr>
+              <a:t>homogeneity</a:t>
+            </a:r>
+            <a:r>
+              <a:rPr lang="es-ES" sz="700" dirty="0">
+                <a:solidFill>
+                  <a:srgbClr val="3B3B3B"/>
+                </a:solidFill>
+                <a:latin typeface="Menlo" panose="020B0609030804020204" pitchFamily="49" charset="0"/>
+              </a:rPr>
+              <a:t>.</a:t>
+            </a:r>
+          </a:p>
+          <a:p>
+            <a:pPr marL="171450" indent="-171450" algn="just">
+              <a:lnSpc>
+                <a:spcPct val="200000"/>
+              </a:lnSpc>
+              <a:buSzPct val="130000"/>
+              <a:buFont typeface="Wingdings" pitchFamily="2" charset="2"/>
+              <a:buChar char="§"/>
+            </a:pPr>
+            <a:r>
+              <a:rPr lang="es-ES" sz="700" dirty="0" err="1">
+                <a:solidFill>
+                  <a:srgbClr val="3B3B3B"/>
+                </a:solidFill>
+                <a:latin typeface="Menlo" panose="020B0609030804020204" pitchFamily="49" charset="0"/>
+              </a:rPr>
+              <a:t>The</a:t>
+            </a:r>
+            <a:r>
+              <a:rPr lang="es-ES" sz="700" dirty="0">
+                <a:solidFill>
+                  <a:srgbClr val="3B3B3B"/>
+                </a:solidFill>
+                <a:latin typeface="Menlo" panose="020B0609030804020204" pitchFamily="49" charset="0"/>
+              </a:rPr>
+              <a:t> </a:t>
+            </a:r>
+            <a:r>
+              <a:rPr lang="es-ES" sz="700" dirty="0" err="1">
+                <a:solidFill>
+                  <a:srgbClr val="3B3B3B"/>
+                </a:solidFill>
+                <a:latin typeface="Menlo" panose="020B0609030804020204" pitchFamily="49" charset="0"/>
+              </a:rPr>
+              <a:t>proximity</a:t>
+            </a:r>
+            <a:r>
+              <a:rPr lang="es-ES" sz="700" dirty="0">
+                <a:solidFill>
+                  <a:srgbClr val="3B3B3B"/>
+                </a:solidFill>
+                <a:latin typeface="Menlo" panose="020B0609030804020204" pitchFamily="49" charset="0"/>
+              </a:rPr>
+              <a:t> </a:t>
+            </a:r>
+            <a:r>
+              <a:rPr lang="es-ES" sz="700" dirty="0" err="1">
+                <a:solidFill>
+                  <a:srgbClr val="3B3B3B"/>
+                </a:solidFill>
+                <a:latin typeface="Menlo" panose="020B0609030804020204" pitchFamily="49" charset="0"/>
+              </a:rPr>
+              <a:t>measure</a:t>
+            </a:r>
+            <a:r>
+              <a:rPr lang="es-ES" sz="700" dirty="0">
+                <a:solidFill>
+                  <a:srgbClr val="3B3B3B"/>
+                </a:solidFill>
+                <a:latin typeface="Menlo" panose="020B0609030804020204" pitchFamily="49" charset="0"/>
+              </a:rPr>
+              <a:t> </a:t>
+            </a:r>
+            <a:r>
+              <a:rPr lang="es-ES" sz="700" dirty="0" err="1">
+                <a:solidFill>
+                  <a:srgbClr val="3B3B3B"/>
+                </a:solidFill>
+                <a:latin typeface="Menlo" panose="020B0609030804020204" pitchFamily="49" charset="0"/>
+              </a:rPr>
+              <a:t>for</a:t>
+            </a:r>
+            <a:r>
+              <a:rPr lang="es-ES" sz="700" dirty="0">
+                <a:solidFill>
+                  <a:srgbClr val="3B3B3B"/>
+                </a:solidFill>
+                <a:latin typeface="Menlo" panose="020B0609030804020204" pitchFamily="49" charset="0"/>
+              </a:rPr>
+              <a:t> </a:t>
+            </a:r>
+            <a:r>
+              <a:rPr lang="es-ES" sz="700" dirty="0" err="1">
+                <a:solidFill>
+                  <a:srgbClr val="3B3B3B"/>
+                </a:solidFill>
+                <a:latin typeface="Menlo" panose="020B0609030804020204" pitchFamily="49" charset="0"/>
+              </a:rPr>
+              <a:t>all</a:t>
+            </a:r>
+            <a:r>
+              <a:rPr lang="es-ES" sz="700" dirty="0">
+                <a:solidFill>
+                  <a:srgbClr val="3B3B3B"/>
+                </a:solidFill>
+                <a:latin typeface="Menlo" panose="020B0609030804020204" pitchFamily="49" charset="0"/>
+              </a:rPr>
+              <a:t> </a:t>
+            </a:r>
+            <a:r>
+              <a:rPr lang="es-ES" sz="700" dirty="0" err="1">
+                <a:solidFill>
+                  <a:srgbClr val="3B3B3B"/>
+                </a:solidFill>
+                <a:latin typeface="Menlo" panose="020B0609030804020204" pitchFamily="49" charset="0"/>
+              </a:rPr>
+              <a:t>clusters</a:t>
+            </a:r>
+            <a:r>
+              <a:rPr lang="es-ES" sz="700" dirty="0">
+                <a:solidFill>
+                  <a:srgbClr val="3B3B3B"/>
+                </a:solidFill>
+                <a:latin typeface="Menlo" panose="020B0609030804020204" pitchFamily="49" charset="0"/>
+              </a:rPr>
+              <a:t> </a:t>
+            </a:r>
+            <a:r>
+              <a:rPr lang="es-ES" sz="700" dirty="0" err="1">
+                <a:solidFill>
+                  <a:srgbClr val="3B3B3B"/>
+                </a:solidFill>
+                <a:latin typeface="Menlo" panose="020B0609030804020204" pitchFamily="49" charset="0"/>
+              </a:rPr>
+              <a:t>is</a:t>
+            </a:r>
+            <a:r>
+              <a:rPr lang="es-ES" sz="700" dirty="0">
+                <a:solidFill>
+                  <a:srgbClr val="3B3B3B"/>
+                </a:solidFill>
+                <a:latin typeface="Menlo" panose="020B0609030804020204" pitchFamily="49" charset="0"/>
+              </a:rPr>
+              <a:t> </a:t>
+            </a:r>
+            <a:r>
+              <a:rPr lang="es-ES" sz="700" dirty="0" err="1">
+                <a:solidFill>
+                  <a:srgbClr val="3B3B3B"/>
+                </a:solidFill>
+                <a:latin typeface="Menlo" panose="020B0609030804020204" pitchFamily="49" charset="0"/>
+              </a:rPr>
+              <a:t>approximately</a:t>
+            </a:r>
+            <a:r>
+              <a:rPr lang="es-ES" sz="700" dirty="0">
+                <a:solidFill>
+                  <a:srgbClr val="3B3B3B"/>
+                </a:solidFill>
+                <a:latin typeface="Menlo" panose="020B0609030804020204" pitchFamily="49" charset="0"/>
+              </a:rPr>
+              <a:t> </a:t>
+            </a:r>
+            <a:r>
+              <a:rPr lang="es-ES" sz="700" dirty="0" err="1">
+                <a:solidFill>
+                  <a:srgbClr val="3B3B3B"/>
+                </a:solidFill>
+                <a:latin typeface="Menlo" panose="020B0609030804020204" pitchFamily="49" charset="0"/>
+              </a:rPr>
+              <a:t>greater</a:t>
+            </a:r>
+            <a:r>
+              <a:rPr lang="es-ES" sz="700" dirty="0">
+                <a:solidFill>
+                  <a:srgbClr val="3B3B3B"/>
+                </a:solidFill>
+                <a:latin typeface="Menlo" panose="020B0609030804020204" pitchFamily="49" charset="0"/>
+              </a:rPr>
+              <a:t> </a:t>
+            </a:r>
+            <a:r>
+              <a:rPr lang="es-ES" sz="700" dirty="0" err="1">
+                <a:solidFill>
+                  <a:srgbClr val="3B3B3B"/>
+                </a:solidFill>
+                <a:latin typeface="Menlo" panose="020B0609030804020204" pitchFamily="49" charset="0"/>
+              </a:rPr>
+              <a:t>than</a:t>
+            </a:r>
+            <a:r>
+              <a:rPr lang="es-ES" sz="700" dirty="0">
+                <a:solidFill>
+                  <a:srgbClr val="3B3B3B"/>
+                </a:solidFill>
+                <a:latin typeface="Menlo" panose="020B0609030804020204" pitchFamily="49" charset="0"/>
+              </a:rPr>
+              <a:t> 0.5, </a:t>
+            </a:r>
+            <a:r>
+              <a:rPr lang="es-ES" sz="700" dirty="0" err="1">
+                <a:solidFill>
+                  <a:srgbClr val="3B3B3B"/>
+                </a:solidFill>
+                <a:latin typeface="Menlo" panose="020B0609030804020204" pitchFamily="49" charset="0"/>
+              </a:rPr>
+              <a:t>suggesting</a:t>
+            </a:r>
+            <a:r>
+              <a:rPr lang="es-ES" sz="700" dirty="0">
+                <a:solidFill>
+                  <a:srgbClr val="3B3B3B"/>
+                </a:solidFill>
+                <a:latin typeface="Menlo" panose="020B0609030804020204" pitchFamily="49" charset="0"/>
+              </a:rPr>
+              <a:t> </a:t>
+            </a:r>
+            <a:r>
+              <a:rPr lang="es-ES" sz="700" dirty="0" err="1">
+                <a:solidFill>
+                  <a:srgbClr val="3B3B3B"/>
+                </a:solidFill>
+                <a:latin typeface="Menlo" panose="020B0609030804020204" pitchFamily="49" charset="0"/>
+              </a:rPr>
+              <a:t>that</a:t>
+            </a:r>
+            <a:r>
+              <a:rPr lang="es-ES" sz="700" dirty="0">
+                <a:solidFill>
+                  <a:srgbClr val="3B3B3B"/>
+                </a:solidFill>
+                <a:latin typeface="Menlo" panose="020B0609030804020204" pitchFamily="49" charset="0"/>
+              </a:rPr>
+              <a:t> </a:t>
+            </a:r>
+            <a:r>
+              <a:rPr lang="es-ES" sz="700" dirty="0" err="1">
+                <a:solidFill>
+                  <a:srgbClr val="3B3B3B"/>
+                </a:solidFill>
+                <a:latin typeface="Menlo" panose="020B0609030804020204" pitchFamily="49" charset="0"/>
+              </a:rPr>
+              <a:t>the</a:t>
+            </a:r>
+            <a:r>
+              <a:rPr lang="es-ES" sz="700" dirty="0">
+                <a:solidFill>
+                  <a:srgbClr val="3B3B3B"/>
+                </a:solidFill>
+                <a:latin typeface="Menlo" panose="020B0609030804020204" pitchFamily="49" charset="0"/>
+              </a:rPr>
+              <a:t> data </a:t>
+            </a:r>
+            <a:r>
+              <a:rPr lang="es-ES" sz="700" dirty="0" err="1">
+                <a:solidFill>
+                  <a:srgbClr val="3B3B3B"/>
+                </a:solidFill>
+                <a:latin typeface="Menlo" panose="020B0609030804020204" pitchFamily="49" charset="0"/>
+              </a:rPr>
+              <a:t>points</a:t>
+            </a:r>
+            <a:r>
+              <a:rPr lang="es-ES" sz="700" dirty="0">
+                <a:solidFill>
+                  <a:srgbClr val="3B3B3B"/>
+                </a:solidFill>
+                <a:latin typeface="Menlo" panose="020B0609030804020204" pitchFamily="49" charset="0"/>
+              </a:rPr>
+              <a:t> are </a:t>
+            </a:r>
+            <a:r>
+              <a:rPr lang="es-ES" sz="700" dirty="0" err="1">
+                <a:solidFill>
+                  <a:srgbClr val="3B3B3B"/>
+                </a:solidFill>
+                <a:latin typeface="Menlo" panose="020B0609030804020204" pitchFamily="49" charset="0"/>
+              </a:rPr>
+              <a:t>substantially</a:t>
+            </a:r>
+            <a:r>
+              <a:rPr lang="es-ES" sz="700" dirty="0">
+                <a:solidFill>
+                  <a:srgbClr val="3B3B3B"/>
+                </a:solidFill>
+                <a:latin typeface="Menlo" panose="020B0609030804020204" pitchFamily="49" charset="0"/>
+              </a:rPr>
+              <a:t> </a:t>
+            </a:r>
+            <a:r>
+              <a:rPr lang="es-ES" sz="700" dirty="0" err="1">
+                <a:solidFill>
+                  <a:srgbClr val="3B3B3B"/>
+                </a:solidFill>
+                <a:latin typeface="Menlo" panose="020B0609030804020204" pitchFamily="49" charset="0"/>
+              </a:rPr>
+              <a:t>distant</a:t>
+            </a:r>
+            <a:r>
+              <a:rPr lang="es-ES" sz="700" dirty="0">
+                <a:solidFill>
+                  <a:srgbClr val="3B3B3B"/>
+                </a:solidFill>
+                <a:latin typeface="Menlo" panose="020B0609030804020204" pitchFamily="49" charset="0"/>
+              </a:rPr>
+              <a:t> </a:t>
+            </a:r>
+            <a:r>
+              <a:rPr lang="es-ES" sz="700" dirty="0" err="1">
+                <a:solidFill>
+                  <a:srgbClr val="3B3B3B"/>
+                </a:solidFill>
+                <a:latin typeface="Menlo" panose="020B0609030804020204" pitchFamily="49" charset="0"/>
+              </a:rPr>
+              <a:t>from</a:t>
+            </a:r>
+            <a:r>
+              <a:rPr lang="es-ES" sz="700" dirty="0">
+                <a:solidFill>
+                  <a:srgbClr val="3B3B3B"/>
+                </a:solidFill>
+                <a:latin typeface="Menlo" panose="020B0609030804020204" pitchFamily="49" charset="0"/>
+              </a:rPr>
+              <a:t> </a:t>
+            </a:r>
+            <a:r>
+              <a:rPr lang="es-ES" sz="700" dirty="0" err="1">
+                <a:solidFill>
+                  <a:srgbClr val="3B3B3B"/>
+                </a:solidFill>
+                <a:latin typeface="Menlo" panose="020B0609030804020204" pitchFamily="49" charset="0"/>
+              </a:rPr>
+              <a:t>those</a:t>
+            </a:r>
+            <a:r>
+              <a:rPr lang="es-ES" sz="700" dirty="0">
+                <a:solidFill>
+                  <a:srgbClr val="3B3B3B"/>
+                </a:solidFill>
+                <a:latin typeface="Menlo" panose="020B0609030804020204" pitchFamily="49" charset="0"/>
+              </a:rPr>
+              <a:t> in </a:t>
+            </a:r>
+            <a:r>
+              <a:rPr lang="es-ES" sz="700" dirty="0" err="1">
+                <a:solidFill>
+                  <a:srgbClr val="3B3B3B"/>
+                </a:solidFill>
+                <a:latin typeface="Menlo" panose="020B0609030804020204" pitchFamily="49" charset="0"/>
+              </a:rPr>
+              <a:t>neighboring</a:t>
+            </a:r>
+            <a:r>
+              <a:rPr lang="es-ES" sz="700" dirty="0">
+                <a:solidFill>
+                  <a:srgbClr val="3B3B3B"/>
+                </a:solidFill>
+                <a:latin typeface="Menlo" panose="020B0609030804020204" pitchFamily="49" charset="0"/>
+              </a:rPr>
+              <a:t> </a:t>
+            </a:r>
+            <a:r>
+              <a:rPr lang="es-ES" sz="700" dirty="0" err="1">
+                <a:solidFill>
+                  <a:srgbClr val="3B3B3B"/>
+                </a:solidFill>
+                <a:latin typeface="Menlo" panose="020B0609030804020204" pitchFamily="49" charset="0"/>
+              </a:rPr>
+              <a:t>clusters</a:t>
+            </a:r>
+            <a:r>
+              <a:rPr lang="es-ES" sz="700" dirty="0">
+                <a:solidFill>
+                  <a:srgbClr val="3B3B3B"/>
+                </a:solidFill>
+                <a:latin typeface="Menlo" panose="020B0609030804020204" pitchFamily="49" charset="0"/>
+              </a:rPr>
+              <a:t>, a </a:t>
+            </a:r>
+            <a:r>
+              <a:rPr lang="es-ES" sz="700" dirty="0" err="1">
+                <a:solidFill>
+                  <a:srgbClr val="3B3B3B"/>
+                </a:solidFill>
+                <a:latin typeface="Menlo" panose="020B0609030804020204" pitchFamily="49" charset="0"/>
+              </a:rPr>
+              <a:t>condition</a:t>
+            </a:r>
+            <a:r>
+              <a:rPr lang="es-ES" sz="700" dirty="0">
+                <a:solidFill>
+                  <a:srgbClr val="3B3B3B"/>
+                </a:solidFill>
+                <a:latin typeface="Menlo" panose="020B0609030804020204" pitchFamily="49" charset="0"/>
+              </a:rPr>
+              <a:t> </a:t>
+            </a:r>
+            <a:r>
+              <a:rPr lang="es-ES" sz="700" dirty="0" err="1">
+                <a:solidFill>
+                  <a:srgbClr val="3B3B3B"/>
+                </a:solidFill>
+                <a:latin typeface="Menlo" panose="020B0609030804020204" pitchFamily="49" charset="0"/>
+              </a:rPr>
+              <a:t>that</a:t>
+            </a:r>
+            <a:r>
+              <a:rPr lang="es-ES" sz="700" dirty="0">
+                <a:solidFill>
+                  <a:srgbClr val="3B3B3B"/>
+                </a:solidFill>
+                <a:latin typeface="Menlo" panose="020B0609030804020204" pitchFamily="49" charset="0"/>
+              </a:rPr>
+              <a:t> </a:t>
+            </a:r>
+            <a:r>
+              <a:rPr lang="es-ES" sz="700" dirty="0" err="1">
+                <a:solidFill>
+                  <a:srgbClr val="3B3B3B"/>
+                </a:solidFill>
+                <a:latin typeface="Menlo" panose="020B0609030804020204" pitchFamily="49" charset="0"/>
+              </a:rPr>
+              <a:t>is</a:t>
+            </a:r>
+            <a:r>
+              <a:rPr lang="es-ES" sz="700" dirty="0">
+                <a:solidFill>
+                  <a:srgbClr val="3B3B3B"/>
+                </a:solidFill>
+                <a:latin typeface="Menlo" panose="020B0609030804020204" pitchFamily="49" charset="0"/>
+              </a:rPr>
+              <a:t> </a:t>
+            </a:r>
+            <a:r>
+              <a:rPr lang="es-ES" sz="700" dirty="0" err="1">
+                <a:solidFill>
+                  <a:srgbClr val="3B3B3B"/>
+                </a:solidFill>
+                <a:latin typeface="Menlo" panose="020B0609030804020204" pitchFamily="49" charset="0"/>
+              </a:rPr>
+              <a:t>deemed</a:t>
+            </a:r>
+            <a:r>
+              <a:rPr lang="es-ES" sz="700" dirty="0">
+                <a:solidFill>
+                  <a:srgbClr val="3B3B3B"/>
+                </a:solidFill>
+                <a:latin typeface="Menlo" panose="020B0609030804020204" pitchFamily="49" charset="0"/>
+              </a:rPr>
+              <a:t> favorable.</a:t>
+            </a:r>
+          </a:p>
+          <a:p>
+            <a:pPr marL="171450" indent="-171450" algn="just">
+              <a:lnSpc>
+                <a:spcPct val="200000"/>
+              </a:lnSpc>
+              <a:buSzPct val="130000"/>
+              <a:buFont typeface="Wingdings" pitchFamily="2" charset="2"/>
+              <a:buChar char="§"/>
+            </a:pPr>
+            <a:r>
+              <a:rPr lang="es-ES" sz="700" dirty="0" err="1">
+                <a:solidFill>
+                  <a:srgbClr val="3B3B3B"/>
+                </a:solidFill>
+                <a:latin typeface="Menlo" panose="020B0609030804020204" pitchFamily="49" charset="0"/>
+              </a:rPr>
+              <a:t>Cluster</a:t>
+            </a:r>
+            <a:r>
+              <a:rPr lang="es-ES" sz="700" dirty="0">
+                <a:solidFill>
+                  <a:srgbClr val="3B3B3B"/>
+                </a:solidFill>
+                <a:latin typeface="Menlo" panose="020B0609030804020204" pitchFamily="49" charset="0"/>
+              </a:rPr>
+              <a:t> 3 </a:t>
+            </a:r>
+            <a:r>
+              <a:rPr lang="es-ES" sz="700" dirty="0" err="1">
+                <a:solidFill>
+                  <a:srgbClr val="3B3B3B"/>
+                </a:solidFill>
+                <a:latin typeface="Menlo" panose="020B0609030804020204" pitchFamily="49" charset="0"/>
+              </a:rPr>
+              <a:t>may</a:t>
+            </a:r>
+            <a:r>
+              <a:rPr lang="es-ES" sz="700" dirty="0">
+                <a:solidFill>
+                  <a:srgbClr val="3B3B3B"/>
+                </a:solidFill>
+                <a:latin typeface="Menlo" panose="020B0609030804020204" pitchFamily="49" charset="0"/>
+              </a:rPr>
+              <a:t> be </a:t>
+            </a:r>
+            <a:r>
+              <a:rPr lang="es-ES" sz="700" dirty="0" err="1">
+                <a:solidFill>
+                  <a:srgbClr val="3B3B3B"/>
+                </a:solidFill>
+                <a:latin typeface="Menlo" panose="020B0609030804020204" pitchFamily="49" charset="0"/>
+              </a:rPr>
+              <a:t>considered</a:t>
+            </a:r>
+            <a:r>
+              <a:rPr lang="es-ES" sz="700" dirty="0">
+                <a:solidFill>
+                  <a:srgbClr val="3B3B3B"/>
+                </a:solidFill>
+                <a:latin typeface="Menlo" panose="020B0609030804020204" pitchFamily="49" charset="0"/>
+              </a:rPr>
+              <a:t> </a:t>
+            </a:r>
+            <a:r>
+              <a:rPr lang="es-ES" sz="700" dirty="0" err="1">
+                <a:solidFill>
+                  <a:srgbClr val="3B3B3B"/>
+                </a:solidFill>
+                <a:latin typeface="Menlo" panose="020B0609030804020204" pitchFamily="49" charset="0"/>
+              </a:rPr>
+              <a:t>the</a:t>
+            </a:r>
+            <a:r>
+              <a:rPr lang="es-ES" sz="700" dirty="0">
+                <a:solidFill>
+                  <a:srgbClr val="3B3B3B"/>
+                </a:solidFill>
+                <a:latin typeface="Menlo" panose="020B0609030804020204" pitchFamily="49" charset="0"/>
+              </a:rPr>
+              <a:t> </a:t>
+            </a:r>
+            <a:r>
+              <a:rPr lang="es-ES" sz="700" dirty="0" err="1">
+                <a:solidFill>
+                  <a:srgbClr val="3B3B3B"/>
+                </a:solidFill>
+                <a:latin typeface="Menlo" panose="020B0609030804020204" pitchFamily="49" charset="0"/>
+              </a:rPr>
+              <a:t>least</a:t>
+            </a:r>
+            <a:r>
+              <a:rPr lang="es-ES" sz="700" dirty="0">
+                <a:solidFill>
+                  <a:srgbClr val="3B3B3B"/>
+                </a:solidFill>
+                <a:latin typeface="Menlo" panose="020B0609030804020204" pitchFamily="49" charset="0"/>
+              </a:rPr>
+              <a:t> favorable, as </a:t>
+            </a:r>
+            <a:r>
+              <a:rPr lang="es-ES" sz="700" dirty="0" err="1">
+                <a:solidFill>
+                  <a:srgbClr val="3B3B3B"/>
+                </a:solidFill>
+                <a:latin typeface="Menlo" panose="020B0609030804020204" pitchFamily="49" charset="0"/>
+              </a:rPr>
+              <a:t>it</a:t>
+            </a:r>
+            <a:r>
+              <a:rPr lang="es-ES" sz="700" dirty="0">
+                <a:solidFill>
+                  <a:srgbClr val="3B3B3B"/>
+                </a:solidFill>
+                <a:latin typeface="Menlo" panose="020B0609030804020204" pitchFamily="49" charset="0"/>
+              </a:rPr>
+              <a:t> </a:t>
+            </a:r>
+            <a:r>
+              <a:rPr lang="es-ES" sz="700" dirty="0" err="1">
+                <a:solidFill>
+                  <a:srgbClr val="3B3B3B"/>
+                </a:solidFill>
+                <a:latin typeface="Menlo" panose="020B0609030804020204" pitchFamily="49" charset="0"/>
+              </a:rPr>
+              <a:t>demonstrates</a:t>
+            </a:r>
+            <a:r>
+              <a:rPr lang="es-ES" sz="700" dirty="0">
+                <a:solidFill>
+                  <a:srgbClr val="3B3B3B"/>
+                </a:solidFill>
+                <a:latin typeface="Menlo" panose="020B0609030804020204" pitchFamily="49" charset="0"/>
+              </a:rPr>
+              <a:t> a negative </a:t>
+            </a:r>
+            <a:r>
+              <a:rPr lang="es-ES" sz="700" dirty="0" err="1">
+                <a:solidFill>
+                  <a:srgbClr val="3B3B3B"/>
+                </a:solidFill>
+                <a:latin typeface="Menlo" panose="020B0609030804020204" pitchFamily="49" charset="0"/>
+              </a:rPr>
+              <a:t>skew</a:t>
+            </a:r>
+            <a:r>
+              <a:rPr lang="es-ES" sz="700" dirty="0">
+                <a:solidFill>
+                  <a:srgbClr val="3B3B3B"/>
+                </a:solidFill>
+                <a:latin typeface="Menlo" panose="020B0609030804020204" pitchFamily="49" charset="0"/>
+              </a:rPr>
+              <a:t> and </a:t>
+            </a:r>
+            <a:r>
+              <a:rPr lang="es-ES" sz="700" dirty="0" err="1">
+                <a:solidFill>
+                  <a:srgbClr val="3B3B3B"/>
+                </a:solidFill>
+                <a:latin typeface="Menlo" panose="020B0609030804020204" pitchFamily="49" charset="0"/>
+              </a:rPr>
+              <a:t>possesses</a:t>
+            </a:r>
+            <a:r>
+              <a:rPr lang="es-ES" sz="700" dirty="0">
+                <a:solidFill>
+                  <a:srgbClr val="3B3B3B"/>
+                </a:solidFill>
+                <a:latin typeface="Menlo" panose="020B0609030804020204" pitchFamily="49" charset="0"/>
+              </a:rPr>
+              <a:t> </a:t>
+            </a:r>
+            <a:r>
+              <a:rPr lang="es-ES" sz="700" dirty="0" err="1">
+                <a:solidFill>
+                  <a:srgbClr val="3B3B3B"/>
+                </a:solidFill>
+                <a:latin typeface="Menlo" panose="020B0609030804020204" pitchFamily="49" charset="0"/>
+              </a:rPr>
+              <a:t>the</a:t>
+            </a:r>
+            <a:r>
+              <a:rPr lang="es-ES" sz="700" dirty="0">
+                <a:solidFill>
+                  <a:srgbClr val="3B3B3B"/>
+                </a:solidFill>
+                <a:latin typeface="Menlo" panose="020B0609030804020204" pitchFamily="49" charset="0"/>
+              </a:rPr>
+              <a:t> </a:t>
+            </a:r>
+            <a:r>
+              <a:rPr lang="es-ES" sz="700" dirty="0" err="1">
+                <a:solidFill>
+                  <a:srgbClr val="3B3B3B"/>
+                </a:solidFill>
+                <a:latin typeface="Menlo" panose="020B0609030804020204" pitchFamily="49" charset="0"/>
+              </a:rPr>
+              <a:t>lowest</a:t>
+            </a:r>
+            <a:r>
+              <a:rPr lang="es-ES" sz="700" dirty="0">
+                <a:solidFill>
+                  <a:srgbClr val="3B3B3B"/>
+                </a:solidFill>
+                <a:latin typeface="Menlo" panose="020B0609030804020204" pitchFamily="49" charset="0"/>
+              </a:rPr>
+              <a:t> </a:t>
+            </a:r>
+            <a:r>
+              <a:rPr lang="es-ES" sz="700" dirty="0" err="1">
+                <a:solidFill>
+                  <a:srgbClr val="3B3B3B"/>
+                </a:solidFill>
+                <a:latin typeface="Menlo" panose="020B0609030804020204" pitchFamily="49" charset="0"/>
+              </a:rPr>
+              <a:t>silhouette</a:t>
+            </a:r>
+            <a:r>
+              <a:rPr lang="es-ES" sz="700" dirty="0">
+                <a:solidFill>
+                  <a:srgbClr val="3B3B3B"/>
+                </a:solidFill>
+                <a:latin typeface="Menlo" panose="020B0609030804020204" pitchFamily="49" charset="0"/>
+              </a:rPr>
+              <a:t> score. </a:t>
+            </a:r>
+            <a:r>
+              <a:rPr lang="es-ES" sz="700" dirty="0" err="1">
+                <a:solidFill>
+                  <a:srgbClr val="3B3B3B"/>
+                </a:solidFill>
+                <a:latin typeface="Menlo" panose="020B0609030804020204" pitchFamily="49" charset="0"/>
+              </a:rPr>
+              <a:t>Conversely</a:t>
+            </a:r>
+            <a:r>
+              <a:rPr lang="es-ES" sz="700" dirty="0">
+                <a:solidFill>
+                  <a:srgbClr val="3B3B3B"/>
+                </a:solidFill>
+                <a:latin typeface="Menlo" panose="020B0609030804020204" pitchFamily="49" charset="0"/>
+              </a:rPr>
+              <a:t>, </a:t>
+            </a:r>
+            <a:r>
+              <a:rPr lang="es-ES" sz="700" dirty="0" err="1">
+                <a:solidFill>
+                  <a:srgbClr val="3B3B3B"/>
+                </a:solidFill>
+                <a:latin typeface="Menlo" panose="020B0609030804020204" pitchFamily="49" charset="0"/>
+              </a:rPr>
+              <a:t>Cluster</a:t>
+            </a:r>
+            <a:r>
+              <a:rPr lang="es-ES" sz="700" dirty="0">
+                <a:solidFill>
+                  <a:srgbClr val="3B3B3B"/>
+                </a:solidFill>
+                <a:latin typeface="Menlo" panose="020B0609030804020204" pitchFamily="49" charset="0"/>
+              </a:rPr>
+              <a:t> 7 </a:t>
+            </a:r>
+            <a:r>
+              <a:rPr lang="es-ES" sz="700" dirty="0" err="1">
+                <a:solidFill>
+                  <a:srgbClr val="3B3B3B"/>
+                </a:solidFill>
+                <a:latin typeface="Menlo" panose="020B0609030804020204" pitchFamily="49" charset="0"/>
+              </a:rPr>
+              <a:t>is</a:t>
+            </a:r>
+            <a:r>
+              <a:rPr lang="es-ES" sz="700" dirty="0">
+                <a:solidFill>
+                  <a:srgbClr val="3B3B3B"/>
+                </a:solidFill>
+                <a:latin typeface="Menlo" panose="020B0609030804020204" pitchFamily="49" charset="0"/>
+              </a:rPr>
+              <a:t> </a:t>
+            </a:r>
+            <a:r>
+              <a:rPr lang="es-ES" sz="700" dirty="0" err="1">
+                <a:solidFill>
+                  <a:srgbClr val="3B3B3B"/>
+                </a:solidFill>
+                <a:latin typeface="Menlo" panose="020B0609030804020204" pitchFamily="49" charset="0"/>
+              </a:rPr>
+              <a:t>potentially</a:t>
+            </a:r>
+            <a:r>
+              <a:rPr lang="es-ES" sz="700" dirty="0">
+                <a:solidFill>
+                  <a:srgbClr val="3B3B3B"/>
+                </a:solidFill>
+                <a:latin typeface="Menlo" panose="020B0609030804020204" pitchFamily="49" charset="0"/>
+              </a:rPr>
+              <a:t> </a:t>
+            </a:r>
+            <a:r>
+              <a:rPr lang="es-ES" sz="700" dirty="0" err="1">
+                <a:solidFill>
+                  <a:srgbClr val="3B3B3B"/>
+                </a:solidFill>
+                <a:latin typeface="Menlo" panose="020B0609030804020204" pitchFamily="49" charset="0"/>
+              </a:rPr>
+              <a:t>the</a:t>
+            </a:r>
+            <a:r>
+              <a:rPr lang="es-ES" sz="700" dirty="0">
+                <a:solidFill>
+                  <a:srgbClr val="3B3B3B"/>
+                </a:solidFill>
+                <a:latin typeface="Menlo" panose="020B0609030804020204" pitchFamily="49" charset="0"/>
+              </a:rPr>
+              <a:t> </a:t>
+            </a:r>
+            <a:r>
+              <a:rPr lang="es-ES" sz="700" dirty="0" err="1">
+                <a:solidFill>
+                  <a:srgbClr val="3B3B3B"/>
+                </a:solidFill>
+                <a:latin typeface="Menlo" panose="020B0609030804020204" pitchFamily="49" charset="0"/>
+              </a:rPr>
+              <a:t>most</a:t>
+            </a:r>
+            <a:r>
+              <a:rPr lang="es-ES" sz="700" dirty="0">
+                <a:solidFill>
+                  <a:srgbClr val="3B3B3B"/>
+                </a:solidFill>
+                <a:latin typeface="Menlo" panose="020B0609030804020204" pitchFamily="49" charset="0"/>
+              </a:rPr>
+              <a:t> favorable, </a:t>
+            </a:r>
+            <a:r>
+              <a:rPr lang="es-ES" sz="700" dirty="0" err="1">
+                <a:solidFill>
+                  <a:srgbClr val="3B3B3B"/>
+                </a:solidFill>
+                <a:latin typeface="Menlo" panose="020B0609030804020204" pitchFamily="49" charset="0"/>
+              </a:rPr>
+              <a:t>denoted</a:t>
+            </a:r>
+            <a:r>
+              <a:rPr lang="es-ES" sz="700" dirty="0">
+                <a:solidFill>
+                  <a:srgbClr val="3B3B3B"/>
+                </a:solidFill>
+                <a:latin typeface="Menlo" panose="020B0609030804020204" pitchFamily="49" charset="0"/>
+              </a:rPr>
+              <a:t> </a:t>
+            </a:r>
+            <a:r>
+              <a:rPr lang="es-ES" sz="700" dirty="0" err="1">
+                <a:solidFill>
+                  <a:srgbClr val="3B3B3B"/>
+                </a:solidFill>
+                <a:latin typeface="Menlo" panose="020B0609030804020204" pitchFamily="49" charset="0"/>
+              </a:rPr>
+              <a:t>by</a:t>
+            </a:r>
+            <a:r>
+              <a:rPr lang="es-ES" sz="700" dirty="0">
+                <a:solidFill>
+                  <a:srgbClr val="3B3B3B"/>
+                </a:solidFill>
+                <a:latin typeface="Menlo" panose="020B0609030804020204" pitchFamily="49" charset="0"/>
+              </a:rPr>
+              <a:t> </a:t>
+            </a:r>
+            <a:r>
+              <a:rPr lang="es-ES" sz="700" dirty="0" err="1">
+                <a:solidFill>
+                  <a:srgbClr val="3B3B3B"/>
+                </a:solidFill>
+                <a:latin typeface="Menlo" panose="020B0609030804020204" pitchFamily="49" charset="0"/>
+              </a:rPr>
+              <a:t>its</a:t>
+            </a:r>
+            <a:r>
+              <a:rPr lang="es-ES" sz="700" dirty="0">
+                <a:solidFill>
+                  <a:srgbClr val="3B3B3B"/>
+                </a:solidFill>
+                <a:latin typeface="Menlo" panose="020B0609030804020204" pitchFamily="49" charset="0"/>
+              </a:rPr>
+              <a:t> </a:t>
+            </a:r>
+            <a:r>
+              <a:rPr lang="es-ES" sz="700" dirty="0" err="1">
+                <a:solidFill>
+                  <a:srgbClr val="3B3B3B"/>
+                </a:solidFill>
+                <a:latin typeface="Menlo" panose="020B0609030804020204" pitchFamily="49" charset="0"/>
+              </a:rPr>
+              <a:t>attainment</a:t>
+            </a:r>
+            <a:r>
+              <a:rPr lang="es-ES" sz="700" dirty="0">
+                <a:solidFill>
+                  <a:srgbClr val="3B3B3B"/>
+                </a:solidFill>
+                <a:latin typeface="Menlo" panose="020B0609030804020204" pitchFamily="49" charset="0"/>
+              </a:rPr>
+              <a:t> </a:t>
+            </a:r>
+            <a:r>
+              <a:rPr lang="es-ES" sz="700" dirty="0" err="1">
+                <a:solidFill>
+                  <a:srgbClr val="3B3B3B"/>
+                </a:solidFill>
+                <a:latin typeface="Menlo" panose="020B0609030804020204" pitchFamily="49" charset="0"/>
+              </a:rPr>
+              <a:t>of</a:t>
+            </a:r>
+            <a:r>
+              <a:rPr lang="es-ES" sz="700" dirty="0">
+                <a:solidFill>
+                  <a:srgbClr val="3B3B3B"/>
+                </a:solidFill>
+                <a:latin typeface="Menlo" panose="020B0609030804020204" pitchFamily="49" charset="0"/>
+              </a:rPr>
+              <a:t> </a:t>
+            </a:r>
+            <a:r>
+              <a:rPr lang="es-ES" sz="700" dirty="0" err="1">
+                <a:solidFill>
+                  <a:srgbClr val="3B3B3B"/>
+                </a:solidFill>
+                <a:latin typeface="Menlo" panose="020B0609030804020204" pitchFamily="49" charset="0"/>
+              </a:rPr>
+              <a:t>the</a:t>
+            </a:r>
+            <a:r>
+              <a:rPr lang="es-ES" sz="700" dirty="0">
+                <a:solidFill>
+                  <a:srgbClr val="3B3B3B"/>
+                </a:solidFill>
+                <a:latin typeface="Menlo" panose="020B0609030804020204" pitchFamily="49" charset="0"/>
+              </a:rPr>
+              <a:t> </a:t>
+            </a:r>
+            <a:r>
+              <a:rPr lang="es-ES" sz="700" dirty="0" err="1">
+                <a:solidFill>
+                  <a:srgbClr val="3B3B3B"/>
+                </a:solidFill>
+                <a:latin typeface="Menlo" panose="020B0609030804020204" pitchFamily="49" charset="0"/>
+              </a:rPr>
+              <a:t>highest</a:t>
+            </a:r>
+            <a:r>
+              <a:rPr lang="es-ES" sz="700" dirty="0">
+                <a:solidFill>
+                  <a:srgbClr val="3B3B3B"/>
+                </a:solidFill>
+                <a:latin typeface="Menlo" panose="020B0609030804020204" pitchFamily="49" charset="0"/>
+              </a:rPr>
+              <a:t> </a:t>
+            </a:r>
+            <a:r>
+              <a:rPr lang="es-ES" sz="700" dirty="0" err="1">
+                <a:solidFill>
+                  <a:srgbClr val="3B3B3B"/>
+                </a:solidFill>
+                <a:latin typeface="Menlo" panose="020B0609030804020204" pitchFamily="49" charset="0"/>
+              </a:rPr>
+              <a:t>silhouette</a:t>
+            </a:r>
+            <a:r>
+              <a:rPr lang="es-ES" sz="700" dirty="0">
+                <a:solidFill>
+                  <a:srgbClr val="3B3B3B"/>
+                </a:solidFill>
+                <a:latin typeface="Menlo" panose="020B0609030804020204" pitchFamily="49" charset="0"/>
+              </a:rPr>
+              <a:t> score.</a:t>
+            </a:r>
+          </a:p>
+          <a:p>
+            <a:pPr marL="171450" indent="-171450" algn="just">
+              <a:lnSpc>
+                <a:spcPct val="200000"/>
+              </a:lnSpc>
+              <a:buSzPct val="130000"/>
+              <a:buFont typeface="Wingdings" pitchFamily="2" charset="2"/>
+              <a:buChar char="§"/>
+            </a:pPr>
+            <a:endParaRPr lang="es-ES" sz="700" dirty="0">
+              <a:solidFill>
+                <a:srgbClr val="3B3B3B"/>
+              </a:solidFill>
+              <a:latin typeface="Menlo" panose="020B0609030804020204" pitchFamily="49" charset="0"/>
+            </a:endParaRPr>
+          </a:p>
+          <a:p>
+            <a:pPr marL="171450" indent="-171450" algn="just">
+              <a:lnSpc>
+                <a:spcPct val="200000"/>
+              </a:lnSpc>
+              <a:buFont typeface="Wingdings" pitchFamily="2" charset="2"/>
+              <a:buChar char="§"/>
+            </a:pPr>
+            <a:endParaRPr lang="es-ES" sz="700" dirty="0">
+              <a:solidFill>
+                <a:srgbClr val="3B3B3B"/>
+              </a:solidFill>
+              <a:latin typeface="Menlo" panose="020B0609030804020204" pitchFamily="49" charset="0"/>
+            </a:endParaRPr>
+          </a:p>
+          <a:p>
+            <a:pPr marL="171450" indent="-171450" algn="just">
+              <a:lnSpc>
+                <a:spcPct val="200000"/>
+              </a:lnSpc>
+              <a:buFont typeface="Wingdings" pitchFamily="2" charset="2"/>
+              <a:buChar char="§"/>
+            </a:pPr>
+            <a:endParaRPr lang="es-ES" sz="700" dirty="0">
+              <a:solidFill>
+                <a:srgbClr val="3B3B3B"/>
+              </a:solidFill>
+              <a:latin typeface="Menlo" panose="020B0609030804020204" pitchFamily="49" charset="0"/>
+            </a:endParaRPr>
+          </a:p>
+        </p:txBody>
+      </p:sp>
+      <p:pic>
+        <p:nvPicPr>
+          <p:cNvPr id="7" name="Imagen 6">
+            <a:extLst>
+              <a:ext uri="{FF2B5EF4-FFF2-40B4-BE49-F238E27FC236}">
+                <a16:creationId xmlns:a16="http://schemas.microsoft.com/office/drawing/2014/main" id="{854F8894-B796-C165-D86C-4B34AA542CB0}"/>
+              </a:ext>
+            </a:extLst>
+          </p:cNvPr>
+          <p:cNvPicPr>
+            <a:picLocks noChangeAspect="1"/>
+          </p:cNvPicPr>
+          <p:nvPr/>
+        </p:nvPicPr>
+        <p:blipFill>
+          <a:blip r:embed="rId4"/>
+          <a:stretch>
+            <a:fillRect/>
+          </a:stretch>
+        </p:blipFill>
+        <p:spPr>
+          <a:xfrm>
+            <a:off x="5120638" y="1202420"/>
+            <a:ext cx="144000" cy="144000"/>
+          </a:xfrm>
+          <a:prstGeom prst="rect">
+            <a:avLst/>
+          </a:prstGeom>
+        </p:spPr>
+      </p:pic>
+    </p:spTree>
+    <p:extLst>
+      <p:ext uri="{BB962C8B-B14F-4D97-AF65-F5344CB8AC3E}">
+        <p14:creationId xmlns:p14="http://schemas.microsoft.com/office/powerpoint/2010/main" val="1985993047"/>
+      </p:ext>
+    </p:extLst>
+  </p:cSld>
+  <p:clrMapOvr>
+    <a:masterClrMapping/>
+  </p:clrMapOvr>
+  <mc:AlternateContent xmlns:mc="http://schemas.openxmlformats.org/markup-compatibility/2006" xmlns:p159="http://schemas.microsoft.com/office/powerpoint/2015/09/main">
+    <mc:Choice Requires="p159">
+      <p:transition xmlns:p14="http://schemas.microsoft.com/office/powerpoint/2010/main" spd="slow" p14:dur="2000">
+        <p159:morph option="byObject"/>
+      </p:transition>
+    </mc:Choice>
+    <mc:Fallback xmlns="">
+      <p:transition spd="slow">
+        <p:fade/>
+      </p:transition>
+    </mc:Fallback>
+  </mc:AlternateContent>
+</p:sld>
+</file>
+
+<file path=ppt/slides/slide2.xml><?xml version="1.0" encoding="utf-8"?>
+<p:sld xmlns:a="http://schemas.openxmlformats.org/drawingml/2006/main" xmlns:r="http://schemas.openxmlformats.org/officeDocument/2006/relationships" xmlns:p="http://schemas.openxmlformats.org/presentationml/2006/main">
+  <p:cSld>
+    <p:spTree>
+      <p:nvGrpSpPr>
+        <p:cNvPr id="1" name="Shape 533"/>
+        <p:cNvGrpSpPr/>
+        <p:nvPr/>
+      </p:nvGrpSpPr>
+      <p:grpSpPr>
+        <a:xfrm>
+          <a:off x="0" y="0"/>
+          <a:ext cx="0" cy="0"/>
+          <a:chOff x="0" y="0"/>
+          <a:chExt cx="0" cy="0"/>
+        </a:xfrm>
+      </p:grpSpPr>
+      <p:sp>
+        <p:nvSpPr>
+          <p:cNvPr id="534" name="Google Shape;534;p37"/>
+          <p:cNvSpPr txBox="1">
+            <a:spLocks noGrp="1"/>
+          </p:cNvSpPr>
+          <p:nvPr>
+            <p:ph type="title"/>
+          </p:nvPr>
+        </p:nvSpPr>
+        <p:spPr>
+          <a:xfrm>
+            <a:off x="720000" y="445025"/>
+            <a:ext cx="7704000" cy="572700"/>
+          </a:xfrm>
+          <a:prstGeom prst="rect">
+            <a:avLst/>
+          </a:prstGeom>
+        </p:spPr>
+        <p:txBody>
+          <a:bodyPr spcFirstLastPara="1" wrap="square" lIns="91425" tIns="91425" rIns="91425" bIns="91425" anchor="t" anchorCtr="0">
+            <a:noAutofit/>
+          </a:bodyPr>
+          <a:lstStyle/>
+          <a:p>
+            <a:pPr marL="0" lvl="0" indent="0" algn="l" rtl="0">
+              <a:spcBef>
+                <a:spcPts val="0"/>
+              </a:spcBef>
+              <a:spcAft>
+                <a:spcPts val="0"/>
+              </a:spcAft>
+              <a:buNone/>
+            </a:pPr>
+            <a:r>
+              <a:rPr lang="en"/>
+              <a:t>Table of contents</a:t>
+            </a:r>
+            <a:endParaRPr/>
+          </a:p>
+        </p:txBody>
+      </p:sp>
+      <p:sp>
+        <p:nvSpPr>
+          <p:cNvPr id="535" name="Google Shape;535;p37"/>
+          <p:cNvSpPr txBox="1">
+            <a:spLocks noGrp="1"/>
+          </p:cNvSpPr>
+          <p:nvPr>
+            <p:ph type="title" idx="2"/>
+          </p:nvPr>
+        </p:nvSpPr>
+        <p:spPr>
+          <a:xfrm>
+            <a:off x="720000" y="1504570"/>
+            <a:ext cx="734700" cy="447600"/>
+          </a:xfrm>
+          <a:prstGeom prst="rect">
+            <a:avLst/>
+          </a:prstGeom>
+          <a:solidFill>
+            <a:schemeClr val="lt2"/>
+          </a:solidFill>
+        </p:spPr>
+        <p:txBody>
+          <a:bodyPr spcFirstLastPara="1" wrap="square" lIns="91425" tIns="91425" rIns="91425" bIns="91425" anchor="ctr" anchorCtr="0">
+            <a:noAutofit/>
+          </a:bodyPr>
+          <a:lstStyle/>
+          <a:p>
+            <a:pPr marL="0" lvl="0" indent="0" algn="ctr" rtl="0">
+              <a:spcBef>
+                <a:spcPts val="0"/>
+              </a:spcBef>
+              <a:spcAft>
+                <a:spcPts val="0"/>
+              </a:spcAft>
+              <a:buNone/>
+            </a:pPr>
+            <a:r>
+              <a:rPr lang="en" sz="2800">
+                <a:solidFill>
+                  <a:schemeClr val="dk1"/>
+                </a:solidFill>
+              </a:rPr>
+              <a:t>01</a:t>
+            </a:r>
+            <a:endParaRPr sz="2800">
+              <a:solidFill>
+                <a:schemeClr val="dk1"/>
+              </a:solidFill>
+            </a:endParaRPr>
+          </a:p>
+        </p:txBody>
+      </p:sp>
+      <p:sp>
+        <p:nvSpPr>
+          <p:cNvPr id="536" name="Google Shape;536;p37"/>
+          <p:cNvSpPr txBox="1">
+            <a:spLocks noGrp="1"/>
+          </p:cNvSpPr>
+          <p:nvPr>
+            <p:ph type="title" idx="3"/>
+          </p:nvPr>
+        </p:nvSpPr>
+        <p:spPr>
+          <a:xfrm>
+            <a:off x="2445433" y="3177441"/>
+            <a:ext cx="734700" cy="447600"/>
+          </a:xfrm>
+          <a:prstGeom prst="rect">
+            <a:avLst/>
+          </a:prstGeom>
+          <a:solidFill>
+            <a:schemeClr val="lt2"/>
+          </a:solidFill>
+        </p:spPr>
+        <p:txBody>
+          <a:bodyPr spcFirstLastPara="1" wrap="square" lIns="91425" tIns="91425" rIns="91425" bIns="91425" anchor="ctr" anchorCtr="0">
+            <a:noAutofit/>
+          </a:bodyPr>
+          <a:lstStyle/>
+          <a:p>
+            <a:pPr marL="0" lvl="0" indent="0" algn="ctr" rtl="0">
+              <a:spcBef>
+                <a:spcPts val="0"/>
+              </a:spcBef>
+              <a:spcAft>
+                <a:spcPts val="0"/>
+              </a:spcAft>
+              <a:buNone/>
+            </a:pPr>
+            <a:r>
+              <a:rPr lang="en" sz="2800">
+                <a:solidFill>
+                  <a:schemeClr val="dk1"/>
+                </a:solidFill>
+              </a:rPr>
+              <a:t>04</a:t>
+            </a:r>
+            <a:endParaRPr sz="2800">
+              <a:solidFill>
+                <a:schemeClr val="dk1"/>
+              </a:solidFill>
+            </a:endParaRPr>
+          </a:p>
+        </p:txBody>
+      </p:sp>
+      <p:sp>
+        <p:nvSpPr>
+          <p:cNvPr id="537" name="Google Shape;537;p37"/>
+          <p:cNvSpPr txBox="1">
+            <a:spLocks noGrp="1"/>
+          </p:cNvSpPr>
+          <p:nvPr>
+            <p:ph type="title" idx="4"/>
+          </p:nvPr>
+        </p:nvSpPr>
+        <p:spPr>
+          <a:xfrm>
+            <a:off x="3419271" y="1504570"/>
+            <a:ext cx="734700" cy="447600"/>
+          </a:xfrm>
+          <a:prstGeom prst="rect">
+            <a:avLst/>
+          </a:prstGeom>
+          <a:solidFill>
+            <a:schemeClr val="lt2"/>
+          </a:solidFill>
+        </p:spPr>
+        <p:txBody>
+          <a:bodyPr spcFirstLastPara="1" wrap="square" lIns="91425" tIns="91425" rIns="91425" bIns="91425" anchor="ctr" anchorCtr="0">
+            <a:noAutofit/>
+          </a:bodyPr>
+          <a:lstStyle/>
+          <a:p>
+            <a:pPr marL="0" lvl="0" indent="0" algn="ctr" rtl="0">
+              <a:spcBef>
+                <a:spcPts val="0"/>
+              </a:spcBef>
+              <a:spcAft>
+                <a:spcPts val="0"/>
+              </a:spcAft>
+              <a:buNone/>
+            </a:pPr>
+            <a:r>
+              <a:rPr lang="en" sz="2800">
+                <a:solidFill>
+                  <a:schemeClr val="dk1"/>
+                </a:solidFill>
+              </a:rPr>
+              <a:t>02</a:t>
+            </a:r>
+            <a:endParaRPr sz="2800">
+              <a:solidFill>
+                <a:schemeClr val="dk1"/>
+              </a:solidFill>
+            </a:endParaRPr>
+          </a:p>
+        </p:txBody>
+      </p:sp>
+      <p:sp>
+        <p:nvSpPr>
+          <p:cNvPr id="538" name="Google Shape;538;p37"/>
+          <p:cNvSpPr txBox="1">
+            <a:spLocks noGrp="1"/>
+          </p:cNvSpPr>
+          <p:nvPr>
+            <p:ph type="title" idx="5"/>
+          </p:nvPr>
+        </p:nvSpPr>
+        <p:spPr>
+          <a:xfrm>
+            <a:off x="5144704" y="3177441"/>
+            <a:ext cx="734700" cy="447600"/>
+          </a:xfrm>
+          <a:prstGeom prst="rect">
+            <a:avLst/>
+          </a:prstGeom>
+          <a:solidFill>
+            <a:schemeClr val="lt2"/>
+          </a:solidFill>
+        </p:spPr>
+        <p:txBody>
+          <a:bodyPr spcFirstLastPara="1" wrap="square" lIns="91425" tIns="91425" rIns="91425" bIns="91425" anchor="ctr" anchorCtr="0">
+            <a:noAutofit/>
+          </a:bodyPr>
+          <a:lstStyle/>
+          <a:p>
+            <a:pPr marL="0" lvl="0" indent="0" algn="ctr" rtl="0">
+              <a:spcBef>
+                <a:spcPts val="0"/>
+              </a:spcBef>
+              <a:spcAft>
+                <a:spcPts val="0"/>
+              </a:spcAft>
+              <a:buNone/>
+            </a:pPr>
+            <a:r>
+              <a:rPr lang="en" sz="2800" dirty="0">
+                <a:solidFill>
+                  <a:schemeClr val="dk1"/>
+                </a:solidFill>
+              </a:rPr>
+              <a:t>05</a:t>
+            </a:r>
+            <a:endParaRPr sz="2800" dirty="0">
+              <a:solidFill>
+                <a:schemeClr val="dk1"/>
+              </a:solidFill>
+            </a:endParaRPr>
+          </a:p>
+        </p:txBody>
+      </p:sp>
+      <p:sp>
+        <p:nvSpPr>
+          <p:cNvPr id="539" name="Google Shape;539;p37"/>
+          <p:cNvSpPr txBox="1">
+            <a:spLocks noGrp="1"/>
+          </p:cNvSpPr>
+          <p:nvPr>
+            <p:ph type="title" idx="6"/>
+          </p:nvPr>
+        </p:nvSpPr>
+        <p:spPr>
+          <a:xfrm>
+            <a:off x="6118549" y="1504570"/>
+            <a:ext cx="734700" cy="447600"/>
+          </a:xfrm>
+          <a:prstGeom prst="rect">
+            <a:avLst/>
+          </a:prstGeom>
+          <a:solidFill>
+            <a:schemeClr val="lt2"/>
+          </a:solidFill>
+        </p:spPr>
+        <p:txBody>
+          <a:bodyPr spcFirstLastPara="1" wrap="square" lIns="91425" tIns="91425" rIns="91425" bIns="91425" anchor="ctr" anchorCtr="0">
+            <a:noAutofit/>
+          </a:bodyPr>
+          <a:lstStyle/>
+          <a:p>
+            <a:pPr marL="0" lvl="0" indent="0" algn="ctr" rtl="0">
+              <a:spcBef>
+                <a:spcPts val="0"/>
+              </a:spcBef>
+              <a:spcAft>
+                <a:spcPts val="0"/>
+              </a:spcAft>
+              <a:buNone/>
+            </a:pPr>
+            <a:r>
+              <a:rPr lang="en" sz="2800">
+                <a:solidFill>
+                  <a:schemeClr val="dk1"/>
+                </a:solidFill>
+              </a:rPr>
+              <a:t>03</a:t>
+            </a:r>
+            <a:endParaRPr sz="2800">
+              <a:solidFill>
+                <a:schemeClr val="dk1"/>
+              </a:solidFill>
+            </a:endParaRPr>
+          </a:p>
+        </p:txBody>
+      </p:sp>
+      <p:sp>
+        <p:nvSpPr>
+          <p:cNvPr id="541" name="Google Shape;541;p37"/>
+          <p:cNvSpPr txBox="1">
+            <a:spLocks noGrp="1"/>
+          </p:cNvSpPr>
+          <p:nvPr>
+            <p:ph type="subTitle" idx="1"/>
+          </p:nvPr>
+        </p:nvSpPr>
+        <p:spPr>
+          <a:xfrm>
+            <a:off x="720000" y="1973643"/>
+            <a:ext cx="2305500" cy="465372"/>
+          </a:xfrm>
+          <a:prstGeom prst="rect">
+            <a:avLst/>
+          </a:prstGeom>
+        </p:spPr>
+        <p:txBody>
+          <a:bodyPr spcFirstLastPara="1" wrap="square" lIns="91425" tIns="91425" rIns="91425" bIns="91425" anchor="b" anchorCtr="0">
+            <a:noAutofit/>
+          </a:bodyPr>
+          <a:lstStyle/>
+          <a:p>
+            <a:pPr marL="0" lvl="0" indent="0" algn="l" rtl="0">
+              <a:spcBef>
+                <a:spcPts val="0"/>
+              </a:spcBef>
+              <a:spcAft>
+                <a:spcPts val="0"/>
+              </a:spcAft>
+              <a:buNone/>
+            </a:pPr>
+            <a:r>
+              <a:rPr lang="en" b="0" dirty="0">
+                <a:latin typeface="Playfair Display"/>
+                <a:ea typeface="Playfair Display"/>
+                <a:cs typeface="Playfair Display"/>
+                <a:sym typeface="Playfair Display"/>
+              </a:rPr>
+              <a:t>Introduction</a:t>
+            </a:r>
+            <a:endParaRPr b="0" dirty="0">
+              <a:latin typeface="Playfair Display"/>
+              <a:ea typeface="Playfair Display"/>
+              <a:cs typeface="Playfair Display"/>
+              <a:sym typeface="Playfair Display"/>
+            </a:endParaRPr>
+          </a:p>
+        </p:txBody>
+      </p:sp>
+      <p:sp>
+        <p:nvSpPr>
+          <p:cNvPr id="542" name="Google Shape;542;p37"/>
+          <p:cNvSpPr txBox="1">
+            <a:spLocks noGrp="1"/>
+          </p:cNvSpPr>
+          <p:nvPr>
+            <p:ph type="subTitle" idx="8"/>
+          </p:nvPr>
+        </p:nvSpPr>
+        <p:spPr>
+          <a:xfrm>
+            <a:off x="3419271" y="1973643"/>
+            <a:ext cx="2305500" cy="754200"/>
+          </a:xfrm>
+          <a:prstGeom prst="rect">
+            <a:avLst/>
+          </a:prstGeom>
+        </p:spPr>
+        <p:txBody>
+          <a:bodyPr spcFirstLastPara="1" wrap="square" lIns="91425" tIns="91425" rIns="91425" bIns="91425" anchor="b" anchorCtr="0">
+            <a:noAutofit/>
+          </a:bodyPr>
+          <a:lstStyle/>
+          <a:p>
+            <a:pPr marL="0" lvl="0" indent="0" algn="l" rtl="0">
+              <a:spcBef>
+                <a:spcPts val="0"/>
+              </a:spcBef>
+              <a:spcAft>
+                <a:spcPts val="0"/>
+              </a:spcAft>
+              <a:buNone/>
+            </a:pPr>
+            <a:r>
+              <a:rPr lang="en" dirty="0"/>
+              <a:t>Exploratory Data Analysis</a:t>
+            </a:r>
+            <a:endParaRPr b="0" dirty="0">
+              <a:latin typeface="Playfair Display"/>
+              <a:ea typeface="Playfair Display"/>
+              <a:cs typeface="Playfair Display"/>
+              <a:sym typeface="Playfair Display"/>
+            </a:endParaRPr>
+          </a:p>
+        </p:txBody>
+      </p:sp>
+      <p:sp>
+        <p:nvSpPr>
+          <p:cNvPr id="543" name="Google Shape;543;p37"/>
+          <p:cNvSpPr txBox="1">
+            <a:spLocks noGrp="1"/>
+          </p:cNvSpPr>
+          <p:nvPr>
+            <p:ph type="subTitle" idx="9"/>
+          </p:nvPr>
+        </p:nvSpPr>
+        <p:spPr>
+          <a:xfrm>
+            <a:off x="6118550" y="1973643"/>
+            <a:ext cx="2731252" cy="754200"/>
+          </a:xfrm>
+          <a:prstGeom prst="rect">
+            <a:avLst/>
+          </a:prstGeom>
+        </p:spPr>
+        <p:txBody>
+          <a:bodyPr spcFirstLastPara="1" wrap="square" lIns="91425" tIns="91425" rIns="91425" bIns="91425" anchor="b" anchorCtr="0">
+            <a:noAutofit/>
+          </a:bodyPr>
+          <a:lstStyle/>
+          <a:p>
+            <a:pPr marL="0" lvl="0" indent="0" algn="l" rtl="0">
+              <a:spcBef>
+                <a:spcPts val="0"/>
+              </a:spcBef>
+              <a:spcAft>
+                <a:spcPts val="0"/>
+              </a:spcAft>
+              <a:buNone/>
+            </a:pPr>
+            <a:r>
+              <a:rPr lang="en" dirty="0"/>
+              <a:t>Principal Component Analysis</a:t>
+            </a:r>
+            <a:endParaRPr b="0" dirty="0">
+              <a:latin typeface="Playfair Display"/>
+              <a:ea typeface="Playfair Display"/>
+              <a:cs typeface="Playfair Display"/>
+              <a:sym typeface="Playfair Display"/>
+            </a:endParaRPr>
+          </a:p>
+        </p:txBody>
+      </p:sp>
+      <p:sp>
+        <p:nvSpPr>
+          <p:cNvPr id="544" name="Google Shape;544;p37"/>
+          <p:cNvSpPr txBox="1">
+            <a:spLocks noGrp="1"/>
+          </p:cNvSpPr>
+          <p:nvPr>
+            <p:ph type="subTitle" idx="13"/>
+          </p:nvPr>
+        </p:nvSpPr>
+        <p:spPr>
+          <a:xfrm>
+            <a:off x="2445433" y="3646600"/>
+            <a:ext cx="2305500" cy="754200"/>
+          </a:xfrm>
+          <a:prstGeom prst="rect">
+            <a:avLst/>
+          </a:prstGeom>
+        </p:spPr>
+        <p:txBody>
+          <a:bodyPr spcFirstLastPara="1" wrap="square" lIns="91425" tIns="91425" rIns="91425" bIns="91425" anchor="b" anchorCtr="0">
+            <a:noAutofit/>
+          </a:bodyPr>
+          <a:lstStyle/>
+          <a:p>
+            <a:pPr marL="0" lvl="0" indent="0" algn="l" rtl="0">
+              <a:spcBef>
+                <a:spcPts val="0"/>
+              </a:spcBef>
+              <a:spcAft>
+                <a:spcPts val="0"/>
+              </a:spcAft>
+              <a:buNone/>
+            </a:pPr>
+            <a:r>
+              <a:rPr lang="en" b="0" dirty="0">
+                <a:latin typeface="Playfair Display"/>
+                <a:ea typeface="Playfair Display"/>
+                <a:cs typeface="Playfair Display"/>
+                <a:sym typeface="Playfair Display"/>
+              </a:rPr>
+              <a:t>Clustering Analysis</a:t>
+            </a:r>
+            <a:endParaRPr b="0" dirty="0">
+              <a:latin typeface="Playfair Display"/>
+              <a:ea typeface="Playfair Display"/>
+              <a:cs typeface="Playfair Display"/>
+              <a:sym typeface="Playfair Display"/>
+            </a:endParaRPr>
+          </a:p>
+        </p:txBody>
+      </p:sp>
+      <p:sp>
+        <p:nvSpPr>
+          <p:cNvPr id="545" name="Google Shape;545;p37"/>
+          <p:cNvSpPr txBox="1">
+            <a:spLocks noGrp="1"/>
+          </p:cNvSpPr>
+          <p:nvPr>
+            <p:ph type="subTitle" idx="14"/>
+          </p:nvPr>
+        </p:nvSpPr>
+        <p:spPr>
+          <a:xfrm>
+            <a:off x="5144704" y="3646600"/>
+            <a:ext cx="2305500" cy="754200"/>
+          </a:xfrm>
+          <a:prstGeom prst="rect">
+            <a:avLst/>
+          </a:prstGeom>
+        </p:spPr>
+        <p:txBody>
+          <a:bodyPr spcFirstLastPara="1" wrap="square" lIns="91425" tIns="91425" rIns="91425" bIns="91425" anchor="b" anchorCtr="0">
+            <a:noAutofit/>
+          </a:bodyPr>
+          <a:lstStyle/>
+          <a:p>
+            <a:pPr marL="0" lvl="0" indent="0" algn="l" rtl="0">
+              <a:spcBef>
+                <a:spcPts val="0"/>
+              </a:spcBef>
+              <a:spcAft>
+                <a:spcPts val="0"/>
+              </a:spcAft>
+              <a:buNone/>
+            </a:pPr>
+            <a:r>
+              <a:rPr lang="en" dirty="0"/>
+              <a:t>Conclusions</a:t>
+            </a:r>
+            <a:endParaRPr b="0" dirty="0">
+              <a:latin typeface="Playfair Display"/>
+              <a:ea typeface="Playfair Display"/>
+              <a:cs typeface="Playfair Display"/>
+              <a:sym typeface="Playfair Display"/>
+            </a:endParaRPr>
+          </a:p>
+        </p:txBody>
+      </p:sp>
+    </p:spTree>
+  </p:cSld>
+  <p:clrMapOvr>
+    <a:masterClrMapping/>
+  </p:clrMapOvr>
+  <mc:AlternateContent xmlns:mc="http://schemas.openxmlformats.org/markup-compatibility/2006" xmlns:p159="http://schemas.microsoft.com/office/powerpoint/2015/09/main">
+    <mc:Choice Requires="p159">
+      <p:transition xmlns:p14="http://schemas.microsoft.com/office/powerpoint/2010/main" spd="slow" p14:dur="2000">
+        <p159:morph option="byObject"/>
+      </p:transition>
+    </mc:Choice>
+    <mc:Fallback xmlns="">
+      <p:transition spd="slow">
+        <p:fade/>
+      </p:transition>
+    </mc:Fallback>
+  </mc:AlternateContent>
+</p:sld>
+</file>
+
+<file path=ppt/slides/slide20.xml><?xml version="1.0" encoding="utf-8"?>
 <p:sld xmlns:a="http://schemas.openxmlformats.org/drawingml/2006/main" xmlns:r="http://schemas.openxmlformats.org/officeDocument/2006/relationships" xmlns:p="http://schemas.openxmlformats.org/presentationml/2006/main">
   <p:cSld>
     <p:spTree>
@@ -24671,7 +27550,7 @@
           <a:p>
             <a:pPr algn="ctr"/>
             <a:r>
-              <a:rPr lang="es-ES" sz="1000">
+              <a:rPr lang="es-ES" sz="1000" dirty="0">
                 <a:solidFill>
                   <a:srgbClr val="3B3B3B"/>
                 </a:solidFill>
@@ -24679,7 +27558,7 @@
                 <a:ea typeface="Menlo" panose="020B0609030804020204" pitchFamily="49" charset="0"/>
                 <a:cs typeface="Menlo" panose="020B0609030804020204" pitchFamily="49" charset="0"/>
               </a:rPr>
-              <a:t>7509</a:t>
+              <a:t>5503</a:t>
             </a:r>
             <a:endParaRPr lang="es-ES" sz="1000" dirty="0">
               <a:solidFill>
@@ -24755,7 +27634,7 @@
           <a:p>
             <a:pPr algn="ctr"/>
             <a:r>
-              <a:rPr lang="es-ES" sz="1000">
+              <a:rPr lang="es-ES" sz="1000" dirty="0">
                 <a:solidFill>
                   <a:srgbClr val="3B3B3B"/>
                 </a:solidFill>
@@ -24763,7 +27642,7 @@
                 <a:ea typeface="Menlo" panose="020B0609030804020204" pitchFamily="49" charset="0"/>
                 <a:cs typeface="Menlo" panose="020B0609030804020204" pitchFamily="49" charset="0"/>
               </a:rPr>
-              <a:t>5503</a:t>
+              <a:t>7509</a:t>
             </a:r>
             <a:endParaRPr lang="es-ES" sz="1000" dirty="0">
               <a:solidFill>
@@ -24839,11 +27718,13 @@
           <a:p>
             <a:pPr algn="ctr"/>
             <a:r>
-              <a:rPr lang="es-ES" sz="1000">
-                <a:solidFill>
-                  <a:srgbClr val="3B3B3B"/>
-                </a:solidFill>
-                <a:cs typeface="Arial"/>
+              <a:rPr lang="es-ES" sz="1000" dirty="0">
+                <a:solidFill>
+                  <a:srgbClr val="3B3B3B"/>
+                </a:solidFill>
+                <a:latin typeface="Menlo" panose="020B0609030804020204" pitchFamily="49" charset="0"/>
+                <a:ea typeface="Menlo" panose="020B0609030804020204" pitchFamily="49" charset="0"/>
+                <a:cs typeface="Menlo" panose="020B0609030804020204" pitchFamily="49" charset="0"/>
               </a:rPr>
               <a:t>2762</a:t>
             </a:r>
@@ -25157,7 +28038,7 @@
           <a:p>
             <a:pPr algn="ctr"/>
             <a:r>
-              <a:rPr lang="es-ES" sz="1000">
+              <a:rPr lang="es-ES" sz="1000" dirty="0">
                 <a:solidFill>
                   <a:srgbClr val="3B3B3B"/>
                 </a:solidFill>
@@ -25436,7 +28317,7 @@
         </p:nvSpPr>
         <p:spPr>
           <a:xfrm>
-            <a:off x="4161881" y="2336030"/>
+            <a:off x="4135965" y="2492904"/>
             <a:ext cx="829733" cy="823383"/>
           </a:xfrm>
           <a:prstGeom prst="roundRect">
@@ -25524,13 +28405,13 @@
   <p:clrMapOvr>
     <a:masterClrMapping/>
   </p:clrMapOvr>
-  <mc:AlternateContent xmlns:mc="http://schemas.openxmlformats.org/markup-compatibility/2006">
-    <mc:Choice xmlns:p159="http://schemas.microsoft.com/office/powerpoint/2015/09/main" Requires="p159">
+  <mc:AlternateContent xmlns:mc="http://schemas.openxmlformats.org/markup-compatibility/2006" xmlns:p159="http://schemas.microsoft.com/office/powerpoint/2015/09/main">
+    <mc:Choice Requires="p159">
       <p:transition xmlns:p14="http://schemas.microsoft.com/office/powerpoint/2010/main" spd="slow" p14:dur="2000">
         <p159:morph option="byObject"/>
       </p:transition>
     </mc:Choice>
-    <mc:Fallback>
+    <mc:Fallback xmlns="">
       <p:transition spd="slow">
         <p:fade/>
       </p:transition>
@@ -25539,7 +28420,7 @@
 </p:sld>
 </file>
 
-<file path=ppt/slides/slide2.xml><?xml version="1.0" encoding="utf-8"?>
+<file path=ppt/slides/slide21.xml><?xml version="1.0" encoding="utf-8"?>
 <p:sld xmlns:a="http://schemas.openxmlformats.org/drawingml/2006/main" xmlns:r="http://schemas.openxmlformats.org/officeDocument/2006/relationships" xmlns:p="http://schemas.openxmlformats.org/presentationml/2006/main">
   <p:cSld>
     <p:spTree>
@@ -26109,595 +28990,6 @@
         </p:txBody>
       </p:sp>
     </p:spTree>
-  </p:cSld>
-  <p:clrMapOvr>
-    <a:masterClrMapping/>
-  </p:clrMapOvr>
-  <mc:AlternateContent xmlns:mc="http://schemas.openxmlformats.org/markup-compatibility/2006">
-    <mc:Choice xmlns:p159="http://schemas.microsoft.com/office/powerpoint/2015/09/main" Requires="p159">
-      <p:transition xmlns:p14="http://schemas.microsoft.com/office/powerpoint/2010/main" spd="slow" p14:dur="2000">
-        <p159:morph option="byObject"/>
-      </p:transition>
-    </mc:Choice>
-    <mc:Fallback>
-      <p:transition spd="slow">
-        <p:fade/>
-      </p:transition>
-    </mc:Fallback>
-  </mc:AlternateContent>
-</p:sld>
-</file>
-
-<file path=ppt/slides/slide20.xml><?xml version="1.0" encoding="utf-8"?>
-<p:sld xmlns:a="http://schemas.openxmlformats.org/drawingml/2006/main" xmlns:r="http://schemas.openxmlformats.org/officeDocument/2006/relationships" xmlns:p="http://schemas.openxmlformats.org/presentationml/2006/main">
-  <p:cSld>
-    <p:spTree>
-      <p:nvGrpSpPr>
-        <p:cNvPr id="1" name="Shape 533"/>
-        <p:cNvGrpSpPr/>
-        <p:nvPr/>
-      </p:nvGrpSpPr>
-      <p:grpSpPr>
-        <a:xfrm>
-          <a:off x="0" y="0"/>
-          <a:ext cx="0" cy="0"/>
-          <a:chOff x="0" y="0"/>
-          <a:chExt cx="0" cy="0"/>
-        </a:xfrm>
-      </p:grpSpPr>
-      <p:sp>
-        <p:nvSpPr>
-          <p:cNvPr id="534" name="Google Shape;534;p37"/>
-          <p:cNvSpPr txBox="1">
-            <a:spLocks noGrp="1"/>
-          </p:cNvSpPr>
-          <p:nvPr>
-            <p:ph type="title"/>
-          </p:nvPr>
-        </p:nvSpPr>
-        <p:spPr>
-          <a:xfrm>
-            <a:off x="720000" y="445025"/>
-            <a:ext cx="7704000" cy="572700"/>
-          </a:xfrm>
-          <a:prstGeom prst="rect">
-            <a:avLst/>
-          </a:prstGeom>
-        </p:spPr>
-        <p:txBody>
-          <a:bodyPr spcFirstLastPara="1" wrap="square" lIns="91425" tIns="91425" rIns="91425" bIns="91425" anchor="t" anchorCtr="0">
-            <a:noAutofit/>
-          </a:bodyPr>
-          <a:lstStyle/>
-          <a:p>
-            <a:pPr marL="0" lvl="0" indent="0" algn="l" rtl="0">
-              <a:spcBef>
-                <a:spcPts val="0"/>
-              </a:spcBef>
-              <a:spcAft>
-                <a:spcPts val="0"/>
-              </a:spcAft>
-              <a:buNone/>
-            </a:pPr>
-            <a:r>
-              <a:rPr lang="en"/>
-              <a:t>Table of contents</a:t>
-            </a:r>
-            <a:endParaRPr/>
-          </a:p>
-        </p:txBody>
-      </p:sp>
-      <p:sp>
-        <p:nvSpPr>
-          <p:cNvPr id="535" name="Google Shape;535;p37"/>
-          <p:cNvSpPr txBox="1">
-            <a:spLocks noGrp="1"/>
-          </p:cNvSpPr>
-          <p:nvPr>
-            <p:ph type="title" idx="2"/>
-          </p:nvPr>
-        </p:nvSpPr>
-        <p:spPr>
-          <a:xfrm>
-            <a:off x="720000" y="1504570"/>
-            <a:ext cx="734700" cy="447600"/>
-          </a:xfrm>
-          <a:prstGeom prst="rect">
-            <a:avLst/>
-          </a:prstGeom>
-          <a:solidFill>
-            <a:schemeClr val="lt2"/>
-          </a:solidFill>
-        </p:spPr>
-        <p:txBody>
-          <a:bodyPr spcFirstLastPara="1" wrap="square" lIns="91425" tIns="91425" rIns="91425" bIns="91425" anchor="ctr" anchorCtr="0">
-            <a:noAutofit/>
-          </a:bodyPr>
-          <a:lstStyle/>
-          <a:p>
-            <a:pPr marL="0" lvl="0" indent="0" algn="ctr" rtl="0">
-              <a:spcBef>
-                <a:spcPts val="0"/>
-              </a:spcBef>
-              <a:spcAft>
-                <a:spcPts val="0"/>
-              </a:spcAft>
-              <a:buNone/>
-            </a:pPr>
-            <a:r>
-              <a:rPr lang="en" sz="2800">
-                <a:solidFill>
-                  <a:schemeClr val="dk1"/>
-                </a:solidFill>
-              </a:rPr>
-              <a:t>01</a:t>
-            </a:r>
-            <a:endParaRPr sz="2800">
-              <a:solidFill>
-                <a:schemeClr val="dk1"/>
-              </a:solidFill>
-            </a:endParaRPr>
-          </a:p>
-        </p:txBody>
-      </p:sp>
-      <p:sp>
-        <p:nvSpPr>
-          <p:cNvPr id="536" name="Google Shape;536;p37"/>
-          <p:cNvSpPr txBox="1">
-            <a:spLocks noGrp="1"/>
-          </p:cNvSpPr>
-          <p:nvPr>
-            <p:ph type="title" idx="3"/>
-          </p:nvPr>
-        </p:nvSpPr>
-        <p:spPr>
-          <a:xfrm>
-            <a:off x="2445433" y="3177441"/>
-            <a:ext cx="734700" cy="447600"/>
-          </a:xfrm>
-          <a:prstGeom prst="rect">
-            <a:avLst/>
-          </a:prstGeom>
-          <a:solidFill>
-            <a:schemeClr val="lt2"/>
-          </a:solidFill>
-        </p:spPr>
-        <p:txBody>
-          <a:bodyPr spcFirstLastPara="1" wrap="square" lIns="91425" tIns="91425" rIns="91425" bIns="91425" anchor="ctr" anchorCtr="0">
-            <a:noAutofit/>
-          </a:bodyPr>
-          <a:lstStyle/>
-          <a:p>
-            <a:pPr marL="0" lvl="0" indent="0" algn="ctr" rtl="0">
-              <a:spcBef>
-                <a:spcPts val="0"/>
-              </a:spcBef>
-              <a:spcAft>
-                <a:spcPts val="0"/>
-              </a:spcAft>
-              <a:buNone/>
-            </a:pPr>
-            <a:r>
-              <a:rPr lang="en" sz="2800">
-                <a:solidFill>
-                  <a:schemeClr val="dk1"/>
-                </a:solidFill>
-              </a:rPr>
-              <a:t>04</a:t>
-            </a:r>
-            <a:endParaRPr sz="2800">
-              <a:solidFill>
-                <a:schemeClr val="dk1"/>
-              </a:solidFill>
-            </a:endParaRPr>
-          </a:p>
-        </p:txBody>
-      </p:sp>
-      <p:sp>
-        <p:nvSpPr>
-          <p:cNvPr id="537" name="Google Shape;537;p37"/>
-          <p:cNvSpPr txBox="1">
-            <a:spLocks noGrp="1"/>
-          </p:cNvSpPr>
-          <p:nvPr>
-            <p:ph type="title" idx="4"/>
-          </p:nvPr>
-        </p:nvSpPr>
-        <p:spPr>
-          <a:xfrm>
-            <a:off x="3419271" y="1504570"/>
-            <a:ext cx="734700" cy="447600"/>
-          </a:xfrm>
-          <a:prstGeom prst="rect">
-            <a:avLst/>
-          </a:prstGeom>
-          <a:solidFill>
-            <a:schemeClr val="lt2"/>
-          </a:solidFill>
-        </p:spPr>
-        <p:txBody>
-          <a:bodyPr spcFirstLastPara="1" wrap="square" lIns="91425" tIns="91425" rIns="91425" bIns="91425" anchor="ctr" anchorCtr="0">
-            <a:noAutofit/>
-          </a:bodyPr>
-          <a:lstStyle/>
-          <a:p>
-            <a:pPr marL="0" lvl="0" indent="0" algn="ctr" rtl="0">
-              <a:spcBef>
-                <a:spcPts val="0"/>
-              </a:spcBef>
-              <a:spcAft>
-                <a:spcPts val="0"/>
-              </a:spcAft>
-              <a:buNone/>
-            </a:pPr>
-            <a:r>
-              <a:rPr lang="en" sz="2800">
-                <a:solidFill>
-                  <a:schemeClr val="dk1"/>
-                </a:solidFill>
-              </a:rPr>
-              <a:t>02</a:t>
-            </a:r>
-            <a:endParaRPr sz="2800">
-              <a:solidFill>
-                <a:schemeClr val="dk1"/>
-              </a:solidFill>
-            </a:endParaRPr>
-          </a:p>
-        </p:txBody>
-      </p:sp>
-      <p:sp>
-        <p:nvSpPr>
-          <p:cNvPr id="538" name="Google Shape;538;p37"/>
-          <p:cNvSpPr txBox="1">
-            <a:spLocks noGrp="1"/>
-          </p:cNvSpPr>
-          <p:nvPr>
-            <p:ph type="title" idx="5"/>
-          </p:nvPr>
-        </p:nvSpPr>
-        <p:spPr>
-          <a:xfrm>
-            <a:off x="5144704" y="3177441"/>
-            <a:ext cx="734700" cy="447600"/>
-          </a:xfrm>
-          <a:prstGeom prst="rect">
-            <a:avLst/>
-          </a:prstGeom>
-          <a:solidFill>
-            <a:schemeClr val="lt2"/>
-          </a:solidFill>
-        </p:spPr>
-        <p:txBody>
-          <a:bodyPr spcFirstLastPara="1" wrap="square" lIns="91425" tIns="91425" rIns="91425" bIns="91425" anchor="ctr" anchorCtr="0">
-            <a:noAutofit/>
-          </a:bodyPr>
-          <a:lstStyle/>
-          <a:p>
-            <a:pPr marL="0" lvl="0" indent="0" algn="ctr" rtl="0">
-              <a:spcBef>
-                <a:spcPts val="0"/>
-              </a:spcBef>
-              <a:spcAft>
-                <a:spcPts val="0"/>
-              </a:spcAft>
-              <a:buNone/>
-            </a:pPr>
-            <a:r>
-              <a:rPr lang="en" sz="2800" dirty="0">
-                <a:solidFill>
-                  <a:schemeClr val="dk1"/>
-                </a:solidFill>
-              </a:rPr>
-              <a:t>05</a:t>
-            </a:r>
-            <a:endParaRPr sz="2800" dirty="0">
-              <a:solidFill>
-                <a:schemeClr val="dk1"/>
-              </a:solidFill>
-            </a:endParaRPr>
-          </a:p>
-        </p:txBody>
-      </p:sp>
-      <p:sp>
-        <p:nvSpPr>
-          <p:cNvPr id="539" name="Google Shape;539;p37"/>
-          <p:cNvSpPr txBox="1">
-            <a:spLocks noGrp="1"/>
-          </p:cNvSpPr>
-          <p:nvPr>
-            <p:ph type="title" idx="6"/>
-          </p:nvPr>
-        </p:nvSpPr>
-        <p:spPr>
-          <a:xfrm>
-            <a:off x="6118549" y="1504570"/>
-            <a:ext cx="734700" cy="447600"/>
-          </a:xfrm>
-          <a:prstGeom prst="rect">
-            <a:avLst/>
-          </a:prstGeom>
-          <a:solidFill>
-            <a:schemeClr val="lt2"/>
-          </a:solidFill>
-        </p:spPr>
-        <p:txBody>
-          <a:bodyPr spcFirstLastPara="1" wrap="square" lIns="91425" tIns="91425" rIns="91425" bIns="91425" anchor="ctr" anchorCtr="0">
-            <a:noAutofit/>
-          </a:bodyPr>
-          <a:lstStyle/>
-          <a:p>
-            <a:pPr marL="0" lvl="0" indent="0" algn="ctr" rtl="0">
-              <a:spcBef>
-                <a:spcPts val="0"/>
-              </a:spcBef>
-              <a:spcAft>
-                <a:spcPts val="0"/>
-              </a:spcAft>
-              <a:buNone/>
-            </a:pPr>
-            <a:r>
-              <a:rPr lang="en" sz="2800">
-                <a:solidFill>
-                  <a:schemeClr val="dk1"/>
-                </a:solidFill>
-              </a:rPr>
-              <a:t>03</a:t>
-            </a:r>
-            <a:endParaRPr sz="2800">
-              <a:solidFill>
-                <a:schemeClr val="dk1"/>
-              </a:solidFill>
-            </a:endParaRPr>
-          </a:p>
-        </p:txBody>
-      </p:sp>
-      <p:sp>
-        <p:nvSpPr>
-          <p:cNvPr id="541" name="Google Shape;541;p37"/>
-          <p:cNvSpPr txBox="1">
-            <a:spLocks noGrp="1"/>
-          </p:cNvSpPr>
-          <p:nvPr>
-            <p:ph type="subTitle" idx="1"/>
-          </p:nvPr>
-        </p:nvSpPr>
-        <p:spPr>
-          <a:xfrm>
-            <a:off x="720000" y="1973643"/>
-            <a:ext cx="2305500" cy="465372"/>
-          </a:xfrm>
-          <a:prstGeom prst="rect">
-            <a:avLst/>
-          </a:prstGeom>
-        </p:spPr>
-        <p:txBody>
-          <a:bodyPr spcFirstLastPara="1" wrap="square" lIns="91425" tIns="91425" rIns="91425" bIns="91425" anchor="b" anchorCtr="0">
-            <a:noAutofit/>
-          </a:bodyPr>
-          <a:lstStyle/>
-          <a:p>
-            <a:pPr marL="0" lvl="0" indent="0" algn="l" rtl="0">
-              <a:spcBef>
-                <a:spcPts val="0"/>
-              </a:spcBef>
-              <a:spcAft>
-                <a:spcPts val="0"/>
-              </a:spcAft>
-              <a:buNone/>
-            </a:pPr>
-            <a:r>
-              <a:rPr lang="en" b="0" dirty="0">
-                <a:latin typeface="Playfair Display"/>
-                <a:ea typeface="Playfair Display"/>
-                <a:cs typeface="Playfair Display"/>
-                <a:sym typeface="Playfair Display"/>
-              </a:rPr>
-              <a:t>Introduction</a:t>
-            </a:r>
-            <a:endParaRPr b="0" dirty="0">
-              <a:latin typeface="Playfair Display"/>
-              <a:ea typeface="Playfair Display"/>
-              <a:cs typeface="Playfair Display"/>
-              <a:sym typeface="Playfair Display"/>
-            </a:endParaRPr>
-          </a:p>
-        </p:txBody>
-      </p:sp>
-      <p:sp>
-        <p:nvSpPr>
-          <p:cNvPr id="542" name="Google Shape;542;p37"/>
-          <p:cNvSpPr txBox="1">
-            <a:spLocks noGrp="1"/>
-          </p:cNvSpPr>
-          <p:nvPr>
-            <p:ph type="subTitle" idx="8"/>
-          </p:nvPr>
-        </p:nvSpPr>
-        <p:spPr>
-          <a:xfrm>
-            <a:off x="3419271" y="1973643"/>
-            <a:ext cx="2305500" cy="754200"/>
-          </a:xfrm>
-          <a:prstGeom prst="rect">
-            <a:avLst/>
-          </a:prstGeom>
-        </p:spPr>
-        <p:txBody>
-          <a:bodyPr spcFirstLastPara="1" wrap="square" lIns="91425" tIns="91425" rIns="91425" bIns="91425" anchor="b" anchorCtr="0">
-            <a:noAutofit/>
-          </a:bodyPr>
-          <a:lstStyle/>
-          <a:p>
-            <a:pPr marL="0" lvl="0" indent="0" algn="l" rtl="0">
-              <a:spcBef>
-                <a:spcPts val="0"/>
-              </a:spcBef>
-              <a:spcAft>
-                <a:spcPts val="0"/>
-              </a:spcAft>
-              <a:buNone/>
-            </a:pPr>
-            <a:r>
-              <a:rPr lang="en" dirty="0"/>
-              <a:t>Exploratory Data Analysis</a:t>
-            </a:r>
-            <a:endParaRPr b="0" dirty="0">
-              <a:latin typeface="Playfair Display"/>
-              <a:ea typeface="Playfair Display"/>
-              <a:cs typeface="Playfair Display"/>
-              <a:sym typeface="Playfair Display"/>
-            </a:endParaRPr>
-          </a:p>
-        </p:txBody>
-      </p:sp>
-      <p:sp>
-        <p:nvSpPr>
-          <p:cNvPr id="543" name="Google Shape;543;p37"/>
-          <p:cNvSpPr txBox="1">
-            <a:spLocks noGrp="1"/>
-          </p:cNvSpPr>
-          <p:nvPr>
-            <p:ph type="subTitle" idx="9"/>
-          </p:nvPr>
-        </p:nvSpPr>
-        <p:spPr>
-          <a:xfrm>
-            <a:off x="6118550" y="1973643"/>
-            <a:ext cx="2731252" cy="754200"/>
-          </a:xfrm>
-          <a:prstGeom prst="rect">
-            <a:avLst/>
-          </a:prstGeom>
-        </p:spPr>
-        <p:txBody>
-          <a:bodyPr spcFirstLastPara="1" wrap="square" lIns="91425" tIns="91425" rIns="91425" bIns="91425" anchor="b" anchorCtr="0">
-            <a:noAutofit/>
-          </a:bodyPr>
-          <a:lstStyle/>
-          <a:p>
-            <a:pPr marL="0" lvl="0" indent="0" algn="l" rtl="0">
-              <a:spcBef>
-                <a:spcPts val="0"/>
-              </a:spcBef>
-              <a:spcAft>
-                <a:spcPts val="0"/>
-              </a:spcAft>
-              <a:buNone/>
-            </a:pPr>
-            <a:r>
-              <a:rPr lang="en" dirty="0"/>
-              <a:t>Principal Component Analysis</a:t>
-            </a:r>
-            <a:endParaRPr b="0" dirty="0">
-              <a:latin typeface="Playfair Display"/>
-              <a:ea typeface="Playfair Display"/>
-              <a:cs typeface="Playfair Display"/>
-              <a:sym typeface="Playfair Display"/>
-            </a:endParaRPr>
-          </a:p>
-        </p:txBody>
-      </p:sp>
-      <p:sp>
-        <p:nvSpPr>
-          <p:cNvPr id="544" name="Google Shape;544;p37"/>
-          <p:cNvSpPr txBox="1">
-            <a:spLocks noGrp="1"/>
-          </p:cNvSpPr>
-          <p:nvPr>
-            <p:ph type="subTitle" idx="13"/>
-          </p:nvPr>
-        </p:nvSpPr>
-        <p:spPr>
-          <a:xfrm>
-            <a:off x="2445433" y="3646600"/>
-            <a:ext cx="2305500" cy="754200"/>
-          </a:xfrm>
-          <a:prstGeom prst="rect">
-            <a:avLst/>
-          </a:prstGeom>
-        </p:spPr>
-        <p:txBody>
-          <a:bodyPr spcFirstLastPara="1" wrap="square" lIns="91425" tIns="91425" rIns="91425" bIns="91425" anchor="b" anchorCtr="0">
-            <a:noAutofit/>
-          </a:bodyPr>
-          <a:lstStyle/>
-          <a:p>
-            <a:pPr marL="0" lvl="0" indent="0" algn="l" rtl="0">
-              <a:spcBef>
-                <a:spcPts val="0"/>
-              </a:spcBef>
-              <a:spcAft>
-                <a:spcPts val="0"/>
-              </a:spcAft>
-              <a:buNone/>
-            </a:pPr>
-            <a:r>
-              <a:rPr lang="en" b="0" dirty="0">
-                <a:latin typeface="Playfair Display"/>
-                <a:ea typeface="Playfair Display"/>
-                <a:cs typeface="Playfair Display"/>
-                <a:sym typeface="Playfair Display"/>
-              </a:rPr>
-              <a:t>Clustering Analysis</a:t>
-            </a:r>
-            <a:endParaRPr b="0" dirty="0">
-              <a:latin typeface="Playfair Display"/>
-              <a:ea typeface="Playfair Display"/>
-              <a:cs typeface="Playfair Display"/>
-              <a:sym typeface="Playfair Display"/>
-            </a:endParaRPr>
-          </a:p>
-        </p:txBody>
-      </p:sp>
-      <p:sp>
-        <p:nvSpPr>
-          <p:cNvPr id="545" name="Google Shape;545;p37"/>
-          <p:cNvSpPr txBox="1">
-            <a:spLocks noGrp="1"/>
-          </p:cNvSpPr>
-          <p:nvPr>
-            <p:ph type="subTitle" idx="14"/>
-          </p:nvPr>
-        </p:nvSpPr>
-        <p:spPr>
-          <a:xfrm>
-            <a:off x="5144704" y="3646600"/>
-            <a:ext cx="2305500" cy="754200"/>
-          </a:xfrm>
-          <a:prstGeom prst="rect">
-            <a:avLst/>
-          </a:prstGeom>
-        </p:spPr>
-        <p:txBody>
-          <a:bodyPr spcFirstLastPara="1" wrap="square" lIns="91425" tIns="91425" rIns="91425" bIns="91425" anchor="b" anchorCtr="0">
-            <a:noAutofit/>
-          </a:bodyPr>
-          <a:lstStyle/>
-          <a:p>
-            <a:pPr marL="0" lvl="0" indent="0" algn="l" rtl="0">
-              <a:spcBef>
-                <a:spcPts val="0"/>
-              </a:spcBef>
-              <a:spcAft>
-                <a:spcPts val="0"/>
-              </a:spcAft>
-              <a:buNone/>
-            </a:pPr>
-            <a:r>
-              <a:rPr lang="en" dirty="0"/>
-              <a:t>Conclusions</a:t>
-            </a:r>
-            <a:endParaRPr b="0" dirty="0">
-              <a:latin typeface="Playfair Display"/>
-              <a:ea typeface="Playfair Display"/>
-              <a:cs typeface="Playfair Display"/>
-              <a:sym typeface="Playfair Display"/>
-            </a:endParaRPr>
-          </a:p>
-        </p:txBody>
-      </p:sp>
-    </p:spTree>
     <p:extLst>
       <p:ext uri="{BB962C8B-B14F-4D97-AF65-F5344CB8AC3E}">
         <p14:creationId xmlns:p14="http://schemas.microsoft.com/office/powerpoint/2010/main" val="406326130"/>
@@ -26707,13 +28999,13 @@
   <p:clrMapOvr>
     <a:masterClrMapping/>
   </p:clrMapOvr>
-  <mc:AlternateContent xmlns:mc="http://schemas.openxmlformats.org/markup-compatibility/2006">
-    <mc:Choice xmlns:p159="http://schemas.microsoft.com/office/powerpoint/2015/09/main" Requires="p159">
+  <mc:AlternateContent xmlns:mc="http://schemas.openxmlformats.org/markup-compatibility/2006" xmlns:p159="http://schemas.microsoft.com/office/powerpoint/2015/09/main">
+    <mc:Choice Requires="p159">
       <p:transition xmlns:p14="http://schemas.microsoft.com/office/powerpoint/2010/main" spd="slow" p14:dur="2000">
         <p159:morph option="byObject"/>
       </p:transition>
     </mc:Choice>
-    <mc:Fallback>
+    <mc:Fallback xmlns="">
       <p:transition spd="slow">
         <p:fade/>
       </p:transition>
@@ -26722,7 +29014,7 @@
 </p:sld>
 </file>
 
-<file path=ppt/slides/slide21.xml><?xml version="1.0" encoding="utf-8"?>
+<file path=ppt/slides/slide22.xml><?xml version="1.0" encoding="utf-8"?>
 <p:sld xmlns:a="http://schemas.openxmlformats.org/drawingml/2006/main" xmlns:r="http://schemas.openxmlformats.org/officeDocument/2006/relationships" xmlns:p="http://schemas.openxmlformats.org/presentationml/2006/main">
   <p:cSld>
     <p:spTree>
@@ -27499,13 +29791,13 @@
   <p:clrMapOvr>
     <a:masterClrMapping/>
   </p:clrMapOvr>
-  <mc:AlternateContent xmlns:mc="http://schemas.openxmlformats.org/markup-compatibility/2006">
-    <mc:Choice xmlns:p159="http://schemas.microsoft.com/office/powerpoint/2015/09/main" Requires="p159">
+  <mc:AlternateContent xmlns:mc="http://schemas.openxmlformats.org/markup-compatibility/2006" xmlns:p159="http://schemas.microsoft.com/office/powerpoint/2015/09/main">
+    <mc:Choice Requires="p159">
       <p:transition xmlns:p14="http://schemas.microsoft.com/office/powerpoint/2010/main" spd="slow" p14:dur="2000">
         <p159:morph option="byObject"/>
       </p:transition>
     </mc:Choice>
-    <mc:Fallback>
+    <mc:Fallback xmlns="">
       <p:transition spd="slow">
         <p:fade/>
       </p:transition>
@@ -27514,7 +29806,7 @@
 </p:sld>
 </file>
 
-<file path=ppt/slides/slide22.xml><?xml version="1.0" encoding="utf-8"?>
+<file path=ppt/slides/slide23.xml><?xml version="1.0" encoding="utf-8"?>
 <p:sld xmlns:a="http://schemas.openxmlformats.org/drawingml/2006/main" xmlns:r="http://schemas.openxmlformats.org/officeDocument/2006/relationships" xmlns:p="http://schemas.openxmlformats.org/presentationml/2006/main">
   <p:cSld>
     <p:spTree>
@@ -27585,7 +29877,7 @@
         </p:nvSpPr>
         <p:spPr>
           <a:xfrm>
-            <a:off x="1443850" y="1710150"/>
+            <a:off x="1189409" y="1710150"/>
             <a:ext cx="2330700" cy="959400"/>
           </a:xfrm>
           <a:prstGeom prst="rect">
@@ -27602,7 +29894,10 @@
               <a:buNone/>
             </a:pPr>
             <a:r>
-              <a:rPr lang="es-ES" sz="900" err="1">
+              <a:rPr lang="es-ES" sz="800" dirty="0" err="1">
+                <a:solidFill>
+                  <a:srgbClr val="3B3B3B"/>
+                </a:solidFill>
                 <a:latin typeface="Menlo" panose="020B0609030804020204" pitchFamily="49" charset="0"/>
                 <a:ea typeface="Menlo" panose="020B0609030804020204" pitchFamily="49" charset="0"/>
                 <a:cs typeface="Menlo" panose="020B0609030804020204" pitchFamily="49" charset="0"/>
@@ -27610,7 +29905,10 @@
               <a:t>This</a:t>
             </a:r>
             <a:r>
-              <a:rPr lang="es-ES" sz="900">
+              <a:rPr lang="es-ES" sz="800" dirty="0">
+                <a:solidFill>
+                  <a:srgbClr val="3B3B3B"/>
+                </a:solidFill>
                 <a:latin typeface="Menlo" panose="020B0609030804020204" pitchFamily="49" charset="0"/>
                 <a:ea typeface="Menlo" panose="020B0609030804020204" pitchFamily="49" charset="0"/>
                 <a:cs typeface="Menlo" panose="020B0609030804020204" pitchFamily="49" charset="0"/>
@@ -27618,7 +29916,10 @@
               <a:t> </a:t>
             </a:r>
             <a:r>
-              <a:rPr lang="es-ES" sz="900" err="1">
+              <a:rPr lang="es-ES" sz="800" dirty="0" err="1">
+                <a:solidFill>
+                  <a:srgbClr val="3B3B3B"/>
+                </a:solidFill>
                 <a:latin typeface="Menlo" panose="020B0609030804020204" pitchFamily="49" charset="0"/>
                 <a:ea typeface="Menlo" panose="020B0609030804020204" pitchFamily="49" charset="0"/>
                 <a:cs typeface="Menlo" panose="020B0609030804020204" pitchFamily="49" charset="0"/>
@@ -27626,7 +29927,10 @@
               <a:t>technique</a:t>
             </a:r>
             <a:r>
-              <a:rPr lang="es-ES" sz="900">
+              <a:rPr lang="es-ES" sz="800" dirty="0">
+                <a:solidFill>
+                  <a:srgbClr val="3B3B3B"/>
+                </a:solidFill>
                 <a:latin typeface="Menlo" panose="020B0609030804020204" pitchFamily="49" charset="0"/>
                 <a:ea typeface="Menlo" panose="020B0609030804020204" pitchFamily="49" charset="0"/>
                 <a:cs typeface="Menlo" panose="020B0609030804020204" pitchFamily="49" charset="0"/>
@@ -27634,7 +29938,10 @@
               <a:t> </a:t>
             </a:r>
             <a:r>
-              <a:rPr lang="es-ES" sz="900" err="1">
+              <a:rPr lang="es-ES" sz="800" dirty="0" err="1">
+                <a:solidFill>
+                  <a:srgbClr val="3B3B3B"/>
+                </a:solidFill>
                 <a:latin typeface="Menlo" panose="020B0609030804020204" pitchFamily="49" charset="0"/>
                 <a:ea typeface="Menlo" panose="020B0609030804020204" pitchFamily="49" charset="0"/>
                 <a:cs typeface="Menlo" panose="020B0609030804020204" pitchFamily="49" charset="0"/>
@@ -27642,7 +29949,10 @@
               <a:t>minimized</a:t>
             </a:r>
             <a:r>
-              <a:rPr lang="es-ES" sz="900">
+              <a:rPr lang="es-ES" sz="800" dirty="0">
+                <a:solidFill>
+                  <a:srgbClr val="3B3B3B"/>
+                </a:solidFill>
                 <a:latin typeface="Menlo" panose="020B0609030804020204" pitchFamily="49" charset="0"/>
                 <a:ea typeface="Menlo" panose="020B0609030804020204" pitchFamily="49" charset="0"/>
                 <a:cs typeface="Menlo" panose="020B0609030804020204" pitchFamily="49" charset="0"/>
@@ -27650,7 +29960,10 @@
               <a:t> </a:t>
             </a:r>
             <a:r>
-              <a:rPr lang="es-ES" sz="900" err="1">
+              <a:rPr lang="es-ES" sz="800" dirty="0" err="1">
+                <a:solidFill>
+                  <a:srgbClr val="3B3B3B"/>
+                </a:solidFill>
                 <a:latin typeface="Menlo" panose="020B0609030804020204" pitchFamily="49" charset="0"/>
                 <a:ea typeface="Menlo" panose="020B0609030804020204" pitchFamily="49" charset="0"/>
                 <a:cs typeface="Menlo" panose="020B0609030804020204" pitchFamily="49" charset="0"/>
@@ -27658,7 +29971,10 @@
               <a:t>the</a:t>
             </a:r>
             <a:r>
-              <a:rPr lang="es-ES" sz="900">
+              <a:rPr lang="es-ES" sz="800" dirty="0">
+                <a:solidFill>
+                  <a:srgbClr val="3B3B3B"/>
+                </a:solidFill>
                 <a:latin typeface="Menlo" panose="020B0609030804020204" pitchFamily="49" charset="0"/>
                 <a:ea typeface="Menlo" panose="020B0609030804020204" pitchFamily="49" charset="0"/>
                 <a:cs typeface="Menlo" panose="020B0609030804020204" pitchFamily="49" charset="0"/>
@@ -27666,7 +29982,10 @@
               <a:t> </a:t>
             </a:r>
             <a:r>
-              <a:rPr lang="es-ES" sz="900" err="1">
+              <a:rPr lang="es-ES" sz="800" dirty="0" err="1">
+                <a:solidFill>
+                  <a:srgbClr val="3B3B3B"/>
+                </a:solidFill>
                 <a:latin typeface="Menlo" panose="020B0609030804020204" pitchFamily="49" charset="0"/>
                 <a:ea typeface="Menlo" panose="020B0609030804020204" pitchFamily="49" charset="0"/>
                 <a:cs typeface="Menlo" panose="020B0609030804020204" pitchFamily="49" charset="0"/>
@@ -27674,7 +29993,10 @@
               <a:t>dimensionality</a:t>
             </a:r>
             <a:r>
-              <a:rPr lang="es-ES" sz="900">
+              <a:rPr lang="es-ES" sz="800" dirty="0">
+                <a:solidFill>
+                  <a:srgbClr val="3B3B3B"/>
+                </a:solidFill>
                 <a:latin typeface="Menlo" panose="020B0609030804020204" pitchFamily="49" charset="0"/>
                 <a:ea typeface="Menlo" panose="020B0609030804020204" pitchFamily="49" charset="0"/>
                 <a:cs typeface="Menlo" panose="020B0609030804020204" pitchFamily="49" charset="0"/>
@@ -27682,7 +30004,10 @@
               <a:t> </a:t>
             </a:r>
             <a:r>
-              <a:rPr lang="es-ES" sz="900" err="1">
+              <a:rPr lang="es-ES" sz="800" dirty="0" err="1">
+                <a:solidFill>
+                  <a:srgbClr val="3B3B3B"/>
+                </a:solidFill>
                 <a:latin typeface="Menlo" panose="020B0609030804020204" pitchFamily="49" charset="0"/>
                 <a:ea typeface="Menlo" panose="020B0609030804020204" pitchFamily="49" charset="0"/>
                 <a:cs typeface="Menlo" panose="020B0609030804020204" pitchFamily="49" charset="0"/>
@@ -27690,7 +30015,10 @@
               <a:t>of</a:t>
             </a:r>
             <a:r>
-              <a:rPr lang="es-ES" sz="900">
+              <a:rPr lang="es-ES" sz="800" dirty="0">
+                <a:solidFill>
+                  <a:srgbClr val="3B3B3B"/>
+                </a:solidFill>
                 <a:latin typeface="Menlo" panose="020B0609030804020204" pitchFamily="49" charset="0"/>
                 <a:ea typeface="Menlo" panose="020B0609030804020204" pitchFamily="49" charset="0"/>
                 <a:cs typeface="Menlo" panose="020B0609030804020204" pitchFamily="49" charset="0"/>
@@ -27698,7 +30026,10 @@
               <a:t> </a:t>
             </a:r>
             <a:r>
-              <a:rPr lang="es-ES" sz="900" err="1">
+              <a:rPr lang="es-ES" sz="800" dirty="0" err="1">
+                <a:solidFill>
+                  <a:srgbClr val="3B3B3B"/>
+                </a:solidFill>
                 <a:latin typeface="Menlo" panose="020B0609030804020204" pitchFamily="49" charset="0"/>
                 <a:ea typeface="Menlo" panose="020B0609030804020204" pitchFamily="49" charset="0"/>
                 <a:cs typeface="Menlo" panose="020B0609030804020204" pitchFamily="49" charset="0"/>
@@ -27706,7 +30037,10 @@
               <a:t>the</a:t>
             </a:r>
             <a:r>
-              <a:rPr lang="es-ES" sz="900">
+              <a:rPr lang="es-ES" sz="800" dirty="0">
+                <a:solidFill>
+                  <a:srgbClr val="3B3B3B"/>
+                </a:solidFill>
                 <a:latin typeface="Menlo" panose="020B0609030804020204" pitchFamily="49" charset="0"/>
                 <a:ea typeface="Menlo" panose="020B0609030804020204" pitchFamily="49" charset="0"/>
                 <a:cs typeface="Menlo" panose="020B0609030804020204" pitchFamily="49" charset="0"/>
@@ -27714,7 +30048,10 @@
               <a:t> </a:t>
             </a:r>
             <a:r>
-              <a:rPr lang="es-ES" sz="900" err="1">
+              <a:rPr lang="es-ES" sz="800" dirty="0" err="1">
+                <a:solidFill>
+                  <a:srgbClr val="3B3B3B"/>
+                </a:solidFill>
                 <a:latin typeface="Menlo" panose="020B0609030804020204" pitchFamily="49" charset="0"/>
                 <a:ea typeface="Menlo" panose="020B0609030804020204" pitchFamily="49" charset="0"/>
                 <a:cs typeface="Menlo" panose="020B0609030804020204" pitchFamily="49" charset="0"/>
@@ -27722,7 +30059,10 @@
               <a:t>dataset</a:t>
             </a:r>
             <a:r>
-              <a:rPr lang="es-ES" sz="900">
+              <a:rPr lang="es-ES" sz="800" dirty="0">
+                <a:solidFill>
+                  <a:srgbClr val="3B3B3B"/>
+                </a:solidFill>
                 <a:latin typeface="Menlo" panose="020B0609030804020204" pitchFamily="49" charset="0"/>
                 <a:ea typeface="Menlo" panose="020B0609030804020204" pitchFamily="49" charset="0"/>
                 <a:cs typeface="Menlo" panose="020B0609030804020204" pitchFamily="49" charset="0"/>
@@ -27730,7 +30070,10 @@
               <a:t> </a:t>
             </a:r>
             <a:r>
-              <a:rPr lang="es-ES" sz="900" err="1">
+              <a:rPr lang="es-ES" sz="800" dirty="0" err="1">
+                <a:solidFill>
+                  <a:srgbClr val="3B3B3B"/>
+                </a:solidFill>
                 <a:latin typeface="Menlo" panose="020B0609030804020204" pitchFamily="49" charset="0"/>
                 <a:ea typeface="Menlo" panose="020B0609030804020204" pitchFamily="49" charset="0"/>
                 <a:cs typeface="Menlo" panose="020B0609030804020204" pitchFamily="49" charset="0"/>
@@ -27738,7 +30081,10 @@
               <a:t>while</a:t>
             </a:r>
             <a:r>
-              <a:rPr lang="es-ES" sz="900">
+              <a:rPr lang="es-ES" sz="800" dirty="0">
+                <a:solidFill>
+                  <a:srgbClr val="3B3B3B"/>
+                </a:solidFill>
                 <a:latin typeface="Menlo" panose="020B0609030804020204" pitchFamily="49" charset="0"/>
                 <a:ea typeface="Menlo" panose="020B0609030804020204" pitchFamily="49" charset="0"/>
                 <a:cs typeface="Menlo" panose="020B0609030804020204" pitchFamily="49" charset="0"/>
@@ -27746,7 +30092,10 @@
               <a:t> </a:t>
             </a:r>
             <a:r>
-              <a:rPr lang="es-ES" sz="900" err="1">
+              <a:rPr lang="es-ES" sz="800" dirty="0" err="1">
+                <a:solidFill>
+                  <a:srgbClr val="3B3B3B"/>
+                </a:solidFill>
                 <a:latin typeface="Menlo" panose="020B0609030804020204" pitchFamily="49" charset="0"/>
                 <a:ea typeface="Menlo" panose="020B0609030804020204" pitchFamily="49" charset="0"/>
                 <a:cs typeface="Menlo" panose="020B0609030804020204" pitchFamily="49" charset="0"/>
@@ -27754,7 +30103,10 @@
               <a:t>preserving</a:t>
             </a:r>
             <a:r>
-              <a:rPr lang="es-ES" sz="900">
+              <a:rPr lang="es-ES" sz="800" dirty="0">
+                <a:solidFill>
+                  <a:srgbClr val="3B3B3B"/>
+                </a:solidFill>
                 <a:latin typeface="Menlo" panose="020B0609030804020204" pitchFamily="49" charset="0"/>
                 <a:ea typeface="Menlo" panose="020B0609030804020204" pitchFamily="49" charset="0"/>
                 <a:cs typeface="Menlo" panose="020B0609030804020204" pitchFamily="49" charset="0"/>
@@ -27762,7 +30114,10 @@
               <a:t> </a:t>
             </a:r>
             <a:r>
-              <a:rPr lang="es-ES" sz="900" err="1">
+              <a:rPr lang="es-ES" sz="800" dirty="0" err="1">
+                <a:solidFill>
+                  <a:srgbClr val="3B3B3B"/>
+                </a:solidFill>
                 <a:latin typeface="Menlo" panose="020B0609030804020204" pitchFamily="49" charset="0"/>
                 <a:ea typeface="Menlo" panose="020B0609030804020204" pitchFamily="49" charset="0"/>
                 <a:cs typeface="Menlo" panose="020B0609030804020204" pitchFamily="49" charset="0"/>
@@ -27770,7 +30125,10 @@
               <a:t>the</a:t>
             </a:r>
             <a:r>
-              <a:rPr lang="es-ES" sz="900">
+              <a:rPr lang="es-ES" sz="800" dirty="0">
+                <a:solidFill>
+                  <a:srgbClr val="3B3B3B"/>
+                </a:solidFill>
                 <a:latin typeface="Menlo" panose="020B0609030804020204" pitchFamily="49" charset="0"/>
                 <a:ea typeface="Menlo" panose="020B0609030804020204" pitchFamily="49" charset="0"/>
                 <a:cs typeface="Menlo" panose="020B0609030804020204" pitchFamily="49" charset="0"/>
@@ -27778,7 +30136,10 @@
               <a:t> </a:t>
             </a:r>
             <a:r>
-              <a:rPr lang="es-ES" sz="900" err="1">
+              <a:rPr lang="es-ES" sz="800" dirty="0" err="1">
+                <a:solidFill>
+                  <a:srgbClr val="3B3B3B"/>
+                </a:solidFill>
                 <a:latin typeface="Menlo" panose="020B0609030804020204" pitchFamily="49" charset="0"/>
                 <a:ea typeface="Menlo" panose="020B0609030804020204" pitchFamily="49" charset="0"/>
                 <a:cs typeface="Menlo" panose="020B0609030804020204" pitchFamily="49" charset="0"/>
@@ -27786,7 +30147,10 @@
               <a:t>majority</a:t>
             </a:r>
             <a:r>
-              <a:rPr lang="es-ES" sz="900">
+              <a:rPr lang="es-ES" sz="800" dirty="0">
+                <a:solidFill>
+                  <a:srgbClr val="3B3B3B"/>
+                </a:solidFill>
                 <a:latin typeface="Menlo" panose="020B0609030804020204" pitchFamily="49" charset="0"/>
                 <a:ea typeface="Menlo" panose="020B0609030804020204" pitchFamily="49" charset="0"/>
                 <a:cs typeface="Menlo" panose="020B0609030804020204" pitchFamily="49" charset="0"/>
@@ -27794,7 +30158,10 @@
               <a:t> </a:t>
             </a:r>
             <a:r>
-              <a:rPr lang="es-ES" sz="900" err="1">
+              <a:rPr lang="es-ES" sz="800" dirty="0" err="1">
+                <a:solidFill>
+                  <a:srgbClr val="3B3B3B"/>
+                </a:solidFill>
                 <a:latin typeface="Menlo" panose="020B0609030804020204" pitchFamily="49" charset="0"/>
                 <a:ea typeface="Menlo" panose="020B0609030804020204" pitchFamily="49" charset="0"/>
                 <a:cs typeface="Menlo" panose="020B0609030804020204" pitchFamily="49" charset="0"/>
@@ -27802,7 +30169,10 @@
               <a:t>of</a:t>
             </a:r>
             <a:r>
-              <a:rPr lang="es-ES" sz="900">
+              <a:rPr lang="es-ES" sz="800" dirty="0">
+                <a:solidFill>
+                  <a:srgbClr val="3B3B3B"/>
+                </a:solidFill>
                 <a:latin typeface="Menlo" panose="020B0609030804020204" pitchFamily="49" charset="0"/>
                 <a:ea typeface="Menlo" panose="020B0609030804020204" pitchFamily="49" charset="0"/>
                 <a:cs typeface="Menlo" panose="020B0609030804020204" pitchFamily="49" charset="0"/>
@@ -27810,7 +30180,10 @@
               <a:t> </a:t>
             </a:r>
             <a:r>
-              <a:rPr lang="es-ES" sz="900" err="1">
+              <a:rPr lang="es-ES" sz="800" dirty="0" err="1">
+                <a:solidFill>
+                  <a:srgbClr val="3B3B3B"/>
+                </a:solidFill>
                 <a:latin typeface="Menlo" panose="020B0609030804020204" pitchFamily="49" charset="0"/>
                 <a:ea typeface="Menlo" panose="020B0609030804020204" pitchFamily="49" charset="0"/>
                 <a:cs typeface="Menlo" panose="020B0609030804020204" pitchFamily="49" charset="0"/>
@@ -27818,7 +30191,10 @@
               <a:t>its</a:t>
             </a:r>
             <a:r>
-              <a:rPr lang="es-ES" sz="900">
+              <a:rPr lang="es-ES" sz="800" dirty="0">
+                <a:solidFill>
+                  <a:srgbClr val="3B3B3B"/>
+                </a:solidFill>
                 <a:latin typeface="Menlo" panose="020B0609030804020204" pitchFamily="49" charset="0"/>
                 <a:ea typeface="Menlo" panose="020B0609030804020204" pitchFamily="49" charset="0"/>
                 <a:cs typeface="Menlo" panose="020B0609030804020204" pitchFamily="49" charset="0"/>
@@ -27826,7 +30202,10 @@
               <a:t> </a:t>
             </a:r>
             <a:r>
-              <a:rPr lang="es-ES" sz="900" err="1">
+              <a:rPr lang="es-ES" sz="800" dirty="0" err="1">
+                <a:solidFill>
+                  <a:srgbClr val="3B3B3B"/>
+                </a:solidFill>
                 <a:latin typeface="Menlo" panose="020B0609030804020204" pitchFamily="49" charset="0"/>
                 <a:ea typeface="Menlo" panose="020B0609030804020204" pitchFamily="49" charset="0"/>
                 <a:cs typeface="Menlo" panose="020B0609030804020204" pitchFamily="49" charset="0"/>
@@ -27834,7 +30213,10 @@
               <a:t>variance</a:t>
             </a:r>
             <a:r>
-              <a:rPr lang="es-ES" sz="900">
+              <a:rPr lang="es-ES" sz="800" dirty="0">
+                <a:solidFill>
+                  <a:srgbClr val="3B3B3B"/>
+                </a:solidFill>
                 <a:latin typeface="Menlo" panose="020B0609030804020204" pitchFamily="49" charset="0"/>
                 <a:ea typeface="Menlo" panose="020B0609030804020204" pitchFamily="49" charset="0"/>
                 <a:cs typeface="Menlo" panose="020B0609030804020204" pitchFamily="49" charset="0"/>
@@ -27842,7 +30224,10 @@
               <a:t>. As a </a:t>
             </a:r>
             <a:r>
-              <a:rPr lang="es-ES" sz="900" err="1">
+              <a:rPr lang="es-ES" sz="800" dirty="0" err="1">
+                <a:solidFill>
+                  <a:srgbClr val="3B3B3B"/>
+                </a:solidFill>
                 <a:latin typeface="Menlo" panose="020B0609030804020204" pitchFamily="49" charset="0"/>
                 <a:ea typeface="Menlo" panose="020B0609030804020204" pitchFamily="49" charset="0"/>
                 <a:cs typeface="Menlo" panose="020B0609030804020204" pitchFamily="49" charset="0"/>
@@ -27850,7 +30235,10 @@
               <a:t>result</a:t>
             </a:r>
             <a:r>
-              <a:rPr lang="es-ES" sz="900">
+              <a:rPr lang="es-ES" sz="800" dirty="0">
+                <a:solidFill>
+                  <a:srgbClr val="3B3B3B"/>
+                </a:solidFill>
                 <a:latin typeface="Menlo" panose="020B0609030804020204" pitchFamily="49" charset="0"/>
                 <a:ea typeface="Menlo" panose="020B0609030804020204" pitchFamily="49" charset="0"/>
                 <a:cs typeface="Menlo" panose="020B0609030804020204" pitchFamily="49" charset="0"/>
@@ -27858,7 +30246,10 @@
               <a:t>, </a:t>
             </a:r>
             <a:r>
-              <a:rPr lang="es-ES" sz="900" err="1">
+              <a:rPr lang="es-ES" sz="800" dirty="0" err="1">
+                <a:solidFill>
+                  <a:srgbClr val="3B3B3B"/>
+                </a:solidFill>
                 <a:latin typeface="Menlo" panose="020B0609030804020204" pitchFamily="49" charset="0"/>
                 <a:ea typeface="Menlo" panose="020B0609030804020204" pitchFamily="49" charset="0"/>
                 <a:cs typeface="Menlo" panose="020B0609030804020204" pitchFamily="49" charset="0"/>
@@ -27866,7 +30257,10 @@
               <a:t>the</a:t>
             </a:r>
             <a:r>
-              <a:rPr lang="es-ES" sz="900">
+              <a:rPr lang="es-ES" sz="800" dirty="0">
+                <a:solidFill>
+                  <a:srgbClr val="3B3B3B"/>
+                </a:solidFill>
                 <a:latin typeface="Menlo" panose="020B0609030804020204" pitchFamily="49" charset="0"/>
                 <a:ea typeface="Menlo" panose="020B0609030804020204" pitchFamily="49" charset="0"/>
                 <a:cs typeface="Menlo" panose="020B0609030804020204" pitchFamily="49" charset="0"/>
@@ -27874,7 +30268,10 @@
               <a:t> </a:t>
             </a:r>
             <a:r>
-              <a:rPr lang="es-ES" sz="900" err="1">
+              <a:rPr lang="es-ES" sz="800" dirty="0" err="1">
+                <a:solidFill>
+                  <a:srgbClr val="3B3B3B"/>
+                </a:solidFill>
                 <a:latin typeface="Menlo" panose="020B0609030804020204" pitchFamily="49" charset="0"/>
                 <a:ea typeface="Menlo" panose="020B0609030804020204" pitchFamily="49" charset="0"/>
                 <a:cs typeface="Menlo" panose="020B0609030804020204" pitchFamily="49" charset="0"/>
@@ -27882,7 +30279,10 @@
               <a:t>dataset</a:t>
             </a:r>
             <a:r>
-              <a:rPr lang="es-ES" sz="900">
+              <a:rPr lang="es-ES" sz="800" dirty="0">
+                <a:solidFill>
+                  <a:srgbClr val="3B3B3B"/>
+                </a:solidFill>
                 <a:latin typeface="Menlo" panose="020B0609030804020204" pitchFamily="49" charset="0"/>
                 <a:ea typeface="Menlo" panose="020B0609030804020204" pitchFamily="49" charset="0"/>
                 <a:cs typeface="Menlo" panose="020B0609030804020204" pitchFamily="49" charset="0"/>
@@ -27890,7 +30290,10 @@
               <a:t> </a:t>
             </a:r>
             <a:r>
-              <a:rPr lang="es-ES" sz="900" err="1">
+              <a:rPr lang="es-ES" sz="800" dirty="0" err="1">
+                <a:solidFill>
+                  <a:srgbClr val="3B3B3B"/>
+                </a:solidFill>
                 <a:latin typeface="Menlo" panose="020B0609030804020204" pitchFamily="49" charset="0"/>
                 <a:ea typeface="Menlo" panose="020B0609030804020204" pitchFamily="49" charset="0"/>
                 <a:cs typeface="Menlo" panose="020B0609030804020204" pitchFamily="49" charset="0"/>
@@ -27898,7 +30301,10 @@
               <a:t>became</a:t>
             </a:r>
             <a:r>
-              <a:rPr lang="es-ES" sz="900">
+              <a:rPr lang="es-ES" sz="800" dirty="0">
+                <a:solidFill>
+                  <a:srgbClr val="3B3B3B"/>
+                </a:solidFill>
                 <a:latin typeface="Menlo" panose="020B0609030804020204" pitchFamily="49" charset="0"/>
                 <a:ea typeface="Menlo" panose="020B0609030804020204" pitchFamily="49" charset="0"/>
                 <a:cs typeface="Menlo" panose="020B0609030804020204" pitchFamily="49" charset="0"/>
@@ -27906,7 +30312,10 @@
               <a:t> more </a:t>
             </a:r>
             <a:r>
-              <a:rPr lang="es-ES" sz="900" err="1">
+              <a:rPr lang="es-ES" sz="800" dirty="0" err="1">
+                <a:solidFill>
+                  <a:srgbClr val="3B3B3B"/>
+                </a:solidFill>
                 <a:latin typeface="Menlo" panose="020B0609030804020204" pitchFamily="49" charset="0"/>
                 <a:ea typeface="Menlo" panose="020B0609030804020204" pitchFamily="49" charset="0"/>
                 <a:cs typeface="Menlo" panose="020B0609030804020204" pitchFamily="49" charset="0"/>
@@ -27914,7 +30323,10 @@
               <a:t>straightforward</a:t>
             </a:r>
             <a:r>
-              <a:rPr lang="es-ES" sz="900">
+              <a:rPr lang="es-ES" sz="800" dirty="0">
+                <a:solidFill>
+                  <a:srgbClr val="3B3B3B"/>
+                </a:solidFill>
                 <a:latin typeface="Menlo" panose="020B0609030804020204" pitchFamily="49" charset="0"/>
                 <a:ea typeface="Menlo" panose="020B0609030804020204" pitchFamily="49" charset="0"/>
                 <a:cs typeface="Menlo" panose="020B0609030804020204" pitchFamily="49" charset="0"/>
@@ -27922,7 +30334,10 @@
               <a:t> </a:t>
             </a:r>
             <a:r>
-              <a:rPr lang="es-ES" sz="900" err="1">
+              <a:rPr lang="es-ES" sz="800" dirty="0" err="1">
+                <a:solidFill>
+                  <a:srgbClr val="3B3B3B"/>
+                </a:solidFill>
                 <a:latin typeface="Menlo" panose="020B0609030804020204" pitchFamily="49" charset="0"/>
                 <a:ea typeface="Menlo" panose="020B0609030804020204" pitchFamily="49" charset="0"/>
                 <a:cs typeface="Menlo" panose="020B0609030804020204" pitchFamily="49" charset="0"/>
@@ -27930,7 +30345,10 @@
               <a:t>to</a:t>
             </a:r>
             <a:r>
-              <a:rPr lang="es-ES" sz="900">
+              <a:rPr lang="es-ES" sz="800" dirty="0">
+                <a:solidFill>
+                  <a:srgbClr val="3B3B3B"/>
+                </a:solidFill>
                 <a:latin typeface="Menlo" panose="020B0609030804020204" pitchFamily="49" charset="0"/>
                 <a:ea typeface="Menlo" panose="020B0609030804020204" pitchFamily="49" charset="0"/>
                 <a:cs typeface="Menlo" panose="020B0609030804020204" pitchFamily="49" charset="0"/>
@@ -27938,14 +30356,20 @@
               <a:t> examine and </a:t>
             </a:r>
             <a:r>
-              <a:rPr lang="es-ES" sz="900" err="1">
+              <a:rPr lang="es-ES" sz="800" dirty="0" err="1">
+                <a:solidFill>
+                  <a:srgbClr val="3B3B3B"/>
+                </a:solidFill>
                 <a:latin typeface="Menlo" panose="020B0609030804020204" pitchFamily="49" charset="0"/>
                 <a:ea typeface="Menlo" panose="020B0609030804020204" pitchFamily="49" charset="0"/>
                 <a:cs typeface="Menlo" panose="020B0609030804020204" pitchFamily="49" charset="0"/>
               </a:rPr>
               <a:t>visualize</a:t>
             </a:r>
-            <a:endParaRPr lang="es-ES" sz="900">
+            <a:endParaRPr lang="es-ES" sz="800" dirty="0">
+              <a:solidFill>
+                <a:srgbClr val="3B3B3B"/>
+              </a:solidFill>
               <a:latin typeface="Menlo" panose="020B0609030804020204" pitchFamily="49" charset="0"/>
               <a:ea typeface="Menlo" panose="020B0609030804020204" pitchFamily="49" charset="0"/>
               <a:cs typeface="Menlo" panose="020B0609030804020204" pitchFamily="49" charset="0"/>
@@ -27955,7 +30379,11 @@
             <a:pPr marL="0" indent="0">
               <a:buNone/>
             </a:pPr>
-            <a:endParaRPr/>
+            <a:endParaRPr dirty="0">
+              <a:solidFill>
+                <a:srgbClr val="3B3B3B"/>
+              </a:solidFill>
+            </a:endParaRPr>
           </a:p>
         </p:txBody>
       </p:sp>
@@ -27971,7 +30399,7 @@
         </p:nvSpPr>
         <p:spPr>
           <a:xfrm>
-            <a:off x="1443850" y="3440446"/>
+            <a:off x="1189409" y="3440446"/>
             <a:ext cx="2330700" cy="960000"/>
           </a:xfrm>
           <a:prstGeom prst="rect">
@@ -27994,7 +30422,10 @@
               <a:buNone/>
             </a:pPr>
             <a:r>
-              <a:rPr lang="es-ES" sz="900" err="1">
+              <a:rPr lang="es-ES" sz="800" dirty="0" err="1">
+                <a:solidFill>
+                  <a:srgbClr val="3B3B3B"/>
+                </a:solidFill>
                 <a:latin typeface="Menlo" panose="020B0609030804020204" pitchFamily="49" charset="0"/>
                 <a:ea typeface="Menlo" panose="020B0609030804020204" pitchFamily="49" charset="0"/>
                 <a:cs typeface="Menlo" panose="020B0609030804020204" pitchFamily="49" charset="0"/>
@@ -28002,7 +30433,10 @@
               <a:t>This</a:t>
             </a:r>
             <a:r>
-              <a:rPr lang="es-ES" sz="900">
+              <a:rPr lang="es-ES" sz="800" dirty="0">
+                <a:solidFill>
+                  <a:srgbClr val="3B3B3B"/>
+                </a:solidFill>
                 <a:latin typeface="Menlo" panose="020B0609030804020204" pitchFamily="49" charset="0"/>
                 <a:ea typeface="Menlo" panose="020B0609030804020204" pitchFamily="49" charset="0"/>
                 <a:cs typeface="Menlo" panose="020B0609030804020204" pitchFamily="49" charset="0"/>
@@ -28010,7 +30444,10 @@
               <a:t> </a:t>
             </a:r>
             <a:r>
-              <a:rPr lang="es-ES" sz="900" err="1">
+              <a:rPr lang="es-ES" sz="800" dirty="0" err="1">
+                <a:solidFill>
+                  <a:srgbClr val="3B3B3B"/>
+                </a:solidFill>
                 <a:latin typeface="Menlo" panose="020B0609030804020204" pitchFamily="49" charset="0"/>
                 <a:ea typeface="Menlo" panose="020B0609030804020204" pitchFamily="49" charset="0"/>
                 <a:cs typeface="Menlo" panose="020B0609030804020204" pitchFamily="49" charset="0"/>
@@ -28018,7 +30455,10 @@
               <a:t>technique</a:t>
             </a:r>
             <a:r>
-              <a:rPr lang="es-ES" sz="900">
+              <a:rPr lang="es-ES" sz="800" dirty="0">
+                <a:solidFill>
+                  <a:srgbClr val="3B3B3B"/>
+                </a:solidFill>
                 <a:latin typeface="Menlo" panose="020B0609030804020204" pitchFamily="49" charset="0"/>
                 <a:ea typeface="Menlo" panose="020B0609030804020204" pitchFamily="49" charset="0"/>
                 <a:cs typeface="Menlo" panose="020B0609030804020204" pitchFamily="49" charset="0"/>
@@ -28026,7 +30466,10 @@
               <a:t> </a:t>
             </a:r>
             <a:r>
-              <a:rPr lang="es-ES" sz="900" err="1">
+              <a:rPr lang="es-ES" sz="800" dirty="0" err="1">
+                <a:solidFill>
+                  <a:srgbClr val="3B3B3B"/>
+                </a:solidFill>
                 <a:latin typeface="Menlo" panose="020B0609030804020204" pitchFamily="49" charset="0"/>
                 <a:ea typeface="Menlo" panose="020B0609030804020204" pitchFamily="49" charset="0"/>
                 <a:cs typeface="Menlo" panose="020B0609030804020204" pitchFamily="49" charset="0"/>
@@ -28034,7 +30477,10 @@
               <a:t>enabled</a:t>
             </a:r>
             <a:r>
-              <a:rPr lang="es-ES" sz="900">
+              <a:rPr lang="es-ES" sz="800" dirty="0">
+                <a:solidFill>
+                  <a:srgbClr val="3B3B3B"/>
+                </a:solidFill>
                 <a:latin typeface="Menlo" panose="020B0609030804020204" pitchFamily="49" charset="0"/>
                 <a:ea typeface="Menlo" panose="020B0609030804020204" pitchFamily="49" charset="0"/>
                 <a:cs typeface="Menlo" panose="020B0609030804020204" pitchFamily="49" charset="0"/>
@@ -28042,7 +30488,10 @@
               <a:t> </a:t>
             </a:r>
             <a:r>
-              <a:rPr lang="es-ES" sz="900" err="1">
+              <a:rPr lang="es-ES" sz="800" dirty="0" err="1">
+                <a:solidFill>
+                  <a:srgbClr val="3B3B3B"/>
+                </a:solidFill>
                 <a:latin typeface="Menlo" panose="020B0609030804020204" pitchFamily="49" charset="0"/>
                 <a:ea typeface="Menlo" panose="020B0609030804020204" pitchFamily="49" charset="0"/>
                 <a:cs typeface="Menlo" panose="020B0609030804020204" pitchFamily="49" charset="0"/>
@@ -28050,7 +30499,10 @@
               <a:t>to</a:t>
             </a:r>
             <a:r>
-              <a:rPr lang="es-ES" sz="900">
+              <a:rPr lang="es-ES" sz="800" dirty="0">
+                <a:solidFill>
+                  <a:srgbClr val="3B3B3B"/>
+                </a:solidFill>
                 <a:latin typeface="Menlo" panose="020B0609030804020204" pitchFamily="49" charset="0"/>
                 <a:ea typeface="Menlo" panose="020B0609030804020204" pitchFamily="49" charset="0"/>
                 <a:cs typeface="Menlo" panose="020B0609030804020204" pitchFamily="49" charset="0"/>
@@ -28058,7 +30510,10 @@
               <a:t> divide </a:t>
             </a:r>
             <a:r>
-              <a:rPr lang="es-ES" sz="900" err="1">
+              <a:rPr lang="es-ES" sz="800" dirty="0" err="1">
+                <a:solidFill>
+                  <a:srgbClr val="3B3B3B"/>
+                </a:solidFill>
                 <a:latin typeface="Menlo" panose="020B0609030804020204" pitchFamily="49" charset="0"/>
                 <a:ea typeface="Menlo" panose="020B0609030804020204" pitchFamily="49" charset="0"/>
                 <a:cs typeface="Menlo" panose="020B0609030804020204" pitchFamily="49" charset="0"/>
@@ -28066,7 +30521,10 @@
               <a:t>the</a:t>
             </a:r>
             <a:r>
-              <a:rPr lang="es-ES" sz="900">
+              <a:rPr lang="es-ES" sz="800" dirty="0">
+                <a:solidFill>
+                  <a:srgbClr val="3B3B3B"/>
+                </a:solidFill>
                 <a:latin typeface="Menlo" panose="020B0609030804020204" pitchFamily="49" charset="0"/>
                 <a:ea typeface="Menlo" panose="020B0609030804020204" pitchFamily="49" charset="0"/>
                 <a:cs typeface="Menlo" panose="020B0609030804020204" pitchFamily="49" charset="0"/>
@@ -28074,7 +30532,10 @@
               <a:t> </a:t>
             </a:r>
             <a:r>
-              <a:rPr lang="es-ES" sz="900" err="1">
+              <a:rPr lang="es-ES" sz="800" dirty="0" err="1">
+                <a:solidFill>
+                  <a:srgbClr val="3B3B3B"/>
+                </a:solidFill>
                 <a:latin typeface="Menlo" panose="020B0609030804020204" pitchFamily="49" charset="0"/>
                 <a:ea typeface="Menlo" panose="020B0609030804020204" pitchFamily="49" charset="0"/>
                 <a:cs typeface="Menlo" panose="020B0609030804020204" pitchFamily="49" charset="0"/>
@@ -28082,7 +30543,10 @@
               <a:t>bank's</a:t>
             </a:r>
             <a:r>
-              <a:rPr lang="es-ES" sz="900">
+              <a:rPr lang="es-ES" sz="800" dirty="0">
+                <a:solidFill>
+                  <a:srgbClr val="3B3B3B"/>
+                </a:solidFill>
                 <a:latin typeface="Menlo" panose="020B0609030804020204" pitchFamily="49" charset="0"/>
                 <a:ea typeface="Menlo" panose="020B0609030804020204" pitchFamily="49" charset="0"/>
                 <a:cs typeface="Menlo" panose="020B0609030804020204" pitchFamily="49" charset="0"/>
@@ -28090,7 +30554,10 @@
               <a:t> </a:t>
             </a:r>
             <a:r>
-              <a:rPr lang="es-ES" sz="900" err="1">
+              <a:rPr lang="es-ES" sz="800" dirty="0" err="1">
+                <a:solidFill>
+                  <a:srgbClr val="3B3B3B"/>
+                </a:solidFill>
                 <a:latin typeface="Menlo" panose="020B0609030804020204" pitchFamily="49" charset="0"/>
                 <a:ea typeface="Menlo" panose="020B0609030804020204" pitchFamily="49" charset="0"/>
                 <a:cs typeface="Menlo" panose="020B0609030804020204" pitchFamily="49" charset="0"/>
@@ -28098,7 +30565,10 @@
               <a:t>customer</a:t>
             </a:r>
             <a:r>
-              <a:rPr lang="es-ES" sz="900">
+              <a:rPr lang="es-ES" sz="800" dirty="0">
+                <a:solidFill>
+                  <a:srgbClr val="3B3B3B"/>
+                </a:solidFill>
                 <a:latin typeface="Menlo" panose="020B0609030804020204" pitchFamily="49" charset="0"/>
                 <a:ea typeface="Menlo" panose="020B0609030804020204" pitchFamily="49" charset="0"/>
                 <a:cs typeface="Menlo" panose="020B0609030804020204" pitchFamily="49" charset="0"/>
@@ -28106,7 +30576,10 @@
               <a:t> base </a:t>
             </a:r>
             <a:r>
-              <a:rPr lang="es-ES" sz="900" err="1">
+              <a:rPr lang="es-ES" sz="800" dirty="0" err="1">
+                <a:solidFill>
+                  <a:srgbClr val="3B3B3B"/>
+                </a:solidFill>
                 <a:latin typeface="Menlo" panose="020B0609030804020204" pitchFamily="49" charset="0"/>
                 <a:ea typeface="Menlo" panose="020B0609030804020204" pitchFamily="49" charset="0"/>
                 <a:cs typeface="Menlo" panose="020B0609030804020204" pitchFamily="49" charset="0"/>
@@ -28114,7 +30587,10 @@
               <a:t>into</a:t>
             </a:r>
             <a:r>
-              <a:rPr lang="es-ES" sz="900">
+              <a:rPr lang="es-ES" sz="800" dirty="0">
+                <a:solidFill>
+                  <a:srgbClr val="3B3B3B"/>
+                </a:solidFill>
                 <a:latin typeface="Menlo" panose="020B0609030804020204" pitchFamily="49" charset="0"/>
                 <a:ea typeface="Menlo" panose="020B0609030804020204" pitchFamily="49" charset="0"/>
                 <a:cs typeface="Menlo" panose="020B0609030804020204" pitchFamily="49" charset="0"/>
@@ -28122,7 +30598,10 @@
               <a:t> discrete </a:t>
             </a:r>
             <a:r>
-              <a:rPr lang="es-ES" sz="900" err="1">
+              <a:rPr lang="es-ES" sz="800" dirty="0" err="1">
+                <a:solidFill>
+                  <a:srgbClr val="3B3B3B"/>
+                </a:solidFill>
                 <a:latin typeface="Menlo" panose="020B0609030804020204" pitchFamily="49" charset="0"/>
                 <a:ea typeface="Menlo" panose="020B0609030804020204" pitchFamily="49" charset="0"/>
                 <a:cs typeface="Menlo" panose="020B0609030804020204" pitchFamily="49" charset="0"/>
@@ -28130,7 +30609,10 @@
               <a:t>clusters</a:t>
             </a:r>
             <a:r>
-              <a:rPr lang="es-ES" sz="900">
+              <a:rPr lang="es-ES" sz="800" dirty="0">
+                <a:solidFill>
+                  <a:srgbClr val="3B3B3B"/>
+                </a:solidFill>
                 <a:latin typeface="Menlo" panose="020B0609030804020204" pitchFamily="49" charset="0"/>
                 <a:ea typeface="Menlo" panose="020B0609030804020204" pitchFamily="49" charset="0"/>
                 <a:cs typeface="Menlo" panose="020B0609030804020204" pitchFamily="49" charset="0"/>
@@ -28138,7 +30620,10 @@
               <a:t>. </a:t>
             </a:r>
             <a:r>
-              <a:rPr lang="es-ES" sz="900" err="1">
+              <a:rPr lang="es-ES" sz="800" dirty="0" err="1">
+                <a:solidFill>
+                  <a:srgbClr val="3B3B3B"/>
+                </a:solidFill>
                 <a:latin typeface="Menlo" panose="020B0609030804020204" pitchFamily="49" charset="0"/>
                 <a:ea typeface="Menlo" panose="020B0609030804020204" pitchFamily="49" charset="0"/>
                 <a:cs typeface="Menlo" panose="020B0609030804020204" pitchFamily="49" charset="0"/>
@@ -28146,7 +30631,10 @@
               <a:t>The</a:t>
             </a:r>
             <a:r>
-              <a:rPr lang="es-ES" sz="900">
+              <a:rPr lang="es-ES" sz="800" dirty="0">
+                <a:solidFill>
+                  <a:srgbClr val="3B3B3B"/>
+                </a:solidFill>
                 <a:latin typeface="Menlo" panose="020B0609030804020204" pitchFamily="49" charset="0"/>
                 <a:ea typeface="Menlo" panose="020B0609030804020204" pitchFamily="49" charset="0"/>
                 <a:cs typeface="Menlo" panose="020B0609030804020204" pitchFamily="49" charset="0"/>
@@ -28154,7 +30642,10 @@
               <a:t> </a:t>
             </a:r>
             <a:r>
-              <a:rPr lang="es-ES" sz="900" err="1">
+              <a:rPr lang="es-ES" sz="800" dirty="0" err="1">
+                <a:solidFill>
+                  <a:srgbClr val="3B3B3B"/>
+                </a:solidFill>
                 <a:latin typeface="Menlo" panose="020B0609030804020204" pitchFamily="49" charset="0"/>
                 <a:ea typeface="Menlo" panose="020B0609030804020204" pitchFamily="49" charset="0"/>
                 <a:cs typeface="Menlo" panose="020B0609030804020204" pitchFamily="49" charset="0"/>
@@ -28162,7 +30653,10 @@
               <a:t>bank</a:t>
             </a:r>
             <a:r>
-              <a:rPr lang="es-ES" sz="900">
+              <a:rPr lang="es-ES" sz="800" dirty="0">
+                <a:solidFill>
+                  <a:srgbClr val="3B3B3B"/>
+                </a:solidFill>
                 <a:latin typeface="Menlo" panose="020B0609030804020204" pitchFamily="49" charset="0"/>
                 <a:ea typeface="Menlo" panose="020B0609030804020204" pitchFamily="49" charset="0"/>
                 <a:cs typeface="Menlo" panose="020B0609030804020204" pitchFamily="49" charset="0"/>
@@ -28170,7 +30664,10 @@
               <a:t> </a:t>
             </a:r>
             <a:r>
-              <a:rPr lang="es-ES" sz="900" err="1">
+              <a:rPr lang="es-ES" sz="800" dirty="0" err="1">
+                <a:solidFill>
+                  <a:srgbClr val="3B3B3B"/>
+                </a:solidFill>
                 <a:latin typeface="Menlo" panose="020B0609030804020204" pitchFamily="49" charset="0"/>
                 <a:ea typeface="Menlo" panose="020B0609030804020204" pitchFamily="49" charset="0"/>
                 <a:cs typeface="Menlo" panose="020B0609030804020204" pitchFamily="49" charset="0"/>
@@ -28178,7 +30675,10 @@
               <a:t>might</a:t>
             </a:r>
             <a:r>
-              <a:rPr lang="es-ES" sz="900">
+              <a:rPr lang="es-ES" sz="800" dirty="0">
+                <a:solidFill>
+                  <a:srgbClr val="3B3B3B"/>
+                </a:solidFill>
                 <a:latin typeface="Menlo" panose="020B0609030804020204" pitchFamily="49" charset="0"/>
                 <a:ea typeface="Menlo" panose="020B0609030804020204" pitchFamily="49" charset="0"/>
                 <a:cs typeface="Menlo" panose="020B0609030804020204" pitchFamily="49" charset="0"/>
@@ -28186,7 +30686,10 @@
               <a:t> </a:t>
             </a:r>
             <a:r>
-              <a:rPr lang="es-ES" sz="900" err="1">
+              <a:rPr lang="es-ES" sz="800" dirty="0" err="1">
+                <a:solidFill>
+                  <a:srgbClr val="3B3B3B"/>
+                </a:solidFill>
                 <a:latin typeface="Menlo" panose="020B0609030804020204" pitchFamily="49" charset="0"/>
                 <a:ea typeface="Menlo" panose="020B0609030804020204" pitchFamily="49" charset="0"/>
                 <a:cs typeface="Menlo" panose="020B0609030804020204" pitchFamily="49" charset="0"/>
@@ -28194,7 +30697,10 @@
               <a:t>potentially</a:t>
             </a:r>
             <a:r>
-              <a:rPr lang="es-ES" sz="900">
+              <a:rPr lang="es-ES" sz="800" dirty="0">
+                <a:solidFill>
+                  <a:srgbClr val="3B3B3B"/>
+                </a:solidFill>
                 <a:latin typeface="Menlo" panose="020B0609030804020204" pitchFamily="49" charset="0"/>
                 <a:ea typeface="Menlo" panose="020B0609030804020204" pitchFamily="49" charset="0"/>
                 <a:cs typeface="Menlo" panose="020B0609030804020204" pitchFamily="49" charset="0"/>
@@ -28202,7 +30708,10 @@
               <a:t> </a:t>
             </a:r>
             <a:r>
-              <a:rPr lang="es-ES" sz="900" err="1">
+              <a:rPr lang="es-ES" sz="800" dirty="0" err="1">
+                <a:solidFill>
+                  <a:srgbClr val="3B3B3B"/>
+                </a:solidFill>
                 <a:latin typeface="Menlo" panose="020B0609030804020204" pitchFamily="49" charset="0"/>
                 <a:ea typeface="Menlo" panose="020B0609030804020204" pitchFamily="49" charset="0"/>
                 <a:cs typeface="Menlo" panose="020B0609030804020204" pitchFamily="49" charset="0"/>
@@ -28210,7 +30719,10 @@
               <a:t>increase</a:t>
             </a:r>
             <a:r>
-              <a:rPr lang="es-ES" sz="900">
+              <a:rPr lang="es-ES" sz="800" dirty="0">
+                <a:solidFill>
+                  <a:srgbClr val="3B3B3B"/>
+                </a:solidFill>
                 <a:latin typeface="Menlo" panose="020B0609030804020204" pitchFamily="49" charset="0"/>
                 <a:ea typeface="Menlo" panose="020B0609030804020204" pitchFamily="49" charset="0"/>
                 <a:cs typeface="Menlo" panose="020B0609030804020204" pitchFamily="49" charset="0"/>
@@ -28218,7 +30730,10 @@
               <a:t> </a:t>
             </a:r>
             <a:r>
-              <a:rPr lang="es-ES" sz="900" err="1">
+              <a:rPr lang="es-ES" sz="800" dirty="0" err="1">
+                <a:solidFill>
+                  <a:srgbClr val="3B3B3B"/>
+                </a:solidFill>
                 <a:latin typeface="Menlo" panose="020B0609030804020204" pitchFamily="49" charset="0"/>
                 <a:ea typeface="Menlo" panose="020B0609030804020204" pitchFamily="49" charset="0"/>
                 <a:cs typeface="Menlo" panose="020B0609030804020204" pitchFamily="49" charset="0"/>
@@ -28226,7 +30741,10 @@
               <a:t>the</a:t>
             </a:r>
             <a:r>
-              <a:rPr lang="es-ES" sz="900">
+              <a:rPr lang="es-ES" sz="800" dirty="0">
+                <a:solidFill>
+                  <a:srgbClr val="3B3B3B"/>
+                </a:solidFill>
                 <a:latin typeface="Menlo" panose="020B0609030804020204" pitchFamily="49" charset="0"/>
                 <a:ea typeface="Menlo" panose="020B0609030804020204" pitchFamily="49" charset="0"/>
                 <a:cs typeface="Menlo" panose="020B0609030804020204" pitchFamily="49" charset="0"/>
@@ -28234,7 +30752,10 @@
               <a:t> </a:t>
             </a:r>
             <a:r>
-              <a:rPr lang="es-ES" sz="900" err="1">
+              <a:rPr lang="es-ES" sz="800" dirty="0" err="1">
+                <a:solidFill>
+                  <a:srgbClr val="3B3B3B"/>
+                </a:solidFill>
                 <a:latin typeface="Menlo" panose="020B0609030804020204" pitchFamily="49" charset="0"/>
                 <a:ea typeface="Menlo" panose="020B0609030804020204" pitchFamily="49" charset="0"/>
                 <a:cs typeface="Menlo" panose="020B0609030804020204" pitchFamily="49" charset="0"/>
@@ -28242,7 +30763,10 @@
               <a:t>campaign's</a:t>
             </a:r>
             <a:r>
-              <a:rPr lang="es-ES" sz="900">
+              <a:rPr lang="es-ES" sz="800" dirty="0">
+                <a:solidFill>
+                  <a:srgbClr val="3B3B3B"/>
+                </a:solidFill>
                 <a:latin typeface="Menlo" panose="020B0609030804020204" pitchFamily="49" charset="0"/>
                 <a:ea typeface="Menlo" panose="020B0609030804020204" pitchFamily="49" charset="0"/>
                 <a:cs typeface="Menlo" panose="020B0609030804020204" pitchFamily="49" charset="0"/>
@@ -28250,7 +30774,10 @@
               <a:t> </a:t>
             </a:r>
             <a:r>
-              <a:rPr lang="es-ES" sz="900" err="1">
+              <a:rPr lang="es-ES" sz="800" dirty="0" err="1">
+                <a:solidFill>
+                  <a:srgbClr val="3B3B3B"/>
+                </a:solidFill>
                 <a:latin typeface="Menlo" panose="020B0609030804020204" pitchFamily="49" charset="0"/>
                 <a:ea typeface="Menlo" panose="020B0609030804020204" pitchFamily="49" charset="0"/>
                 <a:cs typeface="Menlo" panose="020B0609030804020204" pitchFamily="49" charset="0"/>
@@ -28258,7 +30785,10 @@
               <a:t>success</a:t>
             </a:r>
             <a:r>
-              <a:rPr lang="es-ES" sz="900">
+              <a:rPr lang="es-ES" sz="800" dirty="0">
+                <a:solidFill>
+                  <a:srgbClr val="3B3B3B"/>
+                </a:solidFill>
                 <a:latin typeface="Menlo" panose="020B0609030804020204" pitchFamily="49" charset="0"/>
                 <a:ea typeface="Menlo" panose="020B0609030804020204" pitchFamily="49" charset="0"/>
                 <a:cs typeface="Menlo" panose="020B0609030804020204" pitchFamily="49" charset="0"/>
@@ -28266,7 +30796,10 @@
               <a:t> </a:t>
             </a:r>
             <a:r>
-              <a:rPr lang="es-ES" sz="900" err="1">
+              <a:rPr lang="es-ES" sz="800" dirty="0" err="1">
+                <a:solidFill>
+                  <a:srgbClr val="3B3B3B"/>
+                </a:solidFill>
                 <a:latin typeface="Menlo" panose="020B0609030804020204" pitchFamily="49" charset="0"/>
                 <a:ea typeface="Menlo" panose="020B0609030804020204" pitchFamily="49" charset="0"/>
                 <a:cs typeface="Menlo" panose="020B0609030804020204" pitchFamily="49" charset="0"/>
@@ -28274,7 +30807,10 @@
               <a:t>rate</a:t>
             </a:r>
             <a:r>
-              <a:rPr lang="es-ES" sz="900">
+              <a:rPr lang="es-ES" sz="800" dirty="0">
+                <a:solidFill>
+                  <a:srgbClr val="3B3B3B"/>
+                </a:solidFill>
                 <a:latin typeface="Menlo" panose="020B0609030804020204" pitchFamily="49" charset="0"/>
                 <a:ea typeface="Menlo" panose="020B0609030804020204" pitchFamily="49" charset="0"/>
                 <a:cs typeface="Menlo" panose="020B0609030804020204" pitchFamily="49" charset="0"/>
@@ -28282,7 +30818,10 @@
               <a:t> </a:t>
             </a:r>
             <a:r>
-              <a:rPr lang="es-ES" sz="900" err="1">
+              <a:rPr lang="es-ES" sz="800" dirty="0" err="1">
+                <a:solidFill>
+                  <a:srgbClr val="3B3B3B"/>
+                </a:solidFill>
                 <a:latin typeface="Menlo" panose="020B0609030804020204" pitchFamily="49" charset="0"/>
                 <a:ea typeface="Menlo" panose="020B0609030804020204" pitchFamily="49" charset="0"/>
                 <a:cs typeface="Menlo" panose="020B0609030804020204" pitchFamily="49" charset="0"/>
@@ -28290,7 +30829,10 @@
               <a:t>by</a:t>
             </a:r>
             <a:r>
-              <a:rPr lang="es-ES" sz="900">
+              <a:rPr lang="es-ES" sz="800" dirty="0">
+                <a:solidFill>
+                  <a:srgbClr val="3B3B3B"/>
+                </a:solidFill>
                 <a:latin typeface="Menlo" panose="020B0609030804020204" pitchFamily="49" charset="0"/>
                 <a:ea typeface="Menlo" panose="020B0609030804020204" pitchFamily="49" charset="0"/>
                 <a:cs typeface="Menlo" panose="020B0609030804020204" pitchFamily="49" charset="0"/>
@@ -28298,7 +30840,10 @@
               <a:t> </a:t>
             </a:r>
             <a:r>
-              <a:rPr lang="es-ES" sz="900" err="1">
+              <a:rPr lang="es-ES" sz="800" dirty="0" err="1">
+                <a:solidFill>
+                  <a:srgbClr val="3B3B3B"/>
+                </a:solidFill>
                 <a:latin typeface="Menlo" panose="020B0609030804020204" pitchFamily="49" charset="0"/>
                 <a:ea typeface="Menlo" panose="020B0609030804020204" pitchFamily="49" charset="0"/>
                 <a:cs typeface="Menlo" panose="020B0609030804020204" pitchFamily="49" charset="0"/>
@@ -28306,7 +30851,10 @@
               <a:t>customizing</a:t>
             </a:r>
             <a:r>
-              <a:rPr lang="es-ES" sz="900">
+              <a:rPr lang="es-ES" sz="800" dirty="0">
+                <a:solidFill>
+                  <a:srgbClr val="3B3B3B"/>
+                </a:solidFill>
                 <a:latin typeface="Menlo" panose="020B0609030804020204" pitchFamily="49" charset="0"/>
                 <a:ea typeface="Menlo" panose="020B0609030804020204" pitchFamily="49" charset="0"/>
                 <a:cs typeface="Menlo" panose="020B0609030804020204" pitchFamily="49" charset="0"/>
@@ -28314,7 +30862,10 @@
               <a:t> </a:t>
             </a:r>
             <a:r>
-              <a:rPr lang="es-ES" sz="900" err="1">
+              <a:rPr lang="es-ES" sz="800" dirty="0" err="1">
+                <a:solidFill>
+                  <a:srgbClr val="3B3B3B"/>
+                </a:solidFill>
                 <a:latin typeface="Menlo" panose="020B0609030804020204" pitchFamily="49" charset="0"/>
                 <a:ea typeface="Menlo" panose="020B0609030804020204" pitchFamily="49" charset="0"/>
                 <a:cs typeface="Menlo" panose="020B0609030804020204" pitchFamily="49" charset="0"/>
@@ -28322,7 +30873,10 @@
               <a:t>its</a:t>
             </a:r>
             <a:r>
-              <a:rPr lang="es-ES" sz="900">
+              <a:rPr lang="es-ES" sz="800" dirty="0">
+                <a:solidFill>
+                  <a:srgbClr val="3B3B3B"/>
+                </a:solidFill>
                 <a:latin typeface="Menlo" panose="020B0609030804020204" pitchFamily="49" charset="0"/>
                 <a:ea typeface="Menlo" panose="020B0609030804020204" pitchFamily="49" charset="0"/>
                 <a:cs typeface="Menlo" panose="020B0609030804020204" pitchFamily="49" charset="0"/>
@@ -28330,14 +30884,20 @@
               <a:t> marketing </a:t>
             </a:r>
             <a:r>
-              <a:rPr lang="es-ES" sz="900" err="1">
+              <a:rPr lang="es-ES" sz="800" dirty="0" err="1">
+                <a:solidFill>
+                  <a:srgbClr val="3B3B3B"/>
+                </a:solidFill>
                 <a:latin typeface="Menlo" panose="020B0609030804020204" pitchFamily="49" charset="0"/>
                 <a:ea typeface="Menlo" panose="020B0609030804020204" pitchFamily="49" charset="0"/>
                 <a:cs typeface="Menlo" panose="020B0609030804020204" pitchFamily="49" charset="0"/>
               </a:rPr>
               <a:t>techniques</a:t>
             </a:r>
-            <a:endParaRPr lang="es-ES" sz="900">
+            <a:endParaRPr lang="es-ES" sz="800" dirty="0">
+              <a:solidFill>
+                <a:srgbClr val="3B3B3B"/>
+              </a:solidFill>
               <a:latin typeface="Menlo" panose="020B0609030804020204" pitchFamily="49" charset="0"/>
               <a:ea typeface="Menlo" panose="020B0609030804020204" pitchFamily="49" charset="0"/>
               <a:cs typeface="Menlo" panose="020B0609030804020204" pitchFamily="49" charset="0"/>
@@ -28357,7 +30917,7 @@
         </p:nvSpPr>
         <p:spPr>
           <a:xfrm>
-            <a:off x="1443850" y="1336275"/>
+            <a:off x="1189409" y="1336275"/>
             <a:ext cx="1986000" cy="377100"/>
           </a:xfrm>
           <a:prstGeom prst="rect">
@@ -28380,7 +30940,7 @@
               <a:buNone/>
             </a:pPr>
             <a:r>
-              <a:rPr lang="en" sz="2000">
+              <a:rPr lang="en" sz="2000" dirty="0">
                 <a:latin typeface="Playfair Display"/>
                 <a:ea typeface="Playfair Display"/>
                 <a:cs typeface="Playfair Display"/>
@@ -28388,7 +30948,7 @@
               </a:rPr>
               <a:t>PCA</a:t>
             </a:r>
-            <a:endParaRPr sz="2000" b="0">
+            <a:endParaRPr sz="2000" b="0" dirty="0">
               <a:latin typeface="Playfair Display"/>
               <a:ea typeface="Playfair Display"/>
               <a:cs typeface="Playfair Display"/>
@@ -28409,7 +30969,7 @@
         </p:nvSpPr>
         <p:spPr>
           <a:xfrm>
-            <a:off x="1443850" y="3063352"/>
+            <a:off x="1189409" y="3063352"/>
             <a:ext cx="1986000" cy="377100"/>
           </a:xfrm>
           <a:prstGeom prst="rect">
@@ -28432,7 +30992,7 @@
               <a:buNone/>
             </a:pPr>
             <a:r>
-              <a:rPr lang="en" sz="2000" b="0">
+              <a:rPr lang="en" sz="2000" b="0" dirty="0">
                 <a:latin typeface="Playfair Display"/>
                 <a:ea typeface="Playfair Display"/>
                 <a:cs typeface="Playfair Display"/>
@@ -28440,7 +31000,7 @@
               </a:rPr>
               <a:t>Clustering</a:t>
             </a:r>
-            <a:endParaRPr sz="2000" b="0">
+            <a:endParaRPr sz="2000" b="0" dirty="0">
               <a:latin typeface="Playfair Display"/>
               <a:ea typeface="Playfair Display"/>
               <a:cs typeface="Playfair Display"/>
@@ -28457,7 +31017,7 @@
         </p:nvSpPr>
         <p:spPr>
           <a:xfrm>
-            <a:off x="4755350" y="3301100"/>
+            <a:off x="4954134" y="3290861"/>
             <a:ext cx="2944800" cy="358800"/>
           </a:xfrm>
           <a:prstGeom prst="rect">
@@ -28475,20 +31035,20 @@
           <a:lstStyle/>
           <a:p>
             <a:r>
-              <a:rPr lang="es-ES" sz="800" err="1">
-                <a:solidFill>
-                  <a:schemeClr val="dk1"/>
+              <a:rPr lang="es-ES" sz="800" dirty="0" err="1">
+                <a:solidFill>
+                  <a:srgbClr val="3B3B3B"/>
                 </a:solidFill>
                 <a:latin typeface="Menlo"/>
                 <a:ea typeface="Menlo" panose="020B0609030804020204" pitchFamily="49" charset="0"/>
                 <a:cs typeface="Menlo" panose="020B0609030804020204" pitchFamily="49" charset="0"/>
               </a:rPr>
-              <a:t>Latent</a:t>
-            </a:r>
-            <a:r>
-              <a:rPr lang="es-ES" sz="800">
-                <a:solidFill>
-                  <a:schemeClr val="dk1"/>
+              <a:t>Identification</a:t>
+            </a:r>
+            <a:r>
+              <a:rPr lang="es-ES" sz="800" dirty="0">
+                <a:solidFill>
+                  <a:srgbClr val="3B3B3B"/>
                 </a:solidFill>
                 <a:latin typeface="Menlo"/>
                 <a:ea typeface="Menlo" panose="020B0609030804020204" pitchFamily="49" charset="0"/>
@@ -28497,82 +31057,46 @@
               <a:t> </a:t>
             </a:r>
             <a:r>
-              <a:rPr lang="es-ES" sz="800" err="1">
-                <a:solidFill>
-                  <a:schemeClr val="dk1"/>
+              <a:rPr lang="es-ES" sz="800" dirty="0" err="1">
+                <a:solidFill>
+                  <a:srgbClr val="3B3B3B"/>
                 </a:solidFill>
                 <a:latin typeface="Menlo"/>
                 <a:ea typeface="Menlo" panose="020B0609030804020204" pitchFamily="49" charset="0"/>
                 <a:cs typeface="Menlo" panose="020B0609030804020204" pitchFamily="49" charset="0"/>
               </a:rPr>
-              <a:t>common</a:t>
-            </a:r>
-            <a:r>
-              <a:rPr lang="es-ES" sz="800">
-                <a:solidFill>
-                  <a:schemeClr val="dk1"/>
+              <a:t>of</a:t>
+            </a:r>
+            <a:r>
+              <a:rPr lang="es-ES" sz="800" dirty="0">
+                <a:solidFill>
+                  <a:srgbClr val="3B3B3B"/>
                 </a:solidFill>
                 <a:latin typeface="Menlo"/>
                 <a:ea typeface="Menlo" panose="020B0609030804020204" pitchFamily="49" charset="0"/>
                 <a:cs typeface="Menlo" panose="020B0609030804020204" pitchFamily="49" charset="0"/>
               </a:rPr>
-              <a:t> </a:t>
-            </a:r>
-            <a:r>
-              <a:rPr lang="es-ES" sz="800" err="1">
-                <a:solidFill>
-                  <a:schemeClr val="dk1"/>
+              <a:t> 11 </a:t>
+            </a:r>
+            <a:r>
+              <a:rPr lang="es-ES" sz="800" dirty="0" err="1">
+                <a:solidFill>
+                  <a:srgbClr val="3B3B3B"/>
                 </a:solidFill>
                 <a:latin typeface="Menlo"/>
                 <a:ea typeface="Menlo" panose="020B0609030804020204" pitchFamily="49" charset="0"/>
                 <a:cs typeface="Menlo" panose="020B0609030804020204" pitchFamily="49" charset="0"/>
               </a:rPr>
-              <a:t>features</a:t>
-            </a:r>
-            <a:r>
-              <a:rPr lang="es-ES" sz="800">
-                <a:solidFill>
-                  <a:schemeClr val="dk1"/>
-                </a:solidFill>
-                <a:latin typeface="Menlo"/>
-                <a:ea typeface="Menlo" panose="020B0609030804020204" pitchFamily="49" charset="0"/>
-                <a:cs typeface="Menlo" panose="020B0609030804020204" pitchFamily="49" charset="0"/>
-              </a:rPr>
-              <a:t> </a:t>
-            </a:r>
-            <a:r>
-              <a:rPr lang="es-ES" sz="800" err="1">
-                <a:solidFill>
-                  <a:schemeClr val="dk1"/>
-                </a:solidFill>
-                <a:latin typeface="Menlo"/>
-                <a:ea typeface="Menlo" panose="020B0609030804020204" pitchFamily="49" charset="0"/>
-                <a:cs typeface="Menlo" panose="020B0609030804020204" pitchFamily="49" charset="0"/>
-              </a:rPr>
-              <a:t>among</a:t>
-            </a:r>
-            <a:r>
-              <a:rPr lang="es-ES" sz="800">
-                <a:solidFill>
-                  <a:schemeClr val="dk1"/>
-                </a:solidFill>
-                <a:latin typeface="Menlo"/>
-                <a:ea typeface="Menlo" panose="020B0609030804020204" pitchFamily="49" charset="0"/>
-                <a:cs typeface="Menlo" panose="020B0609030804020204" pitchFamily="49" charset="0"/>
-              </a:rPr>
-              <a:t> </a:t>
-            </a:r>
-            <a:r>
-              <a:rPr lang="es-ES" sz="800" err="1">
-                <a:solidFill>
-                  <a:schemeClr val="dk1"/>
-                </a:solidFill>
-                <a:latin typeface="Menlo"/>
-                <a:ea typeface="Menlo" panose="020B0609030804020204" pitchFamily="49" charset="0"/>
-                <a:cs typeface="Menlo" panose="020B0609030804020204" pitchFamily="49" charset="0"/>
-              </a:rPr>
-              <a:t>observations</a:t>
-            </a:r>
+              <a:t>clusters</a:t>
+            </a:r>
+            <a:endParaRPr lang="es-ES" sz="800" dirty="0">
+              <a:solidFill>
+                <a:srgbClr val="3B3B3B"/>
+              </a:solidFill>
+              <a:latin typeface="Menlo"/>
+              <a:ea typeface="Menlo" panose="020B0609030804020204" pitchFamily="49" charset="0"/>
+              <a:cs typeface="Menlo" panose="020B0609030804020204" pitchFamily="49" charset="0"/>
+            </a:endParaRPr>
           </a:p>
         </p:txBody>
       </p:sp>
@@ -28584,7 +31108,7 @@
         </p:nvSpPr>
         <p:spPr>
           <a:xfrm>
-            <a:off x="4755350" y="2389000"/>
+            <a:off x="4954134" y="2396713"/>
             <a:ext cx="2944800" cy="358800"/>
           </a:xfrm>
           <a:prstGeom prst="rect">
@@ -28604,7 +31128,7 @@
             <a:r>
               <a:rPr lang="es-ES" sz="800" dirty="0" err="1">
                 <a:solidFill>
-                  <a:schemeClr val="dk1"/>
+                  <a:srgbClr val="3B3B3B"/>
                 </a:solidFill>
                 <a:latin typeface="Menlo"/>
                 <a:ea typeface="Menlo" panose="020B0609030804020204" pitchFamily="49" charset="0"/>
@@ -28615,7 +31139,7 @@
             <a:r>
               <a:rPr lang="es-ES" sz="800" dirty="0">
                 <a:solidFill>
-                  <a:schemeClr val="dk1"/>
+                  <a:srgbClr val="3B3B3B"/>
                 </a:solidFill>
                 <a:latin typeface="Menlo"/>
                 <a:ea typeface="Menlo" panose="020B0609030804020204" pitchFamily="49" charset="0"/>
@@ -28626,7 +31150,7 @@
             <a:r>
               <a:rPr lang="es-ES" sz="800" dirty="0" err="1">
                 <a:solidFill>
-                  <a:schemeClr val="dk1"/>
+                  <a:srgbClr val="3B3B3B"/>
                 </a:solidFill>
                 <a:latin typeface="Menlo"/>
                 <a:ea typeface="Menlo" panose="020B0609030804020204" pitchFamily="49" charset="0"/>
@@ -28637,7 +31161,7 @@
             <a:r>
               <a:rPr lang="es-ES" sz="800" dirty="0">
                 <a:solidFill>
-                  <a:schemeClr val="dk1"/>
+                  <a:srgbClr val="3B3B3B"/>
                 </a:solidFill>
                 <a:latin typeface="Menlo"/>
                 <a:ea typeface="Menlo" panose="020B0609030804020204" pitchFamily="49" charset="0"/>
@@ -28648,7 +31172,7 @@
             <a:r>
               <a:rPr lang="es-ES" sz="800" dirty="0" err="1">
                 <a:solidFill>
-                  <a:schemeClr val="dk1"/>
+                  <a:srgbClr val="3B3B3B"/>
                 </a:solidFill>
                 <a:latin typeface="Menlo"/>
                 <a:ea typeface="Menlo" panose="020B0609030804020204" pitchFamily="49" charset="0"/>
@@ -28659,7 +31183,7 @@
             <a:r>
               <a:rPr lang="es-ES" sz="800" dirty="0">
                 <a:solidFill>
-                  <a:schemeClr val="dk1"/>
+                  <a:srgbClr val="3B3B3B"/>
                 </a:solidFill>
                 <a:latin typeface="Menlo"/>
                 <a:ea typeface="Menlo" panose="020B0609030804020204" pitchFamily="49" charset="0"/>
@@ -28670,7 +31194,7 @@
             <a:r>
               <a:rPr lang="es-ES" sz="800" dirty="0" err="1">
                 <a:solidFill>
-                  <a:schemeClr val="dk1"/>
+                  <a:srgbClr val="3B3B3B"/>
                 </a:solidFill>
                 <a:latin typeface="Menlo"/>
                 <a:ea typeface="Menlo" panose="020B0609030804020204" pitchFamily="49" charset="0"/>
@@ -28681,7 +31205,7 @@
             <a:r>
               <a:rPr lang="es-ES" sz="800" dirty="0">
                 <a:solidFill>
-                  <a:schemeClr val="dk1"/>
+                  <a:srgbClr val="3B3B3B"/>
                 </a:solidFill>
                 <a:latin typeface="Menlo"/>
                 <a:ea typeface="Menlo" panose="020B0609030804020204" pitchFamily="49" charset="0"/>
@@ -28692,7 +31216,7 @@
             <a:r>
               <a:rPr lang="es-ES" sz="800" dirty="0" err="1">
                 <a:solidFill>
-                  <a:schemeClr val="dk1"/>
+                  <a:srgbClr val="3B3B3B"/>
                 </a:solidFill>
                 <a:latin typeface="Menlo"/>
                 <a:ea typeface="Menlo" panose="020B0609030804020204" pitchFamily="49" charset="0"/>
@@ -28702,7 +31226,7 @@
             </a:r>
             <a:endParaRPr lang="es-ES" sz="800" dirty="0">
               <a:solidFill>
-                <a:schemeClr val="dk1"/>
+                <a:srgbClr val="3B3B3B"/>
               </a:solidFill>
               <a:latin typeface="Menlo"/>
               <a:ea typeface="Menlo" panose="020B0609030804020204" pitchFamily="49" charset="0"/>
@@ -28719,7 +31243,7 @@
         </p:nvSpPr>
         <p:spPr>
           <a:xfrm>
-            <a:off x="4755350" y="1571025"/>
+            <a:off x="4954134" y="1534596"/>
             <a:ext cx="2944800" cy="358800"/>
           </a:xfrm>
           <a:prstGeom prst="rect">
@@ -28739,7 +31263,7 @@
             <a:r>
               <a:rPr lang="en" sz="800" dirty="0">
                 <a:solidFill>
-                  <a:schemeClr val="dk1"/>
+                  <a:srgbClr val="3B3B3B"/>
                 </a:solidFill>
                 <a:latin typeface="Menlo"/>
                 <a:ea typeface="Menlo" panose="020B0609030804020204" pitchFamily="49" charset="0"/>
@@ -28750,7 +31274,7 @@
             </a:r>
             <a:endParaRPr sz="800" dirty="0">
               <a:solidFill>
-                <a:schemeClr val="dk1"/>
+                <a:srgbClr val="3B3B3B"/>
               </a:solidFill>
               <a:latin typeface="Menlo"/>
               <a:ea typeface="Menlo" panose="020B0609030804020204" pitchFamily="49" charset="0"/>
@@ -28768,7 +31292,7 @@
         </p:nvSpPr>
         <p:spPr>
           <a:xfrm>
-            <a:off x="4755350" y="4126788"/>
+            <a:off x="4954134" y="4133537"/>
             <a:ext cx="2944800" cy="358800"/>
           </a:xfrm>
           <a:prstGeom prst="rect">
@@ -28786,9 +31310,9 @@
           <a:lstStyle/>
           <a:p>
             <a:r>
-              <a:rPr lang="es-ES" sz="800" err="1">
-                <a:solidFill>
-                  <a:schemeClr val="dk1"/>
+              <a:rPr lang="es-ES" sz="800" dirty="0" err="1">
+                <a:solidFill>
+                  <a:srgbClr val="3B3B3B"/>
                 </a:solidFill>
                 <a:latin typeface="Menlo"/>
                 <a:ea typeface="Menlo" panose="020B0609030804020204" pitchFamily="49" charset="0"/>
@@ -28797,9 +31321,9 @@
               <a:t>Imbalanced</a:t>
             </a:r>
             <a:r>
-              <a:rPr lang="es-ES" sz="800">
-                <a:solidFill>
-                  <a:schemeClr val="dk1"/>
+              <a:rPr lang="es-ES" sz="800" dirty="0">
+                <a:solidFill>
+                  <a:srgbClr val="3B3B3B"/>
                 </a:solidFill>
                 <a:latin typeface="Menlo"/>
                 <a:ea typeface="Menlo" panose="020B0609030804020204" pitchFamily="49" charset="0"/>
@@ -28808,9 +31332,9 @@
               <a:t> </a:t>
             </a:r>
             <a:r>
-              <a:rPr lang="es-ES" sz="800" err="1">
-                <a:solidFill>
-                  <a:schemeClr val="dk1"/>
+              <a:rPr lang="es-ES" sz="800" dirty="0" err="1">
+                <a:solidFill>
+                  <a:srgbClr val="3B3B3B"/>
                 </a:solidFill>
                 <a:latin typeface="Menlo"/>
                 <a:ea typeface="Menlo" panose="020B0609030804020204" pitchFamily="49" charset="0"/>
@@ -28819,9 +31343,9 @@
               <a:t>distribution</a:t>
             </a:r>
             <a:r>
-              <a:rPr lang="es-ES" sz="800">
-                <a:solidFill>
-                  <a:schemeClr val="dk1"/>
+              <a:rPr lang="es-ES" sz="800" dirty="0">
+                <a:solidFill>
+                  <a:srgbClr val="3B3B3B"/>
                 </a:solidFill>
                 <a:latin typeface="Menlo"/>
                 <a:ea typeface="Menlo" panose="020B0609030804020204" pitchFamily="49" charset="0"/>
@@ -28830,9 +31354,9 @@
               <a:t> </a:t>
             </a:r>
             <a:r>
-              <a:rPr lang="es-ES" sz="800" err="1">
-                <a:solidFill>
-                  <a:schemeClr val="dk1"/>
+              <a:rPr lang="es-ES" sz="800" dirty="0" err="1">
+                <a:solidFill>
+                  <a:srgbClr val="3B3B3B"/>
                 </a:solidFill>
                 <a:latin typeface="Menlo"/>
                 <a:ea typeface="Menlo" panose="020B0609030804020204" pitchFamily="49" charset="0"/>
@@ -28841,9 +31365,9 @@
               <a:t>of</a:t>
             </a:r>
             <a:r>
-              <a:rPr lang="es-ES" sz="800">
-                <a:solidFill>
-                  <a:schemeClr val="dk1"/>
+              <a:rPr lang="es-ES" sz="800" dirty="0">
+                <a:solidFill>
+                  <a:srgbClr val="3B3B3B"/>
                 </a:solidFill>
                 <a:latin typeface="Menlo"/>
                 <a:ea typeface="Menlo" panose="020B0609030804020204" pitchFamily="49" charset="0"/>
@@ -28852,9 +31376,9 @@
               <a:t> </a:t>
             </a:r>
             <a:r>
-              <a:rPr lang="es-ES" sz="800" err="1">
-                <a:solidFill>
-                  <a:schemeClr val="dk1"/>
+              <a:rPr lang="es-ES" sz="800" dirty="0" err="1">
+                <a:solidFill>
+                  <a:srgbClr val="3B3B3B"/>
                 </a:solidFill>
                 <a:latin typeface="Menlo"/>
                 <a:ea typeface="Menlo" panose="020B0609030804020204" pitchFamily="49" charset="0"/>
@@ -28862,6 +31386,14 @@
               </a:rPr>
               <a:t>observations</a:t>
             </a:r>
+            <a:endParaRPr lang="es-ES" sz="800" dirty="0">
+              <a:solidFill>
+                <a:srgbClr val="3B3B3B"/>
+              </a:solidFill>
+              <a:latin typeface="Menlo"/>
+              <a:ea typeface="Menlo" panose="020B0609030804020204" pitchFamily="49" charset="0"/>
+              <a:cs typeface="Menlo" panose="020B0609030804020204" pitchFamily="49" charset="0"/>
+            </a:endParaRPr>
           </a:p>
         </p:txBody>
       </p:sp>
@@ -28871,18 +31403,17 @@
           <p:cNvCxnSpPr>
             <a:cxnSpLocks/>
             <a:stCxn id="957" idx="3"/>
-            <a:endCxn id="963" idx="1"/>
           </p:cNvCxnSpPr>
           <p:nvPr/>
         </p:nvCxnSpPr>
         <p:spPr>
-          <a:xfrm rot="10800000" flipH="1">
-            <a:off x="3774550" y="1750350"/>
-            <a:ext cx="980700" cy="439500"/>
+          <a:xfrm flipV="1">
+            <a:off x="3520109" y="1710150"/>
+            <a:ext cx="797450" cy="479700"/>
           </a:xfrm>
           <a:prstGeom prst="bentConnector3">
             <a:avLst>
-              <a:gd name="adj1" fmla="val 50005"/>
+              <a:gd name="adj1" fmla="val 50000"/>
             </a:avLst>
           </a:prstGeom>
           <a:noFill/>
@@ -28903,18 +31434,17 @@
           <p:cNvCxnSpPr>
             <a:cxnSpLocks/>
             <a:stCxn id="957" idx="3"/>
-            <a:endCxn id="962" idx="1"/>
           </p:cNvCxnSpPr>
           <p:nvPr/>
         </p:nvCxnSpPr>
         <p:spPr>
           <a:xfrm>
-            <a:off x="3774550" y="2189850"/>
-            <a:ext cx="980700" cy="378600"/>
+            <a:off x="3520109" y="2189850"/>
+            <a:ext cx="797450" cy="381900"/>
           </a:xfrm>
           <a:prstGeom prst="bentConnector3">
             <a:avLst>
-              <a:gd name="adj1" fmla="val 50005"/>
+              <a:gd name="adj1" fmla="val 50000"/>
             </a:avLst>
           </a:prstGeom>
           <a:noFill/>
@@ -28931,24 +31461,26 @@
       </p:cxnSp>
       <p:cxnSp>
         <p:nvCxnSpPr>
-          <p:cNvPr id="5" name="Google Shape;967;p68">
+          <p:cNvPr id="7" name="Google Shape;965;p68">
             <a:extLst>
               <a:ext uri="{FF2B5EF4-FFF2-40B4-BE49-F238E27FC236}">
-                <a16:creationId xmlns:a16="http://schemas.microsoft.com/office/drawing/2014/main" id="{4CF18252-0B09-7223-3BDB-765108FA2875}"/>
+                <a16:creationId xmlns:a16="http://schemas.microsoft.com/office/drawing/2014/main" id="{E08C3A38-FE10-55B8-79C2-964FFCF3ABC2}"/>
               </a:ext>
             </a:extLst>
           </p:cNvPr>
-          <p:cNvCxnSpPr/>
+          <p:cNvCxnSpPr>
+            <a:cxnSpLocks/>
+          </p:cNvCxnSpPr>
           <p:nvPr/>
         </p:nvCxnSpPr>
         <p:spPr>
-          <a:xfrm rot="10800000" flipH="1">
-            <a:off x="3774550" y="3462646"/>
-            <a:ext cx="980700" cy="457800"/>
+          <a:xfrm flipV="1">
+            <a:off x="3520109" y="3443687"/>
+            <a:ext cx="797450" cy="479700"/>
           </a:xfrm>
           <a:prstGeom prst="bentConnector3">
             <a:avLst>
-              <a:gd name="adj1" fmla="val 50005"/>
+              <a:gd name="adj1" fmla="val 50000"/>
             </a:avLst>
           </a:prstGeom>
           <a:noFill/>
@@ -28965,24 +31497,26 @@
       </p:cxnSp>
       <p:cxnSp>
         <p:nvCxnSpPr>
-          <p:cNvPr id="6" name="Google Shape;968;p68">
+          <p:cNvPr id="8" name="Google Shape;966;p68">
             <a:extLst>
               <a:ext uri="{FF2B5EF4-FFF2-40B4-BE49-F238E27FC236}">
-                <a16:creationId xmlns:a16="http://schemas.microsoft.com/office/drawing/2014/main" id="{9FE56FF8-150E-E088-C328-B248267CA06A}"/>
+                <a16:creationId xmlns:a16="http://schemas.microsoft.com/office/drawing/2014/main" id="{1853C11A-C990-048E-3EC4-0CD80C00441F}"/>
               </a:ext>
             </a:extLst>
           </p:cNvPr>
-          <p:cNvCxnSpPr/>
+          <p:cNvCxnSpPr>
+            <a:cxnSpLocks/>
+          </p:cNvCxnSpPr>
           <p:nvPr/>
         </p:nvCxnSpPr>
         <p:spPr>
           <a:xfrm>
-            <a:off x="3774550" y="3920446"/>
-            <a:ext cx="980700" cy="360000"/>
+            <a:off x="3520109" y="3923387"/>
+            <a:ext cx="797450" cy="381900"/>
           </a:xfrm>
           <a:prstGeom prst="bentConnector3">
             <a:avLst>
-              <a:gd name="adj1" fmla="val 50005"/>
+              <a:gd name="adj1" fmla="val 50000"/>
             </a:avLst>
           </a:prstGeom>
           <a:noFill/>
@@ -28997,6 +31531,126 @@
           </a:ln>
         </p:spPr>
       </p:cxnSp>
+      <p:pic>
+        <p:nvPicPr>
+          <p:cNvPr id="9" name="Imagen 8">
+            <a:extLst>
+              <a:ext uri="{FF2B5EF4-FFF2-40B4-BE49-F238E27FC236}">
+                <a16:creationId xmlns:a16="http://schemas.microsoft.com/office/drawing/2014/main" id="{18BBA5AC-3B1B-B218-AD0B-D7336A09C993}"/>
+              </a:ext>
+            </a:extLst>
+          </p:cNvPr>
+          <p:cNvPicPr>
+            <a:picLocks noChangeAspect="1"/>
+          </p:cNvPicPr>
+          <p:nvPr/>
+        </p:nvPicPr>
+        <p:blipFill>
+          <a:blip r:embed="rId3"/>
+          <a:stretch>
+            <a:fillRect/>
+          </a:stretch>
+        </p:blipFill>
+        <p:spPr>
+          <a:xfrm>
+            <a:off x="4507304" y="1533396"/>
+            <a:ext cx="360000" cy="360000"/>
+          </a:xfrm>
+          <a:prstGeom prst="rect">
+            <a:avLst/>
+          </a:prstGeom>
+        </p:spPr>
+      </p:pic>
+      <p:pic>
+        <p:nvPicPr>
+          <p:cNvPr id="11" name="Imagen 10">
+            <a:extLst>
+              <a:ext uri="{FF2B5EF4-FFF2-40B4-BE49-F238E27FC236}">
+                <a16:creationId xmlns:a16="http://schemas.microsoft.com/office/drawing/2014/main" id="{0F9BA4F1-6D90-115A-CA24-31E10CC13C20}"/>
+              </a:ext>
+            </a:extLst>
+          </p:cNvPr>
+          <p:cNvPicPr>
+            <a:picLocks noChangeAspect="1"/>
+          </p:cNvPicPr>
+          <p:nvPr/>
+        </p:nvPicPr>
+        <p:blipFill>
+          <a:blip r:embed="rId4"/>
+          <a:stretch>
+            <a:fillRect/>
+          </a:stretch>
+        </p:blipFill>
+        <p:spPr>
+          <a:xfrm>
+            <a:off x="4507304" y="2405129"/>
+            <a:ext cx="356400" cy="356400"/>
+          </a:xfrm>
+          <a:prstGeom prst="rect">
+            <a:avLst/>
+          </a:prstGeom>
+        </p:spPr>
+      </p:pic>
+      <p:pic>
+        <p:nvPicPr>
+          <p:cNvPr id="12" name="Imagen 11">
+            <a:extLst>
+              <a:ext uri="{FF2B5EF4-FFF2-40B4-BE49-F238E27FC236}">
+                <a16:creationId xmlns:a16="http://schemas.microsoft.com/office/drawing/2014/main" id="{09C7A339-EECD-3EB7-CB6D-41364D350FD0}"/>
+              </a:ext>
+            </a:extLst>
+          </p:cNvPr>
+          <p:cNvPicPr>
+            <a:picLocks noChangeAspect="1"/>
+          </p:cNvPicPr>
+          <p:nvPr/>
+        </p:nvPicPr>
+        <p:blipFill>
+          <a:blip r:embed="rId5"/>
+          <a:stretch>
+            <a:fillRect/>
+          </a:stretch>
+        </p:blipFill>
+        <p:spPr>
+          <a:xfrm>
+            <a:off x="4524626" y="3305672"/>
+            <a:ext cx="321756" cy="321756"/>
+          </a:xfrm>
+          <a:prstGeom prst="rect">
+            <a:avLst/>
+          </a:prstGeom>
+        </p:spPr>
+      </p:pic>
+      <p:pic>
+        <p:nvPicPr>
+          <p:cNvPr id="13" name="Imagen 12">
+            <a:extLst>
+              <a:ext uri="{FF2B5EF4-FFF2-40B4-BE49-F238E27FC236}">
+                <a16:creationId xmlns:a16="http://schemas.microsoft.com/office/drawing/2014/main" id="{9ED155A9-F82D-AD11-9F2A-A18521B22E20}"/>
+              </a:ext>
+            </a:extLst>
+          </p:cNvPr>
+          <p:cNvPicPr>
+            <a:picLocks noChangeAspect="1"/>
+          </p:cNvPicPr>
+          <p:nvPr/>
+        </p:nvPicPr>
+        <p:blipFill>
+          <a:blip r:embed="rId6"/>
+          <a:stretch>
+            <a:fillRect/>
+          </a:stretch>
+        </p:blipFill>
+        <p:spPr>
+          <a:xfrm>
+            <a:off x="4496504" y="4114337"/>
+            <a:ext cx="378000" cy="378000"/>
+          </a:xfrm>
+          <a:prstGeom prst="rect">
+            <a:avLst/>
+          </a:prstGeom>
+        </p:spPr>
+      </p:pic>
     </p:spTree>
     <p:extLst>
       <p:ext uri="{BB962C8B-B14F-4D97-AF65-F5344CB8AC3E}">
@@ -29007,13 +31661,13 @@
   <p:clrMapOvr>
     <a:masterClrMapping/>
   </p:clrMapOvr>
-  <mc:AlternateContent xmlns:mc="http://schemas.openxmlformats.org/markup-compatibility/2006">
-    <mc:Choice xmlns:p159="http://schemas.microsoft.com/office/powerpoint/2015/09/main" Requires="p159">
+  <mc:AlternateContent xmlns:mc="http://schemas.openxmlformats.org/markup-compatibility/2006" xmlns:p159="http://schemas.microsoft.com/office/powerpoint/2015/09/main">
+    <mc:Choice Requires="p159">
       <p:transition xmlns:p14="http://schemas.microsoft.com/office/powerpoint/2010/main" spd="slow" p14:dur="2000">
         <p159:morph option="byObject"/>
       </p:transition>
     </mc:Choice>
-    <mc:Fallback>
+    <mc:Fallback xmlns="">
       <p:transition spd="slow">
         <p:fade/>
       </p:transition>
@@ -29022,7 +31676,7 @@
 </p:sld>
 </file>
 
-<file path=ppt/slides/slide23.xml><?xml version="1.0" encoding="utf-8"?>
+<file path=ppt/slides/slide24.xml><?xml version="1.0" encoding="utf-8"?>
 <p:sld xmlns:a="http://schemas.openxmlformats.org/drawingml/2006/main" xmlns:r="http://schemas.openxmlformats.org/officeDocument/2006/relationships" xmlns:p="http://schemas.openxmlformats.org/presentationml/2006/main">
   <p:cSld>
     <p:spTree>
@@ -29264,13 +31918,13 @@
   <p:clrMapOvr>
     <a:masterClrMapping/>
   </p:clrMapOvr>
-  <mc:AlternateContent xmlns:mc="http://schemas.openxmlformats.org/markup-compatibility/2006">
-    <mc:Choice xmlns:p159="http://schemas.microsoft.com/office/powerpoint/2015/09/main" Requires="p159">
+  <mc:AlternateContent xmlns:mc="http://schemas.openxmlformats.org/markup-compatibility/2006" xmlns:p159="http://schemas.microsoft.com/office/powerpoint/2015/09/main">
+    <mc:Choice Requires="p159">
       <p:transition xmlns:p14="http://schemas.microsoft.com/office/powerpoint/2010/main" spd="slow" p14:dur="2000">
         <p159:morph option="byObject"/>
       </p:transition>
     </mc:Choice>
-    <mc:Fallback>
+    <mc:Fallback xmlns="">
       <p:transition spd="slow">
         <p:fade/>
       </p:transition>
@@ -30051,13 +32705,13 @@
   <p:clrMapOvr>
     <a:masterClrMapping/>
   </p:clrMapOvr>
-  <mc:AlternateContent xmlns:mc="http://schemas.openxmlformats.org/markup-compatibility/2006">
-    <mc:Choice xmlns:p159="http://schemas.microsoft.com/office/powerpoint/2015/09/main" Requires="p159">
+  <mc:AlternateContent xmlns:mc="http://schemas.openxmlformats.org/markup-compatibility/2006" xmlns:p159="http://schemas.microsoft.com/office/powerpoint/2015/09/main">
+    <mc:Choice Requires="p159">
       <p:transition xmlns:p14="http://schemas.microsoft.com/office/powerpoint/2010/main" spd="slow" p14:dur="2000">
         <p159:morph option="byObject"/>
       </p:transition>
     </mc:Choice>
-    <mc:Fallback>
+    <mc:Fallback xmlns="">
       <p:transition spd="slow">
         <p:fade/>
       </p:transition>
@@ -30841,13 +33495,13 @@
   <p:clrMapOvr>
     <a:masterClrMapping/>
   </p:clrMapOvr>
-  <mc:AlternateContent xmlns:mc="http://schemas.openxmlformats.org/markup-compatibility/2006">
-    <mc:Choice xmlns:p159="http://schemas.microsoft.com/office/powerpoint/2015/09/main" Requires="p159">
+  <mc:AlternateContent xmlns:mc="http://schemas.openxmlformats.org/markup-compatibility/2006" xmlns:p159="http://schemas.microsoft.com/office/powerpoint/2015/09/main">
+    <mc:Choice Requires="p159">
       <p:transition xmlns:p14="http://schemas.microsoft.com/office/powerpoint/2010/main" spd="slow" p14:dur="2000">
         <p159:morph option="byObject"/>
       </p:transition>
     </mc:Choice>
-    <mc:Fallback>
+    <mc:Fallback xmlns="">
       <p:transition spd="slow">
         <p:fade/>
       </p:transition>
@@ -32199,13 +34853,13 @@
   <p:clrMapOvr>
     <a:masterClrMapping/>
   </p:clrMapOvr>
-  <mc:AlternateContent xmlns:mc="http://schemas.openxmlformats.org/markup-compatibility/2006">
-    <mc:Choice xmlns:p159="http://schemas.microsoft.com/office/powerpoint/2015/09/main" Requires="p159">
+  <mc:AlternateContent xmlns:mc="http://schemas.openxmlformats.org/markup-compatibility/2006" xmlns:p159="http://schemas.microsoft.com/office/powerpoint/2015/09/main">
+    <mc:Choice Requires="p159">
       <p:transition xmlns:p14="http://schemas.microsoft.com/office/powerpoint/2010/main" spd="slow" p14:dur="2000">
         <p159:morph option="byObject"/>
       </p:transition>
     </mc:Choice>
-    <mc:Fallback>
+    <mc:Fallback xmlns="">
       <p:transition spd="slow">
         <p:fade/>
       </p:transition>
@@ -32793,13 +35447,13 @@
   <p:clrMapOvr>
     <a:masterClrMapping/>
   </p:clrMapOvr>
-  <mc:AlternateContent xmlns:mc="http://schemas.openxmlformats.org/markup-compatibility/2006">
-    <mc:Choice xmlns:p159="http://schemas.microsoft.com/office/powerpoint/2015/09/main" Requires="p159">
+  <mc:AlternateContent xmlns:mc="http://schemas.openxmlformats.org/markup-compatibility/2006" xmlns:p159="http://schemas.microsoft.com/office/powerpoint/2015/09/main">
+    <mc:Choice Requires="p159">
       <p:transition xmlns:p14="http://schemas.microsoft.com/office/powerpoint/2010/main" spd="slow" p14:dur="2000">
         <p159:morph option="byObject"/>
       </p:transition>
     </mc:Choice>
-    <mc:Fallback>
+    <mc:Fallback xmlns="">
       <p:transition spd="slow">
         <p:fade/>
       </p:transition>
@@ -33597,13 +36251,13 @@
   <p:clrMapOvr>
     <a:masterClrMapping/>
   </p:clrMapOvr>
-  <mc:AlternateContent xmlns:mc="http://schemas.openxmlformats.org/markup-compatibility/2006">
-    <mc:Choice xmlns:p159="http://schemas.microsoft.com/office/powerpoint/2015/09/main" Requires="p159">
+  <mc:AlternateContent xmlns:mc="http://schemas.openxmlformats.org/markup-compatibility/2006" xmlns:p159="http://schemas.microsoft.com/office/powerpoint/2015/09/main">
+    <mc:Choice Requires="p159">
       <p:transition xmlns:p14="http://schemas.microsoft.com/office/powerpoint/2010/main" spd="slow" p14:dur="2000">
         <p159:morph option="byObject"/>
       </p:transition>
     </mc:Choice>
-    <mc:Fallback>
+    <mc:Fallback xmlns="">
       <p:transition spd="slow">
         <p:fade/>
       </p:transition>
@@ -35174,13 +37828,13 @@
   <p:clrMapOvr>
     <a:masterClrMapping/>
   </p:clrMapOvr>
-  <mc:AlternateContent xmlns:mc="http://schemas.openxmlformats.org/markup-compatibility/2006">
-    <mc:Choice xmlns:p159="http://schemas.microsoft.com/office/powerpoint/2015/09/main" Requires="p159">
+  <mc:AlternateContent xmlns:mc="http://schemas.openxmlformats.org/markup-compatibility/2006" xmlns:p159="http://schemas.microsoft.com/office/powerpoint/2015/09/main">
+    <mc:Choice Requires="p159">
       <p:transition xmlns:p14="http://schemas.microsoft.com/office/powerpoint/2010/main" spd="slow" p14:dur="2000">
         <p159:morph option="byObject"/>
       </p:transition>
     </mc:Choice>
-    <mc:Fallback>
+    <mc:Fallback xmlns="">
       <p:transition spd="slow">
         <p:fade/>
       </p:transition>
@@ -35264,8 +37918,8 @@
         </p:nvSpPr>
         <p:spPr>
           <a:xfrm>
-            <a:off x="6202018" y="1311965"/>
-            <a:ext cx="2790907" cy="3029447"/>
+            <a:off x="6202018" y="1663094"/>
+            <a:ext cx="2790907" cy="2552369"/>
           </a:xfrm>
           <a:prstGeom prst="rect">
             <a:avLst/>
@@ -36303,7 +38957,7 @@
               <a:buChar char="§"/>
             </a:pPr>
             <a:r>
-              <a:rPr lang="es-ES" sz="700" err="1">
+              <a:rPr lang="es-ES" sz="700" dirty="0" err="1">
                 <a:solidFill>
                   <a:srgbClr val="3B3B3B"/>
                 </a:solidFill>
@@ -36312,7 +38966,7 @@
               <a:t>The</a:t>
             </a:r>
             <a:r>
-              <a:rPr lang="es-ES" sz="700">
+              <a:rPr lang="es-ES" sz="700" dirty="0">
                 <a:solidFill>
                   <a:srgbClr val="3B3B3B"/>
                 </a:solidFill>
@@ -36321,7 +38975,7 @@
               <a:t> </a:t>
             </a:r>
             <a:r>
-              <a:rPr lang="es-ES" sz="700" err="1">
+              <a:rPr lang="es-ES" sz="700" dirty="0" err="1">
                 <a:solidFill>
                   <a:srgbClr val="3B3B3B"/>
                 </a:solidFill>
@@ -36330,7 +38984,7 @@
               <a:t>prevailing</a:t>
             </a:r>
             <a:r>
-              <a:rPr lang="es-ES" sz="700">
+              <a:rPr lang="es-ES" sz="700" dirty="0">
                 <a:solidFill>
                   <a:srgbClr val="3B3B3B"/>
                 </a:solidFill>
@@ -36339,7 +38993,7 @@
               <a:t> </a:t>
             </a:r>
             <a:r>
-              <a:rPr lang="es-ES" sz="700" err="1">
+              <a:rPr lang="es-ES" sz="700" dirty="0" err="1">
                 <a:solidFill>
                   <a:srgbClr val="3B3B3B"/>
                 </a:solidFill>
@@ -36348,7 +39002,7 @@
               <a:t>trend</a:t>
             </a:r>
             <a:r>
-              <a:rPr lang="es-ES" sz="700">
+              <a:rPr lang="es-ES" sz="700" dirty="0">
                 <a:solidFill>
                   <a:srgbClr val="3B3B3B"/>
                 </a:solidFill>
@@ -36357,7 +39011,7 @@
               <a:t> </a:t>
             </a:r>
             <a:r>
-              <a:rPr lang="es-ES" sz="700" err="1">
+              <a:rPr lang="es-ES" sz="700" dirty="0" err="1">
                 <a:solidFill>
                   <a:srgbClr val="3B3B3B"/>
                 </a:solidFill>
@@ -36366,7 +39020,7 @@
               <a:t>is</a:t>
             </a:r>
             <a:r>
-              <a:rPr lang="es-ES" sz="700">
+              <a:rPr lang="es-ES" sz="700" dirty="0">
                 <a:solidFill>
                   <a:srgbClr val="3B3B3B"/>
                 </a:solidFill>
@@ -36375,7 +39029,7 @@
               <a:t> </a:t>
             </a:r>
             <a:r>
-              <a:rPr lang="es-ES" sz="700" err="1">
+              <a:rPr lang="es-ES" sz="700" dirty="0" err="1">
                 <a:solidFill>
                   <a:srgbClr val="3B3B3B"/>
                 </a:solidFill>
@@ -36384,7 +39038,7 @@
               <a:t>that</a:t>
             </a:r>
             <a:r>
-              <a:rPr lang="es-ES" sz="700">
+              <a:rPr lang="es-ES" sz="700" dirty="0">
                 <a:solidFill>
                   <a:srgbClr val="3B3B3B"/>
                 </a:solidFill>
@@ -36393,7 +39047,7 @@
               <a:t> more </a:t>
             </a:r>
             <a:r>
-              <a:rPr lang="es-ES" sz="700" err="1">
+              <a:rPr lang="es-ES" sz="700" dirty="0" err="1">
                 <a:solidFill>
                   <a:srgbClr val="3B3B3B"/>
                 </a:solidFill>
@@ -36402,25 +39056,43 @@
               <a:t>people</a:t>
             </a:r>
             <a:r>
-              <a:rPr lang="es-ES" sz="700">
+              <a:rPr lang="es-ES" sz="700" dirty="0">
                 <a:solidFill>
                   <a:srgbClr val="3B3B3B"/>
                 </a:solidFill>
                 <a:latin typeface="Menlo"/>
               </a:rPr>
-              <a:t> do have a </a:t>
-            </a:r>
-            <a:r>
-              <a:rPr lang="es-ES" sz="700" err="1">
+              <a:t> do </a:t>
+            </a:r>
+            <a:r>
+              <a:rPr lang="es-ES" sz="700" dirty="0" err="1">
                 <a:solidFill>
                   <a:srgbClr val="3B3B3B"/>
                 </a:solidFill>
                 <a:latin typeface="Menlo"/>
               </a:rPr>
+              <a:t>have</a:t>
+            </a:r>
+            <a:r>
+              <a:rPr lang="es-ES" sz="700" dirty="0">
+                <a:solidFill>
+                  <a:srgbClr val="3B3B3B"/>
+                </a:solidFill>
+                <a:latin typeface="Menlo"/>
+              </a:rPr>
+              <a:t> a </a:t>
+            </a:r>
+            <a:r>
+              <a:rPr lang="es-ES" sz="700" dirty="0" err="1">
+                <a:solidFill>
+                  <a:srgbClr val="3B3B3B"/>
+                </a:solidFill>
+                <a:latin typeface="Menlo"/>
+              </a:rPr>
               <a:t>house</a:t>
             </a:r>
             <a:r>
-              <a:rPr lang="es-ES" sz="700">
+              <a:rPr lang="es-ES" sz="700" dirty="0">
                 <a:solidFill>
                   <a:srgbClr val="3B3B3B"/>
                 </a:solidFill>
@@ -36602,13 +39274,13 @@
   <p:clrMapOvr>
     <a:masterClrMapping/>
   </p:clrMapOvr>
-  <mc:AlternateContent xmlns:mc="http://schemas.openxmlformats.org/markup-compatibility/2006">
-    <mc:Choice xmlns:p159="http://schemas.microsoft.com/office/powerpoint/2015/09/main" Requires="p159">
+  <mc:AlternateContent xmlns:mc="http://schemas.openxmlformats.org/markup-compatibility/2006" xmlns:p159="http://schemas.microsoft.com/office/powerpoint/2015/09/main">
+    <mc:Choice Requires="p159">
       <p:transition xmlns:p14="http://schemas.microsoft.com/office/powerpoint/2010/main" spd="slow" p14:dur="2000">
         <p159:morph option="byObject"/>
       </p:transition>
     </mc:Choice>
-    <mc:Fallback>
+    <mc:Fallback xmlns="">
       <p:transition spd="slow">
         <p:fade/>
       </p:transition>
